--- a/Seminar.pptx
+++ b/Seminar.pptx
@@ -5,10 +5,10 @@
     <p:sldMasterId id="2147483648" r:id="rId1"/>
   </p:sldMasterIdLst>
   <p:notesMasterIdLst>
-    <p:notesMasterId r:id="rId33"/>
+    <p:notesMasterId r:id="rId31"/>
   </p:notesMasterIdLst>
   <p:handoutMasterIdLst>
-    <p:handoutMasterId r:id="rId34"/>
+    <p:handoutMasterId r:id="rId32"/>
   </p:handoutMasterIdLst>
   <p:sldIdLst>
     <p:sldId id="374" r:id="rId2"/>
@@ -27,21 +27,19 @@
     <p:sldId id="1387" r:id="rId15"/>
     <p:sldId id="1386" r:id="rId16"/>
     <p:sldId id="1388" r:id="rId17"/>
-    <p:sldId id="385" r:id="rId18"/>
-    <p:sldId id="1344" r:id="rId19"/>
-    <p:sldId id="1408" r:id="rId20"/>
-    <p:sldId id="1348" r:id="rId21"/>
-    <p:sldId id="1393" r:id="rId22"/>
-    <p:sldId id="1412" r:id="rId23"/>
-    <p:sldId id="1400" r:id="rId24"/>
-    <p:sldId id="1402" r:id="rId25"/>
-    <p:sldId id="1413" r:id="rId26"/>
-    <p:sldId id="1414" r:id="rId27"/>
-    <p:sldId id="1345" r:id="rId28"/>
-    <p:sldId id="1416" r:id="rId29"/>
-    <p:sldId id="1346" r:id="rId30"/>
-    <p:sldId id="1417" r:id="rId31"/>
-    <p:sldId id="1027" r:id="rId32"/>
+    <p:sldId id="1408" r:id="rId18"/>
+    <p:sldId id="1348" r:id="rId19"/>
+    <p:sldId id="1393" r:id="rId20"/>
+    <p:sldId id="1412" r:id="rId21"/>
+    <p:sldId id="1400" r:id="rId22"/>
+    <p:sldId id="1402" r:id="rId23"/>
+    <p:sldId id="1413" r:id="rId24"/>
+    <p:sldId id="1414" r:id="rId25"/>
+    <p:sldId id="1345" r:id="rId26"/>
+    <p:sldId id="1416" r:id="rId27"/>
+    <p:sldId id="1346" r:id="rId28"/>
+    <p:sldId id="1417" r:id="rId29"/>
+    <p:sldId id="1027" r:id="rId30"/>
   </p:sldIdLst>
   <p:sldSz cx="12192000" cy="6858000"/>
   <p:notesSz cx="6858000" cy="9144000"/>
@@ -2939,3103 +2937,6 @@
 </pc:chgInfo>
 </file>
 
-<file path=ppt/diagrams/colors1.xml><?xml version="1.0" encoding="utf-8"?>
-<dgm:colorsDef xmlns:dgm="http://schemas.openxmlformats.org/drawingml/2006/diagram" xmlns:a="http://schemas.openxmlformats.org/drawingml/2006/main" uniqueId="urn:microsoft.com/office/officeart/2005/8/colors/colorful1">
-  <dgm:title val=""/>
-  <dgm:desc val=""/>
-  <dgm:catLst>
-    <dgm:cat type="colorful" pri="10100"/>
-  </dgm:catLst>
-  <dgm:styleLbl name="node0">
-    <dgm:fillClrLst meth="repeat">
-      <a:schemeClr val="accent1"/>
-    </dgm:fillClrLst>
-    <dgm:linClrLst meth="repeat">
-      <a:schemeClr val="lt1"/>
-    </dgm:linClrLst>
-    <dgm:effectClrLst/>
-    <dgm:txLinClrLst/>
-    <dgm:txFillClrLst/>
-    <dgm:txEffectClrLst/>
-  </dgm:styleLbl>
-  <dgm:styleLbl name="node1">
-    <dgm:fillClrLst meth="repeat">
-      <a:schemeClr val="accent2"/>
-      <a:schemeClr val="accent3"/>
-      <a:schemeClr val="accent4"/>
-      <a:schemeClr val="accent5"/>
-      <a:schemeClr val="accent6"/>
-    </dgm:fillClrLst>
-    <dgm:linClrLst meth="repeat">
-      <a:schemeClr val="lt1"/>
-    </dgm:linClrLst>
-    <dgm:effectClrLst/>
-    <dgm:txLinClrLst/>
-    <dgm:txFillClrLst/>
-    <dgm:txEffectClrLst/>
-  </dgm:styleLbl>
-  <dgm:styleLbl name="alignNode1">
-    <dgm:fillClrLst meth="repeat">
-      <a:schemeClr val="accent2"/>
-      <a:schemeClr val="accent3"/>
-      <a:schemeClr val="accent4"/>
-      <a:schemeClr val="accent5"/>
-      <a:schemeClr val="accent6"/>
-    </dgm:fillClrLst>
-    <dgm:linClrLst meth="repeat">
-      <a:schemeClr val="accent2"/>
-      <a:schemeClr val="accent3"/>
-      <a:schemeClr val="accent4"/>
-      <a:schemeClr val="accent5"/>
-      <a:schemeClr val="accent6"/>
-    </dgm:linClrLst>
-    <dgm:effectClrLst/>
-    <dgm:txLinClrLst/>
-    <dgm:txFillClrLst/>
-    <dgm:txEffectClrLst/>
-  </dgm:styleLbl>
-  <dgm:styleLbl name="lnNode1">
-    <dgm:fillClrLst meth="repeat">
-      <a:schemeClr val="accent2"/>
-      <a:schemeClr val="accent3"/>
-      <a:schemeClr val="accent4"/>
-      <a:schemeClr val="accent5"/>
-      <a:schemeClr val="accent6"/>
-    </dgm:fillClrLst>
-    <dgm:linClrLst meth="repeat">
-      <a:schemeClr val="lt1"/>
-    </dgm:linClrLst>
-    <dgm:effectClrLst/>
-    <dgm:txLinClrLst/>
-    <dgm:txFillClrLst/>
-    <dgm:txEffectClrLst/>
-  </dgm:styleLbl>
-  <dgm:styleLbl name="vennNode1">
-    <dgm:fillClrLst meth="repeat">
-      <a:schemeClr val="accent2">
-        <a:alpha val="50000"/>
-      </a:schemeClr>
-      <a:schemeClr val="accent3">
-        <a:alpha val="50000"/>
-      </a:schemeClr>
-      <a:schemeClr val="accent4">
-        <a:alpha val="50000"/>
-      </a:schemeClr>
-      <a:schemeClr val="accent5">
-        <a:alpha val="50000"/>
-      </a:schemeClr>
-      <a:schemeClr val="accent6">
-        <a:alpha val="50000"/>
-      </a:schemeClr>
-    </dgm:fillClrLst>
-    <dgm:linClrLst meth="repeat">
-      <a:schemeClr val="lt1"/>
-    </dgm:linClrLst>
-    <dgm:effectClrLst/>
-    <dgm:txLinClrLst/>
-    <dgm:txFillClrLst/>
-    <dgm:txEffectClrLst/>
-  </dgm:styleLbl>
-  <dgm:styleLbl name="node2">
-    <dgm:fillClrLst>
-      <a:schemeClr val="accent2"/>
-    </dgm:fillClrLst>
-    <dgm:linClrLst meth="repeat">
-      <a:schemeClr val="lt1"/>
-    </dgm:linClrLst>
-    <dgm:effectClrLst/>
-    <dgm:txLinClrLst/>
-    <dgm:txFillClrLst/>
-    <dgm:txEffectClrLst/>
-  </dgm:styleLbl>
-  <dgm:styleLbl name="node3">
-    <dgm:fillClrLst>
-      <a:schemeClr val="accent3"/>
-    </dgm:fillClrLst>
-    <dgm:linClrLst meth="repeat">
-      <a:schemeClr val="lt1"/>
-    </dgm:linClrLst>
-    <dgm:effectClrLst/>
-    <dgm:txLinClrLst/>
-    <dgm:txFillClrLst/>
-    <dgm:txEffectClrLst/>
-  </dgm:styleLbl>
-  <dgm:styleLbl name="node4">
-    <dgm:fillClrLst>
-      <a:schemeClr val="accent4"/>
-    </dgm:fillClrLst>
-    <dgm:linClrLst meth="repeat">
-      <a:schemeClr val="lt1"/>
-    </dgm:linClrLst>
-    <dgm:effectClrLst/>
-    <dgm:txLinClrLst/>
-    <dgm:txFillClrLst/>
-    <dgm:txEffectClrLst/>
-  </dgm:styleLbl>
-  <dgm:styleLbl name="fgImgPlace1">
-    <dgm:fillClrLst meth="repeat">
-      <a:schemeClr val="accent2">
-        <a:tint val="50000"/>
-      </a:schemeClr>
-      <a:schemeClr val="accent3">
-        <a:tint val="50000"/>
-      </a:schemeClr>
-      <a:schemeClr val="accent4">
-        <a:tint val="50000"/>
-      </a:schemeClr>
-      <a:schemeClr val="accent5">
-        <a:tint val="50000"/>
-      </a:schemeClr>
-      <a:schemeClr val="accent6">
-        <a:tint val="50000"/>
-      </a:schemeClr>
-    </dgm:fillClrLst>
-    <dgm:linClrLst meth="repeat">
-      <a:schemeClr val="lt1"/>
-    </dgm:linClrLst>
-    <dgm:effectClrLst/>
-    <dgm:txLinClrLst/>
-    <dgm:txFillClrLst meth="repeat">
-      <a:schemeClr val="lt1"/>
-    </dgm:txFillClrLst>
-    <dgm:txEffectClrLst/>
-  </dgm:styleLbl>
-  <dgm:styleLbl name="alignImgPlace1">
-    <dgm:fillClrLst>
-      <a:schemeClr val="accent1">
-        <a:tint val="50000"/>
-      </a:schemeClr>
-      <a:schemeClr val="accent2">
-        <a:tint val="20000"/>
-      </a:schemeClr>
-    </dgm:fillClrLst>
-    <dgm:linClrLst meth="repeat">
-      <a:schemeClr val="lt1"/>
-    </dgm:linClrLst>
-    <dgm:effectClrLst/>
-    <dgm:txLinClrLst/>
-    <dgm:txFillClrLst meth="repeat">
-      <a:schemeClr val="lt1"/>
-    </dgm:txFillClrLst>
-    <dgm:txEffectClrLst/>
-  </dgm:styleLbl>
-  <dgm:styleLbl name="bgImgPlace1">
-    <dgm:fillClrLst>
-      <a:schemeClr val="accent1">
-        <a:tint val="50000"/>
-      </a:schemeClr>
-      <a:schemeClr val="accent2">
-        <a:tint val="20000"/>
-      </a:schemeClr>
-    </dgm:fillClrLst>
-    <dgm:linClrLst meth="repeat">
-      <a:schemeClr val="lt1"/>
-    </dgm:linClrLst>
-    <dgm:effectClrLst/>
-    <dgm:txLinClrLst/>
-    <dgm:txFillClrLst meth="repeat">
-      <a:schemeClr val="lt1"/>
-    </dgm:txFillClrLst>
-    <dgm:txEffectClrLst/>
-  </dgm:styleLbl>
-  <dgm:styleLbl name="sibTrans2D1">
-    <dgm:fillClrLst meth="repeat">
-      <a:schemeClr val="accent2"/>
-      <a:schemeClr val="accent3"/>
-      <a:schemeClr val="accent4"/>
-      <a:schemeClr val="accent5"/>
-      <a:schemeClr val="accent6"/>
-    </dgm:fillClrLst>
-    <dgm:linClrLst meth="cycle">
-      <a:schemeClr val="lt1"/>
-    </dgm:linClrLst>
-    <dgm:effectClrLst/>
-    <dgm:txLinClrLst/>
-    <dgm:txFillClrLst/>
-    <dgm:txEffectClrLst/>
-  </dgm:styleLbl>
-  <dgm:styleLbl name="fgSibTrans2D1">
-    <dgm:fillClrLst meth="repeat">
-      <a:schemeClr val="accent2"/>
-      <a:schemeClr val="accent3"/>
-      <a:schemeClr val="accent4"/>
-      <a:schemeClr val="accent5"/>
-      <a:schemeClr val="accent6"/>
-    </dgm:fillClrLst>
-    <dgm:linClrLst meth="cycle">
-      <a:schemeClr val="lt1"/>
-    </dgm:linClrLst>
-    <dgm:effectClrLst/>
-    <dgm:txLinClrLst/>
-    <dgm:txFillClrLst meth="repeat">
-      <a:schemeClr val="lt1"/>
-    </dgm:txFillClrLst>
-    <dgm:txEffectClrLst/>
-  </dgm:styleLbl>
-  <dgm:styleLbl name="bgSibTrans2D1">
-    <dgm:fillClrLst meth="repeat">
-      <a:schemeClr val="accent2"/>
-      <a:schemeClr val="accent3"/>
-      <a:schemeClr val="accent4"/>
-      <a:schemeClr val="accent5"/>
-      <a:schemeClr val="accent6"/>
-    </dgm:fillClrLst>
-    <dgm:linClrLst meth="cycle">
-      <a:schemeClr val="lt1"/>
-    </dgm:linClrLst>
-    <dgm:effectClrLst/>
-    <dgm:txLinClrLst/>
-    <dgm:txFillClrLst meth="repeat">
-      <a:schemeClr val="lt1"/>
-    </dgm:txFillClrLst>
-    <dgm:txEffectClrLst/>
-  </dgm:styleLbl>
-  <dgm:styleLbl name="sibTrans1D1">
-    <dgm:fillClrLst meth="repeat">
-      <a:schemeClr val="accent2"/>
-      <a:schemeClr val="accent3"/>
-      <a:schemeClr val="accent4"/>
-      <a:schemeClr val="accent5"/>
-      <a:schemeClr val="accent6"/>
-    </dgm:fillClrLst>
-    <dgm:linClrLst meth="repeat">
-      <a:schemeClr val="accent2"/>
-      <a:schemeClr val="accent3"/>
-      <a:schemeClr val="accent4"/>
-      <a:schemeClr val="accent5"/>
-      <a:schemeClr val="accent6"/>
-    </dgm:linClrLst>
-    <dgm:effectClrLst/>
-    <dgm:txLinClrLst/>
-    <dgm:txFillClrLst meth="repeat">
-      <a:schemeClr val="tx1"/>
-    </dgm:txFillClrLst>
-    <dgm:txEffectClrLst/>
-  </dgm:styleLbl>
-  <dgm:styleLbl name="callout">
-    <dgm:fillClrLst meth="repeat">
-      <a:schemeClr val="accent2"/>
-    </dgm:fillClrLst>
-    <dgm:linClrLst meth="repeat">
-      <a:schemeClr val="accent2">
-        <a:tint val="50000"/>
-      </a:schemeClr>
-    </dgm:linClrLst>
-    <dgm:effectClrLst/>
-    <dgm:txLinClrLst/>
-    <dgm:txFillClrLst meth="repeat">
-      <a:schemeClr val="tx1"/>
-    </dgm:txFillClrLst>
-    <dgm:txEffectClrLst/>
-  </dgm:styleLbl>
-  <dgm:styleLbl name="asst0">
-    <dgm:fillClrLst meth="repeat">
-      <a:schemeClr val="accent1"/>
-    </dgm:fillClrLst>
-    <dgm:linClrLst meth="repeat">
-      <a:schemeClr val="lt1"/>
-    </dgm:linClrLst>
-    <dgm:effectClrLst/>
-    <dgm:txLinClrLst/>
-    <dgm:txFillClrLst/>
-    <dgm:txEffectClrLst/>
-  </dgm:styleLbl>
-  <dgm:styleLbl name="asst1">
-    <dgm:fillClrLst meth="repeat">
-      <a:schemeClr val="accent2"/>
-    </dgm:fillClrLst>
-    <dgm:linClrLst meth="repeat">
-      <a:schemeClr val="lt1"/>
-    </dgm:linClrLst>
-    <dgm:effectClrLst/>
-    <dgm:txLinClrLst/>
-    <dgm:txFillClrLst/>
-    <dgm:txEffectClrLst/>
-  </dgm:styleLbl>
-  <dgm:styleLbl name="asst2">
-    <dgm:fillClrLst>
-      <a:schemeClr val="accent3"/>
-    </dgm:fillClrLst>
-    <dgm:linClrLst meth="repeat">
-      <a:schemeClr val="lt1"/>
-    </dgm:linClrLst>
-    <dgm:effectClrLst/>
-    <dgm:txLinClrLst/>
-    <dgm:txFillClrLst/>
-    <dgm:txEffectClrLst/>
-  </dgm:styleLbl>
-  <dgm:styleLbl name="asst3">
-    <dgm:fillClrLst>
-      <a:schemeClr val="accent4"/>
-    </dgm:fillClrLst>
-    <dgm:linClrLst meth="repeat">
-      <a:schemeClr val="lt1"/>
-    </dgm:linClrLst>
-    <dgm:effectClrLst/>
-    <dgm:txLinClrLst/>
-    <dgm:txFillClrLst/>
-    <dgm:txEffectClrLst/>
-  </dgm:styleLbl>
-  <dgm:styleLbl name="asst4">
-    <dgm:fillClrLst>
-      <a:schemeClr val="accent5"/>
-    </dgm:fillClrLst>
-    <dgm:linClrLst meth="repeat">
-      <a:schemeClr val="lt1"/>
-    </dgm:linClrLst>
-    <dgm:effectClrLst/>
-    <dgm:txLinClrLst/>
-    <dgm:txFillClrLst/>
-    <dgm:txEffectClrLst/>
-  </dgm:styleLbl>
-  <dgm:styleLbl name="parChTrans2D1">
-    <dgm:fillClrLst meth="repeat">
-      <a:schemeClr val="accent2"/>
-    </dgm:fillClrLst>
-    <dgm:linClrLst meth="repeat">
-      <a:schemeClr val="lt1"/>
-    </dgm:linClrLst>
-    <dgm:effectClrLst/>
-    <dgm:txLinClrLst/>
-    <dgm:txFillClrLst meth="repeat">
-      <a:schemeClr val="lt1"/>
-    </dgm:txFillClrLst>
-    <dgm:txEffectClrLst/>
-  </dgm:styleLbl>
-  <dgm:styleLbl name="parChTrans2D2">
-    <dgm:fillClrLst meth="repeat">
-      <a:schemeClr val="accent3"/>
-    </dgm:fillClrLst>
-    <dgm:linClrLst meth="repeat">
-      <a:schemeClr val="lt1"/>
-    </dgm:linClrLst>
-    <dgm:effectClrLst/>
-    <dgm:txLinClrLst/>
-    <dgm:txFillClrLst/>
-    <dgm:txEffectClrLst/>
-  </dgm:styleLbl>
-  <dgm:styleLbl name="parChTrans2D3">
-    <dgm:fillClrLst meth="repeat">
-      <a:schemeClr val="accent4"/>
-    </dgm:fillClrLst>
-    <dgm:linClrLst meth="repeat">
-      <a:schemeClr val="lt1"/>
-    </dgm:linClrLst>
-    <dgm:effectClrLst/>
-    <dgm:txLinClrLst/>
-    <dgm:txFillClrLst/>
-    <dgm:txEffectClrLst/>
-  </dgm:styleLbl>
-  <dgm:styleLbl name="parChTrans2D4">
-    <dgm:fillClrLst meth="repeat">
-      <a:schemeClr val="accent5"/>
-    </dgm:fillClrLst>
-    <dgm:linClrLst meth="repeat">
-      <a:schemeClr val="lt1"/>
-    </dgm:linClrLst>
-    <dgm:effectClrLst/>
-    <dgm:txLinClrLst/>
-    <dgm:txFillClrLst meth="repeat">
-      <a:schemeClr val="lt1"/>
-    </dgm:txFillClrLst>
-    <dgm:txEffectClrLst/>
-  </dgm:styleLbl>
-  <dgm:styleLbl name="parChTrans1D1">
-    <dgm:fillClrLst meth="repeat">
-      <a:schemeClr val="accent2"/>
-    </dgm:fillClrLst>
-    <dgm:linClrLst meth="repeat">
-      <a:schemeClr val="accent1"/>
-    </dgm:linClrLst>
-    <dgm:effectClrLst/>
-    <dgm:txLinClrLst/>
-    <dgm:txFillClrLst meth="repeat">
-      <a:schemeClr val="tx1"/>
-    </dgm:txFillClrLst>
-    <dgm:txEffectClrLst/>
-  </dgm:styleLbl>
-  <dgm:styleLbl name="parChTrans1D2">
-    <dgm:fillClrLst meth="repeat">
-      <a:schemeClr val="accent3">
-        <a:tint val="90000"/>
-      </a:schemeClr>
-    </dgm:fillClrLst>
-    <dgm:linClrLst meth="repeat">
-      <a:schemeClr val="accent2"/>
-    </dgm:linClrLst>
-    <dgm:effectClrLst/>
-    <dgm:txLinClrLst/>
-    <dgm:txFillClrLst meth="repeat">
-      <a:schemeClr val="tx1"/>
-    </dgm:txFillClrLst>
-    <dgm:txEffectClrLst/>
-  </dgm:styleLbl>
-  <dgm:styleLbl name="parChTrans1D3">
-    <dgm:fillClrLst meth="repeat">
-      <a:schemeClr val="accent4">
-        <a:tint val="70000"/>
-      </a:schemeClr>
-    </dgm:fillClrLst>
-    <dgm:linClrLst meth="repeat">
-      <a:schemeClr val="accent3"/>
-    </dgm:linClrLst>
-    <dgm:effectClrLst/>
-    <dgm:txLinClrLst/>
-    <dgm:txFillClrLst meth="repeat">
-      <a:schemeClr val="tx1"/>
-    </dgm:txFillClrLst>
-    <dgm:txEffectClrLst/>
-  </dgm:styleLbl>
-  <dgm:styleLbl name="parChTrans1D4">
-    <dgm:fillClrLst meth="repeat">
-      <a:schemeClr val="accent5">
-        <a:tint val="50000"/>
-      </a:schemeClr>
-    </dgm:fillClrLst>
-    <dgm:linClrLst meth="repeat">
-      <a:schemeClr val="accent4"/>
-    </dgm:linClrLst>
-    <dgm:effectClrLst/>
-    <dgm:txLinClrLst/>
-    <dgm:txFillClrLst meth="repeat">
-      <a:schemeClr val="tx1"/>
-    </dgm:txFillClrLst>
-    <dgm:txEffectClrLst/>
-  </dgm:styleLbl>
-  <dgm:styleLbl name="fgAcc1">
-    <dgm:fillClrLst meth="repeat">
-      <a:schemeClr val="lt1">
-        <a:alpha val="90000"/>
-      </a:schemeClr>
-    </dgm:fillClrLst>
-    <dgm:linClrLst meth="repeat">
-      <a:schemeClr val="accent2"/>
-      <a:schemeClr val="accent3"/>
-      <a:schemeClr val="accent4"/>
-      <a:schemeClr val="accent5"/>
-      <a:schemeClr val="accent6"/>
-    </dgm:linClrLst>
-    <dgm:effectClrLst/>
-    <dgm:txLinClrLst/>
-    <dgm:txFillClrLst meth="repeat">
-      <a:schemeClr val="dk1"/>
-    </dgm:txFillClrLst>
-    <dgm:txEffectClrLst/>
-  </dgm:styleLbl>
-  <dgm:styleLbl name="conFgAcc1">
-    <dgm:fillClrLst meth="repeat">
-      <a:schemeClr val="lt1">
-        <a:alpha val="90000"/>
-      </a:schemeClr>
-    </dgm:fillClrLst>
-    <dgm:linClrLst meth="repeat">
-      <a:schemeClr val="accent2"/>
-      <a:schemeClr val="accent3"/>
-      <a:schemeClr val="accent4"/>
-      <a:schemeClr val="accent5"/>
-      <a:schemeClr val="accent6"/>
-    </dgm:linClrLst>
-    <dgm:effectClrLst/>
-    <dgm:txLinClrLst/>
-    <dgm:txFillClrLst meth="repeat">
-      <a:schemeClr val="dk1"/>
-    </dgm:txFillClrLst>
-    <dgm:txEffectClrLst/>
-  </dgm:styleLbl>
-  <dgm:styleLbl name="alignAcc1">
-    <dgm:fillClrLst meth="repeat">
-      <a:schemeClr val="lt1">
-        <a:alpha val="90000"/>
-      </a:schemeClr>
-    </dgm:fillClrLst>
-    <dgm:linClrLst meth="repeat">
-      <a:schemeClr val="accent2"/>
-      <a:schemeClr val="accent3"/>
-      <a:schemeClr val="accent4"/>
-      <a:schemeClr val="accent5"/>
-      <a:schemeClr val="accent6"/>
-    </dgm:linClrLst>
-    <dgm:effectClrLst/>
-    <dgm:txLinClrLst/>
-    <dgm:txFillClrLst meth="repeat">
-      <a:schemeClr val="dk1"/>
-    </dgm:txFillClrLst>
-    <dgm:txEffectClrLst/>
-  </dgm:styleLbl>
-  <dgm:styleLbl name="trAlignAcc1">
-    <dgm:fillClrLst meth="repeat">
-      <a:schemeClr val="lt1">
-        <a:alpha val="40000"/>
-      </a:schemeClr>
-    </dgm:fillClrLst>
-    <dgm:linClrLst meth="repeat">
-      <a:schemeClr val="accent1"/>
-    </dgm:linClrLst>
-    <dgm:effectClrLst/>
-    <dgm:txLinClrLst/>
-    <dgm:txFillClrLst meth="repeat">
-      <a:schemeClr val="dk1"/>
-    </dgm:txFillClrLst>
-    <dgm:txEffectClrLst/>
-  </dgm:styleLbl>
-  <dgm:styleLbl name="bgAcc1">
-    <dgm:fillClrLst meth="repeat">
-      <a:schemeClr val="lt1">
-        <a:alpha val="90000"/>
-      </a:schemeClr>
-    </dgm:fillClrLst>
-    <dgm:linClrLst meth="repeat">
-      <a:schemeClr val="accent2"/>
-      <a:schemeClr val="accent3"/>
-      <a:schemeClr val="accent4"/>
-      <a:schemeClr val="accent5"/>
-      <a:schemeClr val="accent6"/>
-    </dgm:linClrLst>
-    <dgm:effectClrLst/>
-    <dgm:txLinClrLst/>
-    <dgm:txFillClrLst meth="repeat">
-      <a:schemeClr val="dk1"/>
-    </dgm:txFillClrLst>
-    <dgm:txEffectClrLst/>
-  </dgm:styleLbl>
-  <dgm:styleLbl name="solidFgAcc1">
-    <dgm:fillClrLst meth="repeat">
-      <a:schemeClr val="lt1"/>
-    </dgm:fillClrLst>
-    <dgm:linClrLst meth="repeat">
-      <a:schemeClr val="accent2"/>
-      <a:schemeClr val="accent3"/>
-      <a:schemeClr val="accent4"/>
-      <a:schemeClr val="accent5"/>
-      <a:schemeClr val="accent6"/>
-    </dgm:linClrLst>
-    <dgm:effectClrLst/>
-    <dgm:txLinClrLst/>
-    <dgm:txFillClrLst meth="repeat">
-      <a:schemeClr val="dk1"/>
-    </dgm:txFillClrLst>
-    <dgm:txEffectClrLst/>
-  </dgm:styleLbl>
-  <dgm:styleLbl name="solidAlignAcc1">
-    <dgm:fillClrLst meth="repeat">
-      <a:schemeClr val="lt1"/>
-    </dgm:fillClrLst>
-    <dgm:linClrLst meth="repeat">
-      <a:schemeClr val="accent2"/>
-      <a:schemeClr val="accent3"/>
-      <a:schemeClr val="accent4"/>
-      <a:schemeClr val="accent5"/>
-      <a:schemeClr val="accent6"/>
-    </dgm:linClrLst>
-    <dgm:effectClrLst/>
-    <dgm:txLinClrLst/>
-    <dgm:txFillClrLst meth="repeat">
-      <a:schemeClr val="dk1"/>
-    </dgm:txFillClrLst>
-    <dgm:txEffectClrLst/>
-  </dgm:styleLbl>
-  <dgm:styleLbl name="solidBgAcc1">
-    <dgm:fillClrLst meth="repeat">
-      <a:schemeClr val="lt1"/>
-    </dgm:fillClrLst>
-    <dgm:linClrLst meth="repeat">
-      <a:schemeClr val="accent2"/>
-      <a:schemeClr val="accent3"/>
-      <a:schemeClr val="accent4"/>
-      <a:schemeClr val="accent5"/>
-      <a:schemeClr val="accent6"/>
-    </dgm:linClrLst>
-    <dgm:effectClrLst/>
-    <dgm:txLinClrLst/>
-    <dgm:txFillClrLst meth="repeat">
-      <a:schemeClr val="dk1"/>
-    </dgm:txFillClrLst>
-    <dgm:txEffectClrLst/>
-  </dgm:styleLbl>
-  <dgm:styleLbl name="fgAccFollowNode1">
-    <dgm:fillClrLst meth="repeat">
-      <a:schemeClr val="accent2">
-        <a:tint val="40000"/>
-        <a:alpha val="90000"/>
-      </a:schemeClr>
-      <a:schemeClr val="accent3">
-        <a:tint val="40000"/>
-        <a:alpha val="90000"/>
-      </a:schemeClr>
-      <a:schemeClr val="accent4">
-        <a:tint val="40000"/>
-        <a:alpha val="90000"/>
-      </a:schemeClr>
-      <a:schemeClr val="accent5">
-        <a:tint val="40000"/>
-        <a:alpha val="90000"/>
-      </a:schemeClr>
-      <a:schemeClr val="accent6">
-        <a:tint val="40000"/>
-        <a:alpha val="90000"/>
-      </a:schemeClr>
-    </dgm:fillClrLst>
-    <dgm:linClrLst meth="repeat">
-      <a:schemeClr val="accent2">
-        <a:tint val="40000"/>
-        <a:alpha val="90000"/>
-      </a:schemeClr>
-      <a:schemeClr val="accent3">
-        <a:tint val="40000"/>
-        <a:alpha val="90000"/>
-      </a:schemeClr>
-      <a:schemeClr val="accent4">
-        <a:tint val="40000"/>
-        <a:alpha val="90000"/>
-      </a:schemeClr>
-      <a:schemeClr val="accent5">
-        <a:tint val="40000"/>
-        <a:alpha val="90000"/>
-      </a:schemeClr>
-      <a:schemeClr val="accent6">
-        <a:tint val="40000"/>
-        <a:alpha val="90000"/>
-      </a:schemeClr>
-    </dgm:linClrLst>
-    <dgm:effectClrLst/>
-    <dgm:txLinClrLst/>
-    <dgm:txFillClrLst meth="repeat">
-      <a:schemeClr val="dk1"/>
-    </dgm:txFillClrLst>
-    <dgm:txEffectClrLst/>
-  </dgm:styleLbl>
-  <dgm:styleLbl name="alignAccFollowNode1">
-    <dgm:fillClrLst meth="repeat">
-      <a:schemeClr val="accent2">
-        <a:tint val="40000"/>
-        <a:alpha val="90000"/>
-      </a:schemeClr>
-      <a:schemeClr val="accent3">
-        <a:tint val="40000"/>
-        <a:alpha val="90000"/>
-      </a:schemeClr>
-      <a:schemeClr val="accent4">
-        <a:tint val="40000"/>
-        <a:alpha val="90000"/>
-      </a:schemeClr>
-      <a:schemeClr val="accent5">
-        <a:tint val="40000"/>
-        <a:alpha val="90000"/>
-      </a:schemeClr>
-      <a:schemeClr val="accent6">
-        <a:tint val="40000"/>
-        <a:alpha val="90000"/>
-      </a:schemeClr>
-    </dgm:fillClrLst>
-    <dgm:linClrLst meth="repeat">
-      <a:schemeClr val="accent2">
-        <a:tint val="40000"/>
-        <a:alpha val="90000"/>
-      </a:schemeClr>
-      <a:schemeClr val="accent3">
-        <a:tint val="40000"/>
-        <a:alpha val="90000"/>
-      </a:schemeClr>
-      <a:schemeClr val="accent4">
-        <a:tint val="40000"/>
-        <a:alpha val="90000"/>
-      </a:schemeClr>
-      <a:schemeClr val="accent5">
-        <a:tint val="40000"/>
-        <a:alpha val="90000"/>
-      </a:schemeClr>
-      <a:schemeClr val="accent6">
-        <a:tint val="40000"/>
-        <a:alpha val="90000"/>
-      </a:schemeClr>
-    </dgm:linClrLst>
-    <dgm:effectClrLst/>
-    <dgm:txLinClrLst/>
-    <dgm:txFillClrLst meth="repeat">
-      <a:schemeClr val="dk1"/>
-    </dgm:txFillClrLst>
-    <dgm:txEffectClrLst/>
-  </dgm:styleLbl>
-  <dgm:styleLbl name="bgAccFollowNode1">
-    <dgm:fillClrLst meth="repeat">
-      <a:schemeClr val="accent2">
-        <a:tint val="40000"/>
-        <a:alpha val="90000"/>
-      </a:schemeClr>
-      <a:schemeClr val="accent3">
-        <a:tint val="40000"/>
-        <a:alpha val="90000"/>
-      </a:schemeClr>
-      <a:schemeClr val="accent4">
-        <a:tint val="40000"/>
-        <a:alpha val="90000"/>
-      </a:schemeClr>
-      <a:schemeClr val="accent5">
-        <a:tint val="40000"/>
-        <a:alpha val="90000"/>
-      </a:schemeClr>
-      <a:schemeClr val="accent6">
-        <a:tint val="40000"/>
-        <a:alpha val="90000"/>
-      </a:schemeClr>
-    </dgm:fillClrLst>
-    <dgm:linClrLst meth="repeat">
-      <a:schemeClr val="accent2">
-        <a:tint val="40000"/>
-        <a:alpha val="90000"/>
-      </a:schemeClr>
-      <a:schemeClr val="accent3">
-        <a:tint val="40000"/>
-        <a:alpha val="90000"/>
-      </a:schemeClr>
-      <a:schemeClr val="accent4">
-        <a:tint val="40000"/>
-        <a:alpha val="90000"/>
-      </a:schemeClr>
-      <a:schemeClr val="accent5">
-        <a:tint val="40000"/>
-        <a:alpha val="90000"/>
-      </a:schemeClr>
-      <a:schemeClr val="accent6">
-        <a:tint val="40000"/>
-        <a:alpha val="90000"/>
-      </a:schemeClr>
-    </dgm:linClrLst>
-    <dgm:effectClrLst/>
-    <dgm:txLinClrLst/>
-    <dgm:txFillClrLst meth="repeat">
-      <a:schemeClr val="dk1"/>
-    </dgm:txFillClrLst>
-    <dgm:txEffectClrLst/>
-  </dgm:styleLbl>
-  <dgm:styleLbl name="fgAcc0">
-    <dgm:fillClrLst meth="repeat">
-      <a:schemeClr val="lt1">
-        <a:alpha val="90000"/>
-      </a:schemeClr>
-    </dgm:fillClrLst>
-    <dgm:linClrLst>
-      <a:schemeClr val="accent1"/>
-    </dgm:linClrLst>
-    <dgm:effectClrLst/>
-    <dgm:txLinClrLst/>
-    <dgm:txFillClrLst meth="repeat">
-      <a:schemeClr val="dk1"/>
-    </dgm:txFillClrLst>
-    <dgm:txEffectClrLst/>
-  </dgm:styleLbl>
-  <dgm:styleLbl name="fgAcc2">
-    <dgm:fillClrLst meth="repeat">
-      <a:schemeClr val="lt1">
-        <a:alpha val="90000"/>
-      </a:schemeClr>
-    </dgm:fillClrLst>
-    <dgm:linClrLst>
-      <a:schemeClr val="accent2"/>
-    </dgm:linClrLst>
-    <dgm:effectClrLst/>
-    <dgm:txLinClrLst/>
-    <dgm:txFillClrLst meth="repeat">
-      <a:schemeClr val="dk1"/>
-    </dgm:txFillClrLst>
-    <dgm:txEffectClrLst/>
-  </dgm:styleLbl>
-  <dgm:styleLbl name="fgAcc3">
-    <dgm:fillClrLst meth="repeat">
-      <a:schemeClr val="lt1">
-        <a:alpha val="90000"/>
-      </a:schemeClr>
-    </dgm:fillClrLst>
-    <dgm:linClrLst>
-      <a:schemeClr val="accent3"/>
-    </dgm:linClrLst>
-    <dgm:effectClrLst/>
-    <dgm:txLinClrLst/>
-    <dgm:txFillClrLst meth="repeat">
-      <a:schemeClr val="dk1"/>
-    </dgm:txFillClrLst>
-    <dgm:txEffectClrLst/>
-  </dgm:styleLbl>
-  <dgm:styleLbl name="fgAcc4">
-    <dgm:fillClrLst meth="repeat">
-      <a:schemeClr val="lt1">
-        <a:alpha val="90000"/>
-      </a:schemeClr>
-    </dgm:fillClrLst>
-    <dgm:linClrLst>
-      <a:schemeClr val="accent4"/>
-    </dgm:linClrLst>
-    <dgm:effectClrLst/>
-    <dgm:txLinClrLst/>
-    <dgm:txFillClrLst meth="repeat">
-      <a:schemeClr val="dk1"/>
-    </dgm:txFillClrLst>
-    <dgm:txEffectClrLst/>
-  </dgm:styleLbl>
-  <dgm:styleLbl name="bgShp">
-    <dgm:fillClrLst meth="repeat">
-      <a:schemeClr val="accent2">
-        <a:tint val="40000"/>
-      </a:schemeClr>
-    </dgm:fillClrLst>
-    <dgm:linClrLst meth="repeat">
-      <a:schemeClr val="dk1"/>
-    </dgm:linClrLst>
-    <dgm:effectClrLst/>
-    <dgm:txLinClrLst/>
-    <dgm:txFillClrLst meth="repeat">
-      <a:schemeClr val="dk1"/>
-    </dgm:txFillClrLst>
-    <dgm:txEffectClrLst/>
-  </dgm:styleLbl>
-  <dgm:styleLbl name="dkBgShp">
-    <dgm:fillClrLst meth="repeat">
-      <a:schemeClr val="accent2">
-        <a:shade val="90000"/>
-      </a:schemeClr>
-    </dgm:fillClrLst>
-    <dgm:linClrLst meth="repeat">
-      <a:schemeClr val="dk1"/>
-    </dgm:linClrLst>
-    <dgm:effectClrLst/>
-    <dgm:txLinClrLst/>
-    <dgm:txFillClrLst meth="repeat">
-      <a:schemeClr val="lt1"/>
-    </dgm:txFillClrLst>
-    <dgm:txEffectClrLst/>
-  </dgm:styleLbl>
-  <dgm:styleLbl name="trBgShp">
-    <dgm:fillClrLst meth="repeat">
-      <a:schemeClr val="accent1">
-        <a:tint val="50000"/>
-        <a:alpha val="40000"/>
-      </a:schemeClr>
-    </dgm:fillClrLst>
-    <dgm:linClrLst meth="repeat">
-      <a:schemeClr val="accent2"/>
-    </dgm:linClrLst>
-    <dgm:effectClrLst/>
-    <dgm:txLinClrLst/>
-    <dgm:txFillClrLst meth="repeat">
-      <a:schemeClr val="lt1"/>
-    </dgm:txFillClrLst>
-    <dgm:txEffectClrLst/>
-  </dgm:styleLbl>
-  <dgm:styleLbl name="fgShp">
-    <dgm:fillClrLst meth="repeat">
-      <a:schemeClr val="accent2">
-        <a:tint val="40000"/>
-      </a:schemeClr>
-    </dgm:fillClrLst>
-    <dgm:linClrLst meth="repeat">
-      <a:schemeClr val="lt1"/>
-    </dgm:linClrLst>
-    <dgm:effectClrLst/>
-    <dgm:txLinClrLst/>
-    <dgm:txFillClrLst meth="repeat">
-      <a:schemeClr val="dk1"/>
-    </dgm:txFillClrLst>
-    <dgm:txEffectClrLst/>
-  </dgm:styleLbl>
-  <dgm:styleLbl name="revTx">
-    <dgm:fillClrLst meth="repeat">
-      <a:schemeClr val="lt1">
-        <a:alpha val="0"/>
-      </a:schemeClr>
-    </dgm:fillClrLst>
-    <dgm:linClrLst meth="repeat">
-      <a:schemeClr val="dk1">
-        <a:alpha val="0"/>
-      </a:schemeClr>
-    </dgm:linClrLst>
-    <dgm:effectClrLst/>
-    <dgm:txLinClrLst/>
-    <dgm:txFillClrLst meth="repeat">
-      <a:schemeClr val="tx1"/>
-    </dgm:txFillClrLst>
-    <dgm:txEffectClrLst/>
-  </dgm:styleLbl>
-</dgm:colorsDef>
-</file>
-
-<file path=ppt/diagrams/data1.xml><?xml version="1.0" encoding="utf-8"?>
-<dgm:dataModel xmlns:dgm="http://schemas.openxmlformats.org/drawingml/2006/diagram" xmlns:a="http://schemas.openxmlformats.org/drawingml/2006/main">
-  <dgm:ptLst>
-    <dgm:pt modelId="{EE766013-E55B-4E26-9460-FFB26F9A5597}" type="doc">
-      <dgm:prSet loTypeId="urn:microsoft.com/office/officeart/2005/8/layout/cycle2" loCatId="cycle" qsTypeId="urn:microsoft.com/office/officeart/2005/8/quickstyle/simple1" qsCatId="simple" csTypeId="urn:microsoft.com/office/officeart/2005/8/colors/colorful1" csCatId="colorful" phldr="1"/>
-      <dgm:spPr/>
-      <dgm:t>
-        <a:bodyPr/>
-        <a:lstStyle/>
-        <a:p>
-          <a:endParaRPr lang="en-US"/>
-        </a:p>
-      </dgm:t>
-    </dgm:pt>
-    <dgm:pt modelId="{785EDC16-D1D9-4CF1-9161-1F9A834E76D1}">
-      <dgm:prSet phldrT="[Text]" custT="1"/>
-      <dgm:spPr/>
-      <dgm:t>
-        <a:bodyPr/>
-        <a:lstStyle/>
-        <a:p>
-          <a:r>
-            <a:rPr lang="en-US" sz="1400" dirty="0">
-              <a:latin typeface="Poppins Bold" panose="00000800000000000000" pitchFamily="2" charset="0"/>
-              <a:cs typeface="Poppins Bold" panose="00000800000000000000" pitchFamily="2" charset="0"/>
-            </a:rPr>
-            <a:t>Expertise</a:t>
-          </a:r>
-        </a:p>
-      </dgm:t>
-    </dgm:pt>
-    <dgm:pt modelId="{20FEE679-B78D-42A1-A56C-26E72991E8E3}" type="parTrans" cxnId="{98DD8650-AC3D-4954-9598-C0C09DF621EF}">
-      <dgm:prSet/>
-      <dgm:spPr/>
-      <dgm:t>
-        <a:bodyPr/>
-        <a:lstStyle/>
-        <a:p>
-          <a:endParaRPr lang="en-US" sz="1400">
-            <a:latin typeface="Poppins Bold" panose="00000800000000000000" pitchFamily="2" charset="0"/>
-            <a:cs typeface="Poppins Bold" panose="00000800000000000000" pitchFamily="2" charset="0"/>
-          </a:endParaRPr>
-        </a:p>
-      </dgm:t>
-    </dgm:pt>
-    <dgm:pt modelId="{E9F9CC7C-6179-45ED-B438-844F9FBF086D}" type="sibTrans" cxnId="{98DD8650-AC3D-4954-9598-C0C09DF621EF}">
-      <dgm:prSet custT="1"/>
-      <dgm:spPr/>
-      <dgm:t>
-        <a:bodyPr/>
-        <a:lstStyle/>
-        <a:p>
-          <a:endParaRPr lang="en-US" sz="1400">
-            <a:latin typeface="Poppins Bold" panose="00000800000000000000" pitchFamily="2" charset="0"/>
-            <a:cs typeface="Poppins Bold" panose="00000800000000000000" pitchFamily="2" charset="0"/>
-          </a:endParaRPr>
-        </a:p>
-      </dgm:t>
-    </dgm:pt>
-    <dgm:pt modelId="{9A32F428-E263-4797-A4B9-C292D063FB1E}">
-      <dgm:prSet phldrT="[Text]" custT="1"/>
-      <dgm:spPr/>
-      <dgm:t>
-        <a:bodyPr/>
-        <a:lstStyle/>
-        <a:p>
-          <a:r>
-            <a:rPr lang="en-US" sz="1400" dirty="0">
-              <a:latin typeface="Poppins Bold" panose="00000800000000000000" pitchFamily="2" charset="0"/>
-              <a:cs typeface="Poppins Bold" panose="00000800000000000000" pitchFamily="2" charset="0"/>
-            </a:rPr>
-            <a:t>Expertise</a:t>
-          </a:r>
-        </a:p>
-      </dgm:t>
-    </dgm:pt>
-    <dgm:pt modelId="{16CA9397-F518-4FDA-93E6-709CD9AEC747}" type="parTrans" cxnId="{D854F965-17AA-43EF-9D73-22E3C6C4C4EB}">
-      <dgm:prSet/>
-      <dgm:spPr/>
-      <dgm:t>
-        <a:bodyPr/>
-        <a:lstStyle/>
-        <a:p>
-          <a:endParaRPr lang="en-US" sz="1400">
-            <a:latin typeface="Poppins Bold" panose="00000800000000000000" pitchFamily="2" charset="0"/>
-            <a:cs typeface="Poppins Bold" panose="00000800000000000000" pitchFamily="2" charset="0"/>
-          </a:endParaRPr>
-        </a:p>
-      </dgm:t>
-    </dgm:pt>
-    <dgm:pt modelId="{B47E031A-1B25-4DCC-AA4D-96C2CF60B14F}" type="sibTrans" cxnId="{D854F965-17AA-43EF-9D73-22E3C6C4C4EB}">
-      <dgm:prSet custT="1"/>
-      <dgm:spPr/>
-      <dgm:t>
-        <a:bodyPr/>
-        <a:lstStyle/>
-        <a:p>
-          <a:endParaRPr lang="en-US" sz="1400">
-            <a:latin typeface="Poppins Bold" panose="00000800000000000000" pitchFamily="2" charset="0"/>
-            <a:cs typeface="Poppins Bold" panose="00000800000000000000" pitchFamily="2" charset="0"/>
-          </a:endParaRPr>
-        </a:p>
-      </dgm:t>
-    </dgm:pt>
-    <dgm:pt modelId="{70D2FE6F-988E-4B2E-969A-692FE8D43C09}">
-      <dgm:prSet phldrT="[Text]" custT="1"/>
-      <dgm:spPr/>
-      <dgm:t>
-        <a:bodyPr/>
-        <a:lstStyle/>
-        <a:p>
-          <a:r>
-            <a:rPr lang="en-US" sz="1400" dirty="0">
-              <a:latin typeface="Poppins Bold" panose="00000800000000000000" pitchFamily="2" charset="0"/>
-              <a:cs typeface="Poppins Bold" panose="00000800000000000000" pitchFamily="2" charset="0"/>
-            </a:rPr>
-            <a:t>Expertise</a:t>
-          </a:r>
-        </a:p>
-      </dgm:t>
-    </dgm:pt>
-    <dgm:pt modelId="{17813A03-5659-4873-8625-7079C03EDC35}" type="parTrans" cxnId="{2FBDE636-E3A3-462B-8189-8A0DBA1AECFE}">
-      <dgm:prSet/>
-      <dgm:spPr/>
-      <dgm:t>
-        <a:bodyPr/>
-        <a:lstStyle/>
-        <a:p>
-          <a:endParaRPr lang="en-US" sz="1400">
-            <a:latin typeface="Poppins Bold" panose="00000800000000000000" pitchFamily="2" charset="0"/>
-            <a:cs typeface="Poppins Bold" panose="00000800000000000000" pitchFamily="2" charset="0"/>
-          </a:endParaRPr>
-        </a:p>
-      </dgm:t>
-    </dgm:pt>
-    <dgm:pt modelId="{6A521A0A-599C-4A3A-BD8F-4582B4CF1B6E}" type="sibTrans" cxnId="{2FBDE636-E3A3-462B-8189-8A0DBA1AECFE}">
-      <dgm:prSet custT="1"/>
-      <dgm:spPr/>
-      <dgm:t>
-        <a:bodyPr/>
-        <a:lstStyle/>
-        <a:p>
-          <a:endParaRPr lang="en-US" sz="1400">
-            <a:latin typeface="Poppins Bold" panose="00000800000000000000" pitchFamily="2" charset="0"/>
-            <a:cs typeface="Poppins Bold" panose="00000800000000000000" pitchFamily="2" charset="0"/>
-          </a:endParaRPr>
-        </a:p>
-      </dgm:t>
-    </dgm:pt>
-    <dgm:pt modelId="{AF039306-8F1F-4B33-92BE-B83D60726634}">
-      <dgm:prSet phldrT="[Text]" custT="1"/>
-      <dgm:spPr>
-        <a:solidFill>
-          <a:schemeClr val="accent1"/>
-        </a:solidFill>
-      </dgm:spPr>
-      <dgm:t>
-        <a:bodyPr/>
-        <a:lstStyle/>
-        <a:p>
-          <a:r>
-            <a:rPr lang="en-US" sz="1400" dirty="0">
-              <a:latin typeface="Poppins Bold" panose="00000800000000000000" pitchFamily="2" charset="0"/>
-              <a:cs typeface="Poppins Bold" panose="00000800000000000000" pitchFamily="2" charset="0"/>
-            </a:rPr>
-            <a:t>Expertise</a:t>
-          </a:r>
-        </a:p>
-      </dgm:t>
-    </dgm:pt>
-    <dgm:pt modelId="{361BB9F4-60D3-4640-A059-AC707C2F6DC9}" type="parTrans" cxnId="{A12F16F4-8ACC-4E1C-9F89-3CE0B16F78B4}">
-      <dgm:prSet/>
-      <dgm:spPr/>
-      <dgm:t>
-        <a:bodyPr/>
-        <a:lstStyle/>
-        <a:p>
-          <a:endParaRPr lang="en-US" sz="1400">
-            <a:latin typeface="Poppins Bold" panose="00000800000000000000" pitchFamily="2" charset="0"/>
-            <a:cs typeface="Poppins Bold" panose="00000800000000000000" pitchFamily="2" charset="0"/>
-          </a:endParaRPr>
-        </a:p>
-      </dgm:t>
-    </dgm:pt>
-    <dgm:pt modelId="{08AB2F6B-F094-48D8-A119-D93D6E6918EE}" type="sibTrans" cxnId="{A12F16F4-8ACC-4E1C-9F89-3CE0B16F78B4}">
-      <dgm:prSet custT="1"/>
-      <dgm:spPr>
-        <a:solidFill>
-          <a:schemeClr val="accent1"/>
-        </a:solidFill>
-      </dgm:spPr>
-      <dgm:t>
-        <a:bodyPr/>
-        <a:lstStyle/>
-        <a:p>
-          <a:endParaRPr lang="en-US" sz="1400">
-            <a:latin typeface="Poppins Bold" panose="00000800000000000000" pitchFamily="2" charset="0"/>
-            <a:cs typeface="Poppins Bold" panose="00000800000000000000" pitchFamily="2" charset="0"/>
-          </a:endParaRPr>
-        </a:p>
-      </dgm:t>
-    </dgm:pt>
-    <dgm:pt modelId="{8E6A4A06-B69B-41E5-9CDF-B79634D3DBA8}" type="pres">
-      <dgm:prSet presAssocID="{EE766013-E55B-4E26-9460-FFB26F9A5597}" presName="cycle" presStyleCnt="0">
-        <dgm:presLayoutVars>
-          <dgm:dir/>
-          <dgm:resizeHandles val="exact"/>
-        </dgm:presLayoutVars>
-      </dgm:prSet>
-      <dgm:spPr/>
-    </dgm:pt>
-    <dgm:pt modelId="{84EDD72D-B47F-4DCA-A3AE-3FB9A0B2438B}" type="pres">
-      <dgm:prSet presAssocID="{785EDC16-D1D9-4CF1-9161-1F9A834E76D1}" presName="node" presStyleLbl="node1" presStyleIdx="0" presStyleCnt="4">
-        <dgm:presLayoutVars>
-          <dgm:bulletEnabled val="1"/>
-        </dgm:presLayoutVars>
-      </dgm:prSet>
-      <dgm:spPr/>
-    </dgm:pt>
-    <dgm:pt modelId="{09245FE4-B529-4C1F-8469-9984512CED92}" type="pres">
-      <dgm:prSet presAssocID="{E9F9CC7C-6179-45ED-B438-844F9FBF086D}" presName="sibTrans" presStyleLbl="sibTrans2D1" presStyleIdx="0" presStyleCnt="4"/>
-      <dgm:spPr/>
-    </dgm:pt>
-    <dgm:pt modelId="{E6DBAF5A-29E1-408C-8EBA-9078B0DB33A4}" type="pres">
-      <dgm:prSet presAssocID="{E9F9CC7C-6179-45ED-B438-844F9FBF086D}" presName="connectorText" presStyleLbl="sibTrans2D1" presStyleIdx="0" presStyleCnt="4"/>
-      <dgm:spPr/>
-    </dgm:pt>
-    <dgm:pt modelId="{8795111B-B53A-4390-96CF-5204BF7F5204}" type="pres">
-      <dgm:prSet presAssocID="{9A32F428-E263-4797-A4B9-C292D063FB1E}" presName="node" presStyleLbl="node1" presStyleIdx="1" presStyleCnt="4">
-        <dgm:presLayoutVars>
-          <dgm:bulletEnabled val="1"/>
-        </dgm:presLayoutVars>
-      </dgm:prSet>
-      <dgm:spPr/>
-    </dgm:pt>
-    <dgm:pt modelId="{847E26F7-F190-4C50-8E44-8AC04C9BBADF}" type="pres">
-      <dgm:prSet presAssocID="{B47E031A-1B25-4DCC-AA4D-96C2CF60B14F}" presName="sibTrans" presStyleLbl="sibTrans2D1" presStyleIdx="1" presStyleCnt="4"/>
-      <dgm:spPr/>
-    </dgm:pt>
-    <dgm:pt modelId="{71B0A488-44C0-4E61-92E6-73A9C7ECABE5}" type="pres">
-      <dgm:prSet presAssocID="{B47E031A-1B25-4DCC-AA4D-96C2CF60B14F}" presName="connectorText" presStyleLbl="sibTrans2D1" presStyleIdx="1" presStyleCnt="4"/>
-      <dgm:spPr/>
-    </dgm:pt>
-    <dgm:pt modelId="{4B7132AB-A6CE-4521-B3C8-36F3ACCAF08F}" type="pres">
-      <dgm:prSet presAssocID="{70D2FE6F-988E-4B2E-969A-692FE8D43C09}" presName="node" presStyleLbl="node1" presStyleIdx="2" presStyleCnt="4">
-        <dgm:presLayoutVars>
-          <dgm:bulletEnabled val="1"/>
-        </dgm:presLayoutVars>
-      </dgm:prSet>
-      <dgm:spPr/>
-    </dgm:pt>
-    <dgm:pt modelId="{BA75F3AF-F554-479D-98BD-009EAA358EC0}" type="pres">
-      <dgm:prSet presAssocID="{6A521A0A-599C-4A3A-BD8F-4582B4CF1B6E}" presName="sibTrans" presStyleLbl="sibTrans2D1" presStyleIdx="2" presStyleCnt="4"/>
-      <dgm:spPr/>
-    </dgm:pt>
-    <dgm:pt modelId="{AFD477C2-93FF-4882-92D5-764B72CB9C09}" type="pres">
-      <dgm:prSet presAssocID="{6A521A0A-599C-4A3A-BD8F-4582B4CF1B6E}" presName="connectorText" presStyleLbl="sibTrans2D1" presStyleIdx="2" presStyleCnt="4"/>
-      <dgm:spPr/>
-    </dgm:pt>
-    <dgm:pt modelId="{9B45E93D-1C71-4684-AE1C-A2D6DA77AB64}" type="pres">
-      <dgm:prSet presAssocID="{AF039306-8F1F-4B33-92BE-B83D60726634}" presName="node" presStyleLbl="node1" presStyleIdx="3" presStyleCnt="4">
-        <dgm:presLayoutVars>
-          <dgm:bulletEnabled val="1"/>
-        </dgm:presLayoutVars>
-      </dgm:prSet>
-      <dgm:spPr/>
-    </dgm:pt>
-    <dgm:pt modelId="{C8955FF2-19F3-4231-8DB7-3202F065E5D8}" type="pres">
-      <dgm:prSet presAssocID="{08AB2F6B-F094-48D8-A119-D93D6E6918EE}" presName="sibTrans" presStyleLbl="sibTrans2D1" presStyleIdx="3" presStyleCnt="4"/>
-      <dgm:spPr/>
-    </dgm:pt>
-    <dgm:pt modelId="{ACCEE003-15A2-48A0-8926-605027D0A7D0}" type="pres">
-      <dgm:prSet presAssocID="{08AB2F6B-F094-48D8-A119-D93D6E6918EE}" presName="connectorText" presStyleLbl="sibTrans2D1" presStyleIdx="3" presStyleCnt="4"/>
-      <dgm:spPr/>
-    </dgm:pt>
-  </dgm:ptLst>
-  <dgm:cxnLst>
-    <dgm:cxn modelId="{E4C83416-A3E0-4FFD-ABF1-5C2DDA5C6031}" type="presOf" srcId="{6A521A0A-599C-4A3A-BD8F-4582B4CF1B6E}" destId="{AFD477C2-93FF-4882-92D5-764B72CB9C09}" srcOrd="1" destOrd="0" presId="urn:microsoft.com/office/officeart/2005/8/layout/cycle2"/>
-    <dgm:cxn modelId="{23C9C827-AEDD-44B8-9180-68E8A0996511}" type="presOf" srcId="{9A32F428-E263-4797-A4B9-C292D063FB1E}" destId="{8795111B-B53A-4390-96CF-5204BF7F5204}" srcOrd="0" destOrd="0" presId="urn:microsoft.com/office/officeart/2005/8/layout/cycle2"/>
-    <dgm:cxn modelId="{2FBDE636-E3A3-462B-8189-8A0DBA1AECFE}" srcId="{EE766013-E55B-4E26-9460-FFB26F9A5597}" destId="{70D2FE6F-988E-4B2E-969A-692FE8D43C09}" srcOrd="2" destOrd="0" parTransId="{17813A03-5659-4873-8625-7079C03EDC35}" sibTransId="{6A521A0A-599C-4A3A-BD8F-4582B4CF1B6E}"/>
-    <dgm:cxn modelId="{6B851463-86DF-4C4F-BDE0-485A1A326BD2}" type="presOf" srcId="{08AB2F6B-F094-48D8-A119-D93D6E6918EE}" destId="{ACCEE003-15A2-48A0-8926-605027D0A7D0}" srcOrd="1" destOrd="0" presId="urn:microsoft.com/office/officeart/2005/8/layout/cycle2"/>
-    <dgm:cxn modelId="{D854F965-17AA-43EF-9D73-22E3C6C4C4EB}" srcId="{EE766013-E55B-4E26-9460-FFB26F9A5597}" destId="{9A32F428-E263-4797-A4B9-C292D063FB1E}" srcOrd="1" destOrd="0" parTransId="{16CA9397-F518-4FDA-93E6-709CD9AEC747}" sibTransId="{B47E031A-1B25-4DCC-AA4D-96C2CF60B14F}"/>
-    <dgm:cxn modelId="{8745CB4C-B4CE-426F-A5E3-B7E4C8B47776}" type="presOf" srcId="{70D2FE6F-988E-4B2E-969A-692FE8D43C09}" destId="{4B7132AB-A6CE-4521-B3C8-36F3ACCAF08F}" srcOrd="0" destOrd="0" presId="urn:microsoft.com/office/officeart/2005/8/layout/cycle2"/>
-    <dgm:cxn modelId="{98DD8650-AC3D-4954-9598-C0C09DF621EF}" srcId="{EE766013-E55B-4E26-9460-FFB26F9A5597}" destId="{785EDC16-D1D9-4CF1-9161-1F9A834E76D1}" srcOrd="0" destOrd="0" parTransId="{20FEE679-B78D-42A1-A56C-26E72991E8E3}" sibTransId="{E9F9CC7C-6179-45ED-B438-844F9FBF086D}"/>
-    <dgm:cxn modelId="{FE08B390-D6CA-4CAC-A64B-82A25618B4FE}" type="presOf" srcId="{EE766013-E55B-4E26-9460-FFB26F9A5597}" destId="{8E6A4A06-B69B-41E5-9CDF-B79634D3DBA8}" srcOrd="0" destOrd="0" presId="urn:microsoft.com/office/officeart/2005/8/layout/cycle2"/>
-    <dgm:cxn modelId="{5EF0B4BA-0239-47F7-9813-590EFDFA2FA9}" type="presOf" srcId="{B47E031A-1B25-4DCC-AA4D-96C2CF60B14F}" destId="{71B0A488-44C0-4E61-92E6-73A9C7ECABE5}" srcOrd="1" destOrd="0" presId="urn:microsoft.com/office/officeart/2005/8/layout/cycle2"/>
-    <dgm:cxn modelId="{DC4DFABB-8A39-4174-BA81-89D65B735473}" type="presOf" srcId="{6A521A0A-599C-4A3A-BD8F-4582B4CF1B6E}" destId="{BA75F3AF-F554-479D-98BD-009EAA358EC0}" srcOrd="0" destOrd="0" presId="urn:microsoft.com/office/officeart/2005/8/layout/cycle2"/>
-    <dgm:cxn modelId="{E784B4BD-4DDF-45F0-86AB-81C1626DFD9D}" type="presOf" srcId="{E9F9CC7C-6179-45ED-B438-844F9FBF086D}" destId="{E6DBAF5A-29E1-408C-8EBA-9078B0DB33A4}" srcOrd="1" destOrd="0" presId="urn:microsoft.com/office/officeart/2005/8/layout/cycle2"/>
-    <dgm:cxn modelId="{B04CD3BE-08CF-492C-A6E1-A062BF74255F}" type="presOf" srcId="{08AB2F6B-F094-48D8-A119-D93D6E6918EE}" destId="{C8955FF2-19F3-4231-8DB7-3202F065E5D8}" srcOrd="0" destOrd="0" presId="urn:microsoft.com/office/officeart/2005/8/layout/cycle2"/>
-    <dgm:cxn modelId="{5EB1A1CB-D815-4994-A2B0-F8B9268897A2}" type="presOf" srcId="{785EDC16-D1D9-4CF1-9161-1F9A834E76D1}" destId="{84EDD72D-B47F-4DCA-A3AE-3FB9A0B2438B}" srcOrd="0" destOrd="0" presId="urn:microsoft.com/office/officeart/2005/8/layout/cycle2"/>
-    <dgm:cxn modelId="{BEEF23D6-0483-4EC5-AB31-524C6FDBE595}" type="presOf" srcId="{AF039306-8F1F-4B33-92BE-B83D60726634}" destId="{9B45E93D-1C71-4684-AE1C-A2D6DA77AB64}" srcOrd="0" destOrd="0" presId="urn:microsoft.com/office/officeart/2005/8/layout/cycle2"/>
-    <dgm:cxn modelId="{0C98E0F3-484B-4091-A373-AD5F33939F29}" type="presOf" srcId="{E9F9CC7C-6179-45ED-B438-844F9FBF086D}" destId="{09245FE4-B529-4C1F-8469-9984512CED92}" srcOrd="0" destOrd="0" presId="urn:microsoft.com/office/officeart/2005/8/layout/cycle2"/>
-    <dgm:cxn modelId="{A12F16F4-8ACC-4E1C-9F89-3CE0B16F78B4}" srcId="{EE766013-E55B-4E26-9460-FFB26F9A5597}" destId="{AF039306-8F1F-4B33-92BE-B83D60726634}" srcOrd="3" destOrd="0" parTransId="{361BB9F4-60D3-4640-A059-AC707C2F6DC9}" sibTransId="{08AB2F6B-F094-48D8-A119-D93D6E6918EE}"/>
-    <dgm:cxn modelId="{866761F4-3957-449D-9051-334A58123B5D}" type="presOf" srcId="{B47E031A-1B25-4DCC-AA4D-96C2CF60B14F}" destId="{847E26F7-F190-4C50-8E44-8AC04C9BBADF}" srcOrd="0" destOrd="0" presId="urn:microsoft.com/office/officeart/2005/8/layout/cycle2"/>
-    <dgm:cxn modelId="{9D00D3A4-3371-4F8C-9694-0259A5401612}" type="presParOf" srcId="{8E6A4A06-B69B-41E5-9CDF-B79634D3DBA8}" destId="{84EDD72D-B47F-4DCA-A3AE-3FB9A0B2438B}" srcOrd="0" destOrd="0" presId="urn:microsoft.com/office/officeart/2005/8/layout/cycle2"/>
-    <dgm:cxn modelId="{E956F28C-E4B3-4EEA-87E2-1C20B46C2FC0}" type="presParOf" srcId="{8E6A4A06-B69B-41E5-9CDF-B79634D3DBA8}" destId="{09245FE4-B529-4C1F-8469-9984512CED92}" srcOrd="1" destOrd="0" presId="urn:microsoft.com/office/officeart/2005/8/layout/cycle2"/>
-    <dgm:cxn modelId="{59B3A6B6-5F82-4401-B590-3E61FF5BB0A2}" type="presParOf" srcId="{09245FE4-B529-4C1F-8469-9984512CED92}" destId="{E6DBAF5A-29E1-408C-8EBA-9078B0DB33A4}" srcOrd="0" destOrd="0" presId="urn:microsoft.com/office/officeart/2005/8/layout/cycle2"/>
-    <dgm:cxn modelId="{0FB512A2-56D5-419B-8BBD-3848C9F6A586}" type="presParOf" srcId="{8E6A4A06-B69B-41E5-9CDF-B79634D3DBA8}" destId="{8795111B-B53A-4390-96CF-5204BF7F5204}" srcOrd="2" destOrd="0" presId="urn:microsoft.com/office/officeart/2005/8/layout/cycle2"/>
-    <dgm:cxn modelId="{4D2DF500-8E70-480E-9DC2-81C0FEE62E59}" type="presParOf" srcId="{8E6A4A06-B69B-41E5-9CDF-B79634D3DBA8}" destId="{847E26F7-F190-4C50-8E44-8AC04C9BBADF}" srcOrd="3" destOrd="0" presId="urn:microsoft.com/office/officeart/2005/8/layout/cycle2"/>
-    <dgm:cxn modelId="{A405DAA8-3023-4723-BF54-4059DEA8BD7E}" type="presParOf" srcId="{847E26F7-F190-4C50-8E44-8AC04C9BBADF}" destId="{71B0A488-44C0-4E61-92E6-73A9C7ECABE5}" srcOrd="0" destOrd="0" presId="urn:microsoft.com/office/officeart/2005/8/layout/cycle2"/>
-    <dgm:cxn modelId="{8515E59D-4820-4B47-AAD5-F96EB946B8B0}" type="presParOf" srcId="{8E6A4A06-B69B-41E5-9CDF-B79634D3DBA8}" destId="{4B7132AB-A6CE-4521-B3C8-36F3ACCAF08F}" srcOrd="4" destOrd="0" presId="urn:microsoft.com/office/officeart/2005/8/layout/cycle2"/>
-    <dgm:cxn modelId="{04968E62-736C-4D62-B1DE-E820F8B384D2}" type="presParOf" srcId="{8E6A4A06-B69B-41E5-9CDF-B79634D3DBA8}" destId="{BA75F3AF-F554-479D-98BD-009EAA358EC0}" srcOrd="5" destOrd="0" presId="urn:microsoft.com/office/officeart/2005/8/layout/cycle2"/>
-    <dgm:cxn modelId="{A875A8AD-C017-465F-8060-ECCA5C49B1F1}" type="presParOf" srcId="{BA75F3AF-F554-479D-98BD-009EAA358EC0}" destId="{AFD477C2-93FF-4882-92D5-764B72CB9C09}" srcOrd="0" destOrd="0" presId="urn:microsoft.com/office/officeart/2005/8/layout/cycle2"/>
-    <dgm:cxn modelId="{56D034A2-C361-493F-956B-0D3142F2E2A5}" type="presParOf" srcId="{8E6A4A06-B69B-41E5-9CDF-B79634D3DBA8}" destId="{9B45E93D-1C71-4684-AE1C-A2D6DA77AB64}" srcOrd="6" destOrd="0" presId="urn:microsoft.com/office/officeart/2005/8/layout/cycle2"/>
-    <dgm:cxn modelId="{DFCEC3A6-1EDC-40F7-88C1-7A2E641FFB9C}" type="presParOf" srcId="{8E6A4A06-B69B-41E5-9CDF-B79634D3DBA8}" destId="{C8955FF2-19F3-4231-8DB7-3202F065E5D8}" srcOrd="7" destOrd="0" presId="urn:microsoft.com/office/officeart/2005/8/layout/cycle2"/>
-    <dgm:cxn modelId="{1CDCF1D0-E214-4A7F-B7E0-B0888444B20A}" type="presParOf" srcId="{C8955FF2-19F3-4231-8DB7-3202F065E5D8}" destId="{ACCEE003-15A2-48A0-8926-605027D0A7D0}" srcOrd="0" destOrd="0" presId="urn:microsoft.com/office/officeart/2005/8/layout/cycle2"/>
-  </dgm:cxnLst>
-  <dgm:bg>
-    <a:effectLst/>
-  </dgm:bg>
-  <dgm:whole/>
-  <dgm:extLst>
-    <a:ext uri="http://schemas.microsoft.com/office/drawing/2008/diagram">
-      <dsp:dataModelExt xmlns:dsp="http://schemas.microsoft.com/office/drawing/2008/diagram" relId="rId6" minVer="http://schemas.openxmlformats.org/drawingml/2006/diagram"/>
-    </a:ext>
-  </dgm:extLst>
-</dgm:dataModel>
-</file>
-
-<file path=ppt/diagrams/drawing1.xml><?xml version="1.0" encoding="utf-8"?>
-<dsp:drawing xmlns:dgm="http://schemas.openxmlformats.org/drawingml/2006/diagram" xmlns:dsp="http://schemas.microsoft.com/office/drawing/2008/diagram" xmlns:a="http://schemas.openxmlformats.org/drawingml/2006/main">
-  <dsp:spTree>
-    <dsp:nvGrpSpPr>
-      <dsp:cNvPr id="0" name=""/>
-      <dsp:cNvGrpSpPr/>
-    </dsp:nvGrpSpPr>
-    <dsp:grpSpPr/>
-    <dsp:sp modelId="{84EDD72D-B47F-4DCA-A3AE-3FB9A0B2438B}">
-      <dsp:nvSpPr>
-        <dsp:cNvPr id="0" name=""/>
-        <dsp:cNvSpPr/>
-      </dsp:nvSpPr>
-      <dsp:spPr>
-        <a:xfrm>
-          <a:off x="2432650" y="1097"/>
-          <a:ext cx="1319762" cy="1319762"/>
-        </a:xfrm>
-        <a:prstGeom prst="ellipse">
-          <a:avLst/>
-        </a:prstGeom>
-        <a:solidFill>
-          <a:schemeClr val="accent2">
-            <a:hueOff val="0"/>
-            <a:satOff val="0"/>
-            <a:lumOff val="0"/>
-            <a:alphaOff val="0"/>
-          </a:schemeClr>
-        </a:solidFill>
-        <a:ln w="12700" cap="flat" cmpd="sng" algn="ctr">
-          <a:solidFill>
-            <a:schemeClr val="lt1">
-              <a:hueOff val="0"/>
-              <a:satOff val="0"/>
-              <a:lumOff val="0"/>
-              <a:alphaOff val="0"/>
-            </a:schemeClr>
-          </a:solidFill>
-          <a:prstDash val="solid"/>
-          <a:miter lim="800000"/>
-        </a:ln>
-        <a:effectLst/>
-      </dsp:spPr>
-      <dsp:style>
-        <a:lnRef idx="2">
-          <a:scrgbClr r="0" g="0" b="0"/>
-        </a:lnRef>
-        <a:fillRef idx="1">
-          <a:scrgbClr r="0" g="0" b="0"/>
-        </a:fillRef>
-        <a:effectRef idx="0">
-          <a:scrgbClr r="0" g="0" b="0"/>
-        </a:effectRef>
-        <a:fontRef idx="minor">
-          <a:schemeClr val="lt1"/>
-        </a:fontRef>
-      </dsp:style>
-      <dsp:txBody>
-        <a:bodyPr spcFirstLastPara="0" vert="horz" wrap="square" lIns="17780" tIns="17780" rIns="17780" bIns="17780" numCol="1" spcCol="1270" anchor="ctr" anchorCtr="0">
-          <a:noAutofit/>
-        </a:bodyPr>
-        <a:lstStyle/>
-        <a:p>
-          <a:pPr marL="0" lvl="0" indent="0" algn="ctr" defTabSz="622300">
-            <a:lnSpc>
-              <a:spcPct val="90000"/>
-            </a:lnSpc>
-            <a:spcBef>
-              <a:spcPct val="0"/>
-            </a:spcBef>
-            <a:spcAft>
-              <a:spcPct val="35000"/>
-            </a:spcAft>
-            <a:buNone/>
-          </a:pPr>
-          <a:r>
-            <a:rPr lang="en-US" sz="1400" kern="1200" dirty="0">
-              <a:latin typeface="Poppins Bold" panose="00000800000000000000" pitchFamily="2" charset="0"/>
-              <a:cs typeface="Poppins Bold" panose="00000800000000000000" pitchFamily="2" charset="0"/>
-            </a:rPr>
-            <a:t>Expertise</a:t>
-          </a:r>
-        </a:p>
-      </dsp:txBody>
-      <dsp:txXfrm>
-        <a:off x="2625925" y="194372"/>
-        <a:ext cx="933212" cy="933212"/>
-      </dsp:txXfrm>
-    </dsp:sp>
-    <dsp:sp modelId="{09245FE4-B529-4C1F-8469-9984512CED92}">
-      <dsp:nvSpPr>
-        <dsp:cNvPr id="0" name=""/>
-        <dsp:cNvSpPr/>
-      </dsp:nvSpPr>
-      <dsp:spPr>
-        <a:xfrm rot="2700000">
-          <a:off x="3610672" y="1131610"/>
-          <a:ext cx="350404" cy="445419"/>
-        </a:xfrm>
-        <a:prstGeom prst="rightArrow">
-          <a:avLst>
-            <a:gd name="adj1" fmla="val 60000"/>
-            <a:gd name="adj2" fmla="val 50000"/>
-          </a:avLst>
-        </a:prstGeom>
-        <a:solidFill>
-          <a:schemeClr val="accent2">
-            <a:hueOff val="0"/>
-            <a:satOff val="0"/>
-            <a:lumOff val="0"/>
-            <a:alphaOff val="0"/>
-          </a:schemeClr>
-        </a:solidFill>
-        <a:ln>
-          <a:noFill/>
-        </a:ln>
-        <a:effectLst/>
-      </dsp:spPr>
-      <dsp:style>
-        <a:lnRef idx="0">
-          <a:scrgbClr r="0" g="0" b="0"/>
-        </a:lnRef>
-        <a:fillRef idx="1">
-          <a:scrgbClr r="0" g="0" b="0"/>
-        </a:fillRef>
-        <a:effectRef idx="0">
-          <a:scrgbClr r="0" g="0" b="0"/>
-        </a:effectRef>
-        <a:fontRef idx="minor">
-          <a:schemeClr val="lt1"/>
-        </a:fontRef>
-      </dsp:style>
-      <dsp:txBody>
-        <a:bodyPr spcFirstLastPara="0" vert="horz" wrap="square" lIns="0" tIns="0" rIns="0" bIns="0" numCol="1" spcCol="1270" anchor="ctr" anchorCtr="0">
-          <a:noAutofit/>
-        </a:bodyPr>
-        <a:lstStyle/>
-        <a:p>
-          <a:pPr marL="0" lvl="0" indent="0" algn="ctr" defTabSz="622300">
-            <a:lnSpc>
-              <a:spcPct val="90000"/>
-            </a:lnSpc>
-            <a:spcBef>
-              <a:spcPct val="0"/>
-            </a:spcBef>
-            <a:spcAft>
-              <a:spcPct val="35000"/>
-            </a:spcAft>
-            <a:buNone/>
-          </a:pPr>
-          <a:endParaRPr lang="en-US" sz="1400" kern="1200">
-            <a:latin typeface="Poppins Bold" panose="00000800000000000000" pitchFamily="2" charset="0"/>
-            <a:cs typeface="Poppins Bold" panose="00000800000000000000" pitchFamily="2" charset="0"/>
-          </a:endParaRPr>
-        </a:p>
-      </dsp:txBody>
-      <dsp:txXfrm>
-        <a:off x="3626067" y="1183528"/>
-        <a:ext cx="245283" cy="267251"/>
-      </dsp:txXfrm>
-    </dsp:sp>
-    <dsp:sp modelId="{8795111B-B53A-4390-96CF-5204BF7F5204}">
-      <dsp:nvSpPr>
-        <dsp:cNvPr id="0" name=""/>
-        <dsp:cNvSpPr/>
-      </dsp:nvSpPr>
-      <dsp:spPr>
-        <a:xfrm>
-          <a:off x="3833360" y="1401806"/>
-          <a:ext cx="1319762" cy="1319762"/>
-        </a:xfrm>
-        <a:prstGeom prst="ellipse">
-          <a:avLst/>
-        </a:prstGeom>
-        <a:solidFill>
-          <a:schemeClr val="accent3">
-            <a:hueOff val="0"/>
-            <a:satOff val="0"/>
-            <a:lumOff val="0"/>
-            <a:alphaOff val="0"/>
-          </a:schemeClr>
-        </a:solidFill>
-        <a:ln w="12700" cap="flat" cmpd="sng" algn="ctr">
-          <a:solidFill>
-            <a:schemeClr val="lt1">
-              <a:hueOff val="0"/>
-              <a:satOff val="0"/>
-              <a:lumOff val="0"/>
-              <a:alphaOff val="0"/>
-            </a:schemeClr>
-          </a:solidFill>
-          <a:prstDash val="solid"/>
-          <a:miter lim="800000"/>
-        </a:ln>
-        <a:effectLst/>
-      </dsp:spPr>
-      <dsp:style>
-        <a:lnRef idx="2">
-          <a:scrgbClr r="0" g="0" b="0"/>
-        </a:lnRef>
-        <a:fillRef idx="1">
-          <a:scrgbClr r="0" g="0" b="0"/>
-        </a:fillRef>
-        <a:effectRef idx="0">
-          <a:scrgbClr r="0" g="0" b="0"/>
-        </a:effectRef>
-        <a:fontRef idx="minor">
-          <a:schemeClr val="lt1"/>
-        </a:fontRef>
-      </dsp:style>
-      <dsp:txBody>
-        <a:bodyPr spcFirstLastPara="0" vert="horz" wrap="square" lIns="17780" tIns="17780" rIns="17780" bIns="17780" numCol="1" spcCol="1270" anchor="ctr" anchorCtr="0">
-          <a:noAutofit/>
-        </a:bodyPr>
-        <a:lstStyle/>
-        <a:p>
-          <a:pPr marL="0" lvl="0" indent="0" algn="ctr" defTabSz="622300">
-            <a:lnSpc>
-              <a:spcPct val="90000"/>
-            </a:lnSpc>
-            <a:spcBef>
-              <a:spcPct val="0"/>
-            </a:spcBef>
-            <a:spcAft>
-              <a:spcPct val="35000"/>
-            </a:spcAft>
-            <a:buNone/>
-          </a:pPr>
-          <a:r>
-            <a:rPr lang="en-US" sz="1400" kern="1200" dirty="0">
-              <a:latin typeface="Poppins Bold" panose="00000800000000000000" pitchFamily="2" charset="0"/>
-              <a:cs typeface="Poppins Bold" panose="00000800000000000000" pitchFamily="2" charset="0"/>
-            </a:rPr>
-            <a:t>Expertise</a:t>
-          </a:r>
-        </a:p>
-      </dsp:txBody>
-      <dsp:txXfrm>
-        <a:off x="4026635" y="1595081"/>
-        <a:ext cx="933212" cy="933212"/>
-      </dsp:txXfrm>
-    </dsp:sp>
-    <dsp:sp modelId="{847E26F7-F190-4C50-8E44-8AC04C9BBADF}">
-      <dsp:nvSpPr>
-        <dsp:cNvPr id="0" name=""/>
-        <dsp:cNvSpPr/>
-      </dsp:nvSpPr>
-      <dsp:spPr>
-        <a:xfrm rot="8100000">
-          <a:off x="3624697" y="2532320"/>
-          <a:ext cx="350404" cy="445419"/>
-        </a:xfrm>
-        <a:prstGeom prst="rightArrow">
-          <a:avLst>
-            <a:gd name="adj1" fmla="val 60000"/>
-            <a:gd name="adj2" fmla="val 50000"/>
-          </a:avLst>
-        </a:prstGeom>
-        <a:solidFill>
-          <a:schemeClr val="accent3">
-            <a:hueOff val="0"/>
-            <a:satOff val="0"/>
-            <a:lumOff val="0"/>
-            <a:alphaOff val="0"/>
-          </a:schemeClr>
-        </a:solidFill>
-        <a:ln>
-          <a:noFill/>
-        </a:ln>
-        <a:effectLst/>
-      </dsp:spPr>
-      <dsp:style>
-        <a:lnRef idx="0">
-          <a:scrgbClr r="0" g="0" b="0"/>
-        </a:lnRef>
-        <a:fillRef idx="1">
-          <a:scrgbClr r="0" g="0" b="0"/>
-        </a:fillRef>
-        <a:effectRef idx="0">
-          <a:scrgbClr r="0" g="0" b="0"/>
-        </a:effectRef>
-        <a:fontRef idx="minor">
-          <a:schemeClr val="lt1"/>
-        </a:fontRef>
-      </dsp:style>
-      <dsp:txBody>
-        <a:bodyPr spcFirstLastPara="0" vert="horz" wrap="square" lIns="0" tIns="0" rIns="0" bIns="0" numCol="1" spcCol="1270" anchor="ctr" anchorCtr="0">
-          <a:noAutofit/>
-        </a:bodyPr>
-        <a:lstStyle/>
-        <a:p>
-          <a:pPr marL="0" lvl="0" indent="0" algn="ctr" defTabSz="622300">
-            <a:lnSpc>
-              <a:spcPct val="90000"/>
-            </a:lnSpc>
-            <a:spcBef>
-              <a:spcPct val="0"/>
-            </a:spcBef>
-            <a:spcAft>
-              <a:spcPct val="35000"/>
-            </a:spcAft>
-            <a:buNone/>
-          </a:pPr>
-          <a:endParaRPr lang="en-US" sz="1400" kern="1200">
-            <a:latin typeface="Poppins Bold" panose="00000800000000000000" pitchFamily="2" charset="0"/>
-            <a:cs typeface="Poppins Bold" panose="00000800000000000000" pitchFamily="2" charset="0"/>
-          </a:endParaRPr>
-        </a:p>
-      </dsp:txBody>
-      <dsp:txXfrm rot="10800000">
-        <a:off x="3714423" y="2584238"/>
-        <a:ext cx="245283" cy="267251"/>
-      </dsp:txXfrm>
-    </dsp:sp>
-    <dsp:sp modelId="{4B7132AB-A6CE-4521-B3C8-36F3ACCAF08F}">
-      <dsp:nvSpPr>
-        <dsp:cNvPr id="0" name=""/>
-        <dsp:cNvSpPr/>
-      </dsp:nvSpPr>
-      <dsp:spPr>
-        <a:xfrm>
-          <a:off x="2432650" y="2802516"/>
-          <a:ext cx="1319762" cy="1319762"/>
-        </a:xfrm>
-        <a:prstGeom prst="ellipse">
-          <a:avLst/>
-        </a:prstGeom>
-        <a:solidFill>
-          <a:schemeClr val="accent4">
-            <a:hueOff val="0"/>
-            <a:satOff val="0"/>
-            <a:lumOff val="0"/>
-            <a:alphaOff val="0"/>
-          </a:schemeClr>
-        </a:solidFill>
-        <a:ln w="12700" cap="flat" cmpd="sng" algn="ctr">
-          <a:solidFill>
-            <a:schemeClr val="lt1">
-              <a:hueOff val="0"/>
-              <a:satOff val="0"/>
-              <a:lumOff val="0"/>
-              <a:alphaOff val="0"/>
-            </a:schemeClr>
-          </a:solidFill>
-          <a:prstDash val="solid"/>
-          <a:miter lim="800000"/>
-        </a:ln>
-        <a:effectLst/>
-      </dsp:spPr>
-      <dsp:style>
-        <a:lnRef idx="2">
-          <a:scrgbClr r="0" g="0" b="0"/>
-        </a:lnRef>
-        <a:fillRef idx="1">
-          <a:scrgbClr r="0" g="0" b="0"/>
-        </a:fillRef>
-        <a:effectRef idx="0">
-          <a:scrgbClr r="0" g="0" b="0"/>
-        </a:effectRef>
-        <a:fontRef idx="minor">
-          <a:schemeClr val="lt1"/>
-        </a:fontRef>
-      </dsp:style>
-      <dsp:txBody>
-        <a:bodyPr spcFirstLastPara="0" vert="horz" wrap="square" lIns="17780" tIns="17780" rIns="17780" bIns="17780" numCol="1" spcCol="1270" anchor="ctr" anchorCtr="0">
-          <a:noAutofit/>
-        </a:bodyPr>
-        <a:lstStyle/>
-        <a:p>
-          <a:pPr marL="0" lvl="0" indent="0" algn="ctr" defTabSz="622300">
-            <a:lnSpc>
-              <a:spcPct val="90000"/>
-            </a:lnSpc>
-            <a:spcBef>
-              <a:spcPct val="0"/>
-            </a:spcBef>
-            <a:spcAft>
-              <a:spcPct val="35000"/>
-            </a:spcAft>
-            <a:buNone/>
-          </a:pPr>
-          <a:r>
-            <a:rPr lang="en-US" sz="1400" kern="1200" dirty="0">
-              <a:latin typeface="Poppins Bold" panose="00000800000000000000" pitchFamily="2" charset="0"/>
-              <a:cs typeface="Poppins Bold" panose="00000800000000000000" pitchFamily="2" charset="0"/>
-            </a:rPr>
-            <a:t>Expertise</a:t>
-          </a:r>
-        </a:p>
-      </dsp:txBody>
-      <dsp:txXfrm>
-        <a:off x="2625925" y="2995791"/>
-        <a:ext cx="933212" cy="933212"/>
-      </dsp:txXfrm>
-    </dsp:sp>
-    <dsp:sp modelId="{BA75F3AF-F554-479D-98BD-009EAA358EC0}">
-      <dsp:nvSpPr>
-        <dsp:cNvPr id="0" name=""/>
-        <dsp:cNvSpPr/>
-      </dsp:nvSpPr>
-      <dsp:spPr>
-        <a:xfrm rot="13500000">
-          <a:off x="2223987" y="2546345"/>
-          <a:ext cx="350404" cy="445419"/>
-        </a:xfrm>
-        <a:prstGeom prst="rightArrow">
-          <a:avLst>
-            <a:gd name="adj1" fmla="val 60000"/>
-            <a:gd name="adj2" fmla="val 50000"/>
-          </a:avLst>
-        </a:prstGeom>
-        <a:solidFill>
-          <a:schemeClr val="accent4">
-            <a:hueOff val="0"/>
-            <a:satOff val="0"/>
-            <a:lumOff val="0"/>
-            <a:alphaOff val="0"/>
-          </a:schemeClr>
-        </a:solidFill>
-        <a:ln>
-          <a:noFill/>
-        </a:ln>
-        <a:effectLst/>
-      </dsp:spPr>
-      <dsp:style>
-        <a:lnRef idx="0">
-          <a:scrgbClr r="0" g="0" b="0"/>
-        </a:lnRef>
-        <a:fillRef idx="1">
-          <a:scrgbClr r="0" g="0" b="0"/>
-        </a:fillRef>
-        <a:effectRef idx="0">
-          <a:scrgbClr r="0" g="0" b="0"/>
-        </a:effectRef>
-        <a:fontRef idx="minor">
-          <a:schemeClr val="lt1"/>
-        </a:fontRef>
-      </dsp:style>
-      <dsp:txBody>
-        <a:bodyPr spcFirstLastPara="0" vert="horz" wrap="square" lIns="0" tIns="0" rIns="0" bIns="0" numCol="1" spcCol="1270" anchor="ctr" anchorCtr="0">
-          <a:noAutofit/>
-        </a:bodyPr>
-        <a:lstStyle/>
-        <a:p>
-          <a:pPr marL="0" lvl="0" indent="0" algn="ctr" defTabSz="622300">
-            <a:lnSpc>
-              <a:spcPct val="90000"/>
-            </a:lnSpc>
-            <a:spcBef>
-              <a:spcPct val="0"/>
-            </a:spcBef>
-            <a:spcAft>
-              <a:spcPct val="35000"/>
-            </a:spcAft>
-            <a:buNone/>
-          </a:pPr>
-          <a:endParaRPr lang="en-US" sz="1400" kern="1200">
-            <a:latin typeface="Poppins Bold" panose="00000800000000000000" pitchFamily="2" charset="0"/>
-            <a:cs typeface="Poppins Bold" panose="00000800000000000000" pitchFamily="2" charset="0"/>
-          </a:endParaRPr>
-        </a:p>
-      </dsp:txBody>
-      <dsp:txXfrm rot="10800000">
-        <a:off x="2313713" y="2672595"/>
-        <a:ext cx="245283" cy="267251"/>
-      </dsp:txXfrm>
-    </dsp:sp>
-    <dsp:sp modelId="{9B45E93D-1C71-4684-AE1C-A2D6DA77AB64}">
-      <dsp:nvSpPr>
-        <dsp:cNvPr id="0" name=""/>
-        <dsp:cNvSpPr/>
-      </dsp:nvSpPr>
-      <dsp:spPr>
-        <a:xfrm>
-          <a:off x="1031941" y="1401806"/>
-          <a:ext cx="1319762" cy="1319762"/>
-        </a:xfrm>
-        <a:prstGeom prst="ellipse">
-          <a:avLst/>
-        </a:prstGeom>
-        <a:solidFill>
-          <a:schemeClr val="accent1"/>
-        </a:solidFill>
-        <a:ln w="12700" cap="flat" cmpd="sng" algn="ctr">
-          <a:solidFill>
-            <a:schemeClr val="lt1">
-              <a:hueOff val="0"/>
-              <a:satOff val="0"/>
-              <a:lumOff val="0"/>
-              <a:alphaOff val="0"/>
-            </a:schemeClr>
-          </a:solidFill>
-          <a:prstDash val="solid"/>
-          <a:miter lim="800000"/>
-        </a:ln>
-        <a:effectLst/>
-      </dsp:spPr>
-      <dsp:style>
-        <a:lnRef idx="2">
-          <a:scrgbClr r="0" g="0" b="0"/>
-        </a:lnRef>
-        <a:fillRef idx="1">
-          <a:scrgbClr r="0" g="0" b="0"/>
-        </a:fillRef>
-        <a:effectRef idx="0">
-          <a:scrgbClr r="0" g="0" b="0"/>
-        </a:effectRef>
-        <a:fontRef idx="minor">
-          <a:schemeClr val="lt1"/>
-        </a:fontRef>
-      </dsp:style>
-      <dsp:txBody>
-        <a:bodyPr spcFirstLastPara="0" vert="horz" wrap="square" lIns="17780" tIns="17780" rIns="17780" bIns="17780" numCol="1" spcCol="1270" anchor="ctr" anchorCtr="0">
-          <a:noAutofit/>
-        </a:bodyPr>
-        <a:lstStyle/>
-        <a:p>
-          <a:pPr marL="0" lvl="0" indent="0" algn="ctr" defTabSz="622300">
-            <a:lnSpc>
-              <a:spcPct val="90000"/>
-            </a:lnSpc>
-            <a:spcBef>
-              <a:spcPct val="0"/>
-            </a:spcBef>
-            <a:spcAft>
-              <a:spcPct val="35000"/>
-            </a:spcAft>
-            <a:buNone/>
-          </a:pPr>
-          <a:r>
-            <a:rPr lang="en-US" sz="1400" kern="1200" dirty="0">
-              <a:latin typeface="Poppins Bold" panose="00000800000000000000" pitchFamily="2" charset="0"/>
-              <a:cs typeface="Poppins Bold" panose="00000800000000000000" pitchFamily="2" charset="0"/>
-            </a:rPr>
-            <a:t>Expertise</a:t>
-          </a:r>
-        </a:p>
-      </dsp:txBody>
-      <dsp:txXfrm>
-        <a:off x="1225216" y="1595081"/>
-        <a:ext cx="933212" cy="933212"/>
-      </dsp:txXfrm>
-    </dsp:sp>
-    <dsp:sp modelId="{C8955FF2-19F3-4231-8DB7-3202F065E5D8}">
-      <dsp:nvSpPr>
-        <dsp:cNvPr id="0" name=""/>
-        <dsp:cNvSpPr/>
-      </dsp:nvSpPr>
-      <dsp:spPr>
-        <a:xfrm rot="18900000">
-          <a:off x="2209962" y="1145635"/>
-          <a:ext cx="350404" cy="445419"/>
-        </a:xfrm>
-        <a:prstGeom prst="rightArrow">
-          <a:avLst>
-            <a:gd name="adj1" fmla="val 60000"/>
-            <a:gd name="adj2" fmla="val 50000"/>
-          </a:avLst>
-        </a:prstGeom>
-        <a:solidFill>
-          <a:schemeClr val="accent1"/>
-        </a:solidFill>
-        <a:ln>
-          <a:noFill/>
-        </a:ln>
-        <a:effectLst/>
-      </dsp:spPr>
-      <dsp:style>
-        <a:lnRef idx="0">
-          <a:scrgbClr r="0" g="0" b="0"/>
-        </a:lnRef>
-        <a:fillRef idx="1">
-          <a:scrgbClr r="0" g="0" b="0"/>
-        </a:fillRef>
-        <a:effectRef idx="0">
-          <a:scrgbClr r="0" g="0" b="0"/>
-        </a:effectRef>
-        <a:fontRef idx="minor">
-          <a:schemeClr val="lt1"/>
-        </a:fontRef>
-      </dsp:style>
-      <dsp:txBody>
-        <a:bodyPr spcFirstLastPara="0" vert="horz" wrap="square" lIns="0" tIns="0" rIns="0" bIns="0" numCol="1" spcCol="1270" anchor="ctr" anchorCtr="0">
-          <a:noAutofit/>
-        </a:bodyPr>
-        <a:lstStyle/>
-        <a:p>
-          <a:pPr marL="0" lvl="0" indent="0" algn="ctr" defTabSz="622300">
-            <a:lnSpc>
-              <a:spcPct val="90000"/>
-            </a:lnSpc>
-            <a:spcBef>
-              <a:spcPct val="0"/>
-            </a:spcBef>
-            <a:spcAft>
-              <a:spcPct val="35000"/>
-            </a:spcAft>
-            <a:buNone/>
-          </a:pPr>
-          <a:endParaRPr lang="en-US" sz="1400" kern="1200">
-            <a:latin typeface="Poppins Bold" panose="00000800000000000000" pitchFamily="2" charset="0"/>
-            <a:cs typeface="Poppins Bold" panose="00000800000000000000" pitchFamily="2" charset="0"/>
-          </a:endParaRPr>
-        </a:p>
-      </dsp:txBody>
-      <dsp:txXfrm>
-        <a:off x="2225357" y="1271885"/>
-        <a:ext cx="245283" cy="267251"/>
-      </dsp:txXfrm>
-    </dsp:sp>
-  </dsp:spTree>
-</dsp:drawing>
-</file>
-
-<file path=ppt/diagrams/layout1.xml><?xml version="1.0" encoding="utf-8"?>
-<dgm:layoutDef xmlns:dgm="http://schemas.openxmlformats.org/drawingml/2006/diagram" xmlns:a="http://schemas.openxmlformats.org/drawingml/2006/main" uniqueId="urn:microsoft.com/office/officeart/2005/8/layout/cycle2">
-  <dgm:title val=""/>
-  <dgm:desc val=""/>
-  <dgm:catLst>
-    <dgm:cat type="cycle" pri="1000"/>
-    <dgm:cat type="convert" pri="10000"/>
-  </dgm:catLst>
-  <dgm:sampData>
-    <dgm:dataModel>
-      <dgm:ptLst>
-        <dgm:pt modelId="0" type="doc"/>
-        <dgm:pt modelId="1">
-          <dgm:prSet phldr="1"/>
-        </dgm:pt>
-        <dgm:pt modelId="2">
-          <dgm:prSet phldr="1"/>
-        </dgm:pt>
-        <dgm:pt modelId="3">
-          <dgm:prSet phldr="1"/>
-        </dgm:pt>
-        <dgm:pt modelId="4">
-          <dgm:prSet phldr="1"/>
-        </dgm:pt>
-        <dgm:pt modelId="5">
-          <dgm:prSet phldr="1"/>
-        </dgm:pt>
-      </dgm:ptLst>
-      <dgm:cxnLst>
-        <dgm:cxn modelId="6" srcId="0" destId="1" srcOrd="0" destOrd="0"/>
-        <dgm:cxn modelId="7" srcId="0" destId="2" srcOrd="1" destOrd="0"/>
-        <dgm:cxn modelId="8" srcId="0" destId="3" srcOrd="2" destOrd="0"/>
-        <dgm:cxn modelId="9" srcId="0" destId="4" srcOrd="3" destOrd="0"/>
-        <dgm:cxn modelId="10" srcId="0" destId="5" srcOrd="4" destOrd="0"/>
-      </dgm:cxnLst>
-      <dgm:bg/>
-      <dgm:whole/>
-    </dgm:dataModel>
-  </dgm:sampData>
-  <dgm:styleData>
-    <dgm:dataModel>
-      <dgm:ptLst>
-        <dgm:pt modelId="0" type="doc"/>
-        <dgm:pt modelId="1"/>
-        <dgm:pt modelId="2"/>
-        <dgm:pt modelId="3"/>
-      </dgm:ptLst>
-      <dgm:cxnLst>
-        <dgm:cxn modelId="4" srcId="0" destId="1" srcOrd="0" destOrd="0"/>
-        <dgm:cxn modelId="5" srcId="0" destId="2" srcOrd="1" destOrd="0"/>
-        <dgm:cxn modelId="6" srcId="0" destId="3" srcOrd="2" destOrd="0"/>
-      </dgm:cxnLst>
-      <dgm:bg/>
-      <dgm:whole/>
-    </dgm:dataModel>
-  </dgm:styleData>
-  <dgm:clrData>
-    <dgm:dataModel>
-      <dgm:ptLst>
-        <dgm:pt modelId="0" type="doc"/>
-        <dgm:pt modelId="1"/>
-        <dgm:pt modelId="2"/>
-        <dgm:pt modelId="3"/>
-        <dgm:pt modelId="4"/>
-        <dgm:pt modelId="5"/>
-        <dgm:pt modelId="6"/>
-      </dgm:ptLst>
-      <dgm:cxnLst>
-        <dgm:cxn modelId="7" srcId="0" destId="1" srcOrd="0" destOrd="0"/>
-        <dgm:cxn modelId="8" srcId="0" destId="2" srcOrd="1" destOrd="0"/>
-        <dgm:cxn modelId="9" srcId="0" destId="3" srcOrd="2" destOrd="0"/>
-        <dgm:cxn modelId="10" srcId="0" destId="4" srcOrd="3" destOrd="0"/>
-        <dgm:cxn modelId="11" srcId="0" destId="5" srcOrd="4" destOrd="0"/>
-        <dgm:cxn modelId="12" srcId="0" destId="6" srcOrd="5" destOrd="0"/>
-      </dgm:cxnLst>
-      <dgm:bg/>
-      <dgm:whole/>
-    </dgm:dataModel>
-  </dgm:clrData>
-  <dgm:layoutNode name="cycle">
-    <dgm:varLst>
-      <dgm:dir/>
-      <dgm:resizeHandles val="exact"/>
-    </dgm:varLst>
-    <dgm:choose name="Name0">
-      <dgm:if name="Name1" func="var" arg="dir" op="equ" val="norm">
-        <dgm:choose name="Name2">
-          <dgm:if name="Name3" axis="ch" ptType="node" func="cnt" op="gt" val="2">
-            <dgm:alg type="cycle">
-              <dgm:param type="stAng" val="0"/>
-              <dgm:param type="spanAng" val="360"/>
-            </dgm:alg>
-          </dgm:if>
-          <dgm:else name="Name4">
-            <dgm:alg type="cycle">
-              <dgm:param type="stAng" val="-90"/>
-              <dgm:param type="spanAng" val="360"/>
-            </dgm:alg>
-          </dgm:else>
-        </dgm:choose>
-      </dgm:if>
-      <dgm:else name="Name5">
-        <dgm:choose name="Name6">
-          <dgm:if name="Name7" axis="ch" ptType="node" func="cnt" op="gt" val="2">
-            <dgm:alg type="cycle">
-              <dgm:param type="stAng" val="0"/>
-              <dgm:param type="spanAng" val="-360"/>
-            </dgm:alg>
-          </dgm:if>
-          <dgm:else name="Name8">
-            <dgm:alg type="cycle">
-              <dgm:param type="stAng" val="90"/>
-              <dgm:param type="spanAng" val="-360"/>
-            </dgm:alg>
-          </dgm:else>
-        </dgm:choose>
-      </dgm:else>
-    </dgm:choose>
-    <dgm:shape xmlns:r="http://schemas.openxmlformats.org/officeDocument/2006/relationships" r:blip="">
-      <dgm:adjLst/>
-    </dgm:shape>
-    <dgm:presOf/>
-    <dgm:constrLst>
-      <dgm:constr type="w" for="ch" ptType="node" refType="w"/>
-      <dgm:constr type="w" for="ch" ptType="sibTrans" refType="w" refFor="ch" refPtType="node" op="equ" fact="0.25"/>
-      <dgm:constr type="sibSp" refType="w" refFor="ch" refPtType="node" fact="0.5"/>
-      <dgm:constr type="primFontSz" for="ch" ptType="node" op="equ" val="65"/>
-      <dgm:constr type="primFontSz" for="des" forName="connectorText" op="equ" val="55"/>
-      <dgm:constr type="primFontSz" for="des" forName="connectorText" refType="primFontSz" refFor="ch" refPtType="node" op="lte" fact="0.8"/>
-    </dgm:constrLst>
-    <dgm:ruleLst/>
-    <dgm:forEach name="nodesForEach" axis="ch" ptType="node">
-      <dgm:layoutNode name="node">
-        <dgm:varLst>
-          <dgm:bulletEnabled val="1"/>
-        </dgm:varLst>
-        <dgm:alg type="tx">
-          <dgm:param type="txAnchorVertCh" val="mid"/>
-        </dgm:alg>
-        <dgm:shape xmlns:r="http://schemas.openxmlformats.org/officeDocument/2006/relationships" type="ellipse" r:blip="">
-          <dgm:adjLst/>
-        </dgm:shape>
-        <dgm:presOf axis="desOrSelf" ptType="node"/>
-        <dgm:constrLst>
-          <dgm:constr type="h" refType="w"/>
-          <dgm:constr type="lMarg" refType="primFontSz" fact="0.1"/>
-          <dgm:constr type="rMarg" refType="primFontSz" fact="0.1"/>
-          <dgm:constr type="tMarg" refType="primFontSz" fact="0.1"/>
-          <dgm:constr type="bMarg" refType="primFontSz" fact="0.1"/>
-        </dgm:constrLst>
-        <dgm:ruleLst>
-          <dgm:rule type="primFontSz" val="5" fact="NaN" max="NaN"/>
-        </dgm:ruleLst>
-      </dgm:layoutNode>
-      <dgm:choose name="Name9">
-        <dgm:if name="Name10" axis="par ch" ptType="doc node" func="cnt" op="gt" val="1">
-          <dgm:forEach name="sibTransForEach" axis="followSib" ptType="sibTrans" hideLastTrans="0" cnt="1">
-            <dgm:layoutNode name="sibTrans">
-              <dgm:choose name="Name11">
-                <dgm:if name="Name12" axis="par ch" ptType="doc node" func="cnt" op="lt" val="3">
-                  <dgm:alg type="conn">
-                    <dgm:param type="begPts" val="radial"/>
-                    <dgm:param type="endPts" val="radial"/>
-                  </dgm:alg>
-                </dgm:if>
-                <dgm:else name="Name13">
-                  <dgm:alg type="conn">
-                    <dgm:param type="begPts" val="auto"/>
-                    <dgm:param type="endPts" val="auto"/>
-                  </dgm:alg>
-                </dgm:else>
-              </dgm:choose>
-              <dgm:shape xmlns:r="http://schemas.openxmlformats.org/officeDocument/2006/relationships" type="conn" r:blip="">
-                <dgm:adjLst/>
-              </dgm:shape>
-              <dgm:presOf axis="self"/>
-              <dgm:constrLst>
-                <dgm:constr type="h" refType="w" fact="1.35"/>
-                <dgm:constr type="connDist"/>
-                <dgm:constr type="w" for="ch" refType="connDist" fact="0.45"/>
-                <dgm:constr type="h" for="ch" refType="h"/>
-              </dgm:constrLst>
-              <dgm:ruleLst/>
-              <dgm:layoutNode name="connectorText">
-                <dgm:alg type="tx">
-                  <dgm:param type="autoTxRot" val="grav"/>
-                </dgm:alg>
-                <dgm:shape xmlns:r="http://schemas.openxmlformats.org/officeDocument/2006/relationships" type="conn" r:blip="" hideGeom="1">
-                  <dgm:adjLst/>
-                </dgm:shape>
-                <dgm:presOf axis="self"/>
-                <dgm:constrLst>
-                  <dgm:constr type="lMarg"/>
-                  <dgm:constr type="rMarg"/>
-                  <dgm:constr type="tMarg"/>
-                  <dgm:constr type="bMarg"/>
-                </dgm:constrLst>
-                <dgm:ruleLst>
-                  <dgm:rule type="primFontSz" val="5" fact="NaN" max="NaN"/>
-                </dgm:ruleLst>
-              </dgm:layoutNode>
-            </dgm:layoutNode>
-          </dgm:forEach>
-        </dgm:if>
-        <dgm:else name="Name14"/>
-      </dgm:choose>
-    </dgm:forEach>
-  </dgm:layoutNode>
-</dgm:layoutDef>
-</file>
-
-<file path=ppt/diagrams/quickStyle1.xml><?xml version="1.0" encoding="utf-8"?>
-<dgm:styleDef xmlns:dgm="http://schemas.openxmlformats.org/drawingml/2006/diagram" xmlns:a="http://schemas.openxmlformats.org/drawingml/2006/main" uniqueId="urn:microsoft.com/office/officeart/2005/8/quickstyle/simple1">
-  <dgm:title val=""/>
-  <dgm:desc val=""/>
-  <dgm:catLst>
-    <dgm:cat type="simple" pri="10100"/>
-  </dgm:catLst>
-  <dgm:scene3d>
-    <a:camera prst="orthographicFront"/>
-    <a:lightRig rig="threePt" dir="t"/>
-  </dgm:scene3d>
-  <dgm:styleLbl name="node0">
-    <dgm:scene3d>
-      <a:camera prst="orthographicFront"/>
-      <a:lightRig rig="threePt" dir="t"/>
-    </dgm:scene3d>
-    <dgm:sp3d/>
-    <dgm:txPr/>
-    <dgm:style>
-      <a:lnRef idx="2">
-        <a:scrgbClr r="0" g="0" b="0"/>
-      </a:lnRef>
-      <a:fillRef idx="1">
-        <a:scrgbClr r="0" g="0" b="0"/>
-      </a:fillRef>
-      <a:effectRef idx="0">
-        <a:scrgbClr r="0" g="0" b="0"/>
-      </a:effectRef>
-      <a:fontRef idx="minor">
-        <a:schemeClr val="lt1"/>
-      </a:fontRef>
-    </dgm:style>
-  </dgm:styleLbl>
-  <dgm:styleLbl name="lnNode1">
-    <dgm:scene3d>
-      <a:camera prst="orthographicFront"/>
-      <a:lightRig rig="threePt" dir="t"/>
-    </dgm:scene3d>
-    <dgm:sp3d/>
-    <dgm:txPr/>
-    <dgm:style>
-      <a:lnRef idx="2">
-        <a:scrgbClr r="0" g="0" b="0"/>
-      </a:lnRef>
-      <a:fillRef idx="1">
-        <a:scrgbClr r="0" g="0" b="0"/>
-      </a:fillRef>
-      <a:effectRef idx="0">
-        <a:scrgbClr r="0" g="0" b="0"/>
-      </a:effectRef>
-      <a:fontRef idx="minor">
-        <a:schemeClr val="lt1"/>
-      </a:fontRef>
-    </dgm:style>
-  </dgm:styleLbl>
-  <dgm:styleLbl name="vennNode1">
-    <dgm:scene3d>
-      <a:camera prst="orthographicFront"/>
-      <a:lightRig rig="threePt" dir="t"/>
-    </dgm:scene3d>
-    <dgm:sp3d/>
-    <dgm:txPr/>
-    <dgm:style>
-      <a:lnRef idx="2">
-        <a:scrgbClr r="0" g="0" b="0"/>
-      </a:lnRef>
-      <a:fillRef idx="1">
-        <a:scrgbClr r="0" g="0" b="0"/>
-      </a:fillRef>
-      <a:effectRef idx="0">
-        <a:scrgbClr r="0" g="0" b="0"/>
-      </a:effectRef>
-      <a:fontRef idx="minor">
-        <a:schemeClr val="tx1"/>
-      </a:fontRef>
-    </dgm:style>
-  </dgm:styleLbl>
-  <dgm:styleLbl name="alignNode1">
-    <dgm:scene3d>
-      <a:camera prst="orthographicFront"/>
-      <a:lightRig rig="threePt" dir="t"/>
-    </dgm:scene3d>
-    <dgm:sp3d/>
-    <dgm:txPr/>
-    <dgm:style>
-      <a:lnRef idx="2">
-        <a:scrgbClr r="0" g="0" b="0"/>
-      </a:lnRef>
-      <a:fillRef idx="1">
-        <a:scrgbClr r="0" g="0" b="0"/>
-      </a:fillRef>
-      <a:effectRef idx="0">
-        <a:scrgbClr r="0" g="0" b="0"/>
-      </a:effectRef>
-      <a:fontRef idx="minor">
-        <a:schemeClr val="lt1"/>
-      </a:fontRef>
-    </dgm:style>
-  </dgm:styleLbl>
-  <dgm:styleLbl name="node1">
-    <dgm:scene3d>
-      <a:camera prst="orthographicFront"/>
-      <a:lightRig rig="threePt" dir="t"/>
-    </dgm:scene3d>
-    <dgm:sp3d/>
-    <dgm:txPr/>
-    <dgm:style>
-      <a:lnRef idx="2">
-        <a:scrgbClr r="0" g="0" b="0"/>
-      </a:lnRef>
-      <a:fillRef idx="1">
-        <a:scrgbClr r="0" g="0" b="0"/>
-      </a:fillRef>
-      <a:effectRef idx="0">
-        <a:scrgbClr r="0" g="0" b="0"/>
-      </a:effectRef>
-      <a:fontRef idx="minor">
-        <a:schemeClr val="lt1"/>
-      </a:fontRef>
-    </dgm:style>
-  </dgm:styleLbl>
-  <dgm:styleLbl name="node2">
-    <dgm:scene3d>
-      <a:camera prst="orthographicFront"/>
-      <a:lightRig rig="threePt" dir="t"/>
-    </dgm:scene3d>
-    <dgm:sp3d/>
-    <dgm:txPr/>
-    <dgm:style>
-      <a:lnRef idx="2">
-        <a:scrgbClr r="0" g="0" b="0"/>
-      </a:lnRef>
-      <a:fillRef idx="1">
-        <a:scrgbClr r="0" g="0" b="0"/>
-      </a:fillRef>
-      <a:effectRef idx="0">
-        <a:scrgbClr r="0" g="0" b="0"/>
-      </a:effectRef>
-      <a:fontRef idx="minor">
-        <a:schemeClr val="lt1"/>
-      </a:fontRef>
-    </dgm:style>
-  </dgm:styleLbl>
-  <dgm:styleLbl name="node3">
-    <dgm:scene3d>
-      <a:camera prst="orthographicFront"/>
-      <a:lightRig rig="threePt" dir="t"/>
-    </dgm:scene3d>
-    <dgm:sp3d/>
-    <dgm:txPr/>
-    <dgm:style>
-      <a:lnRef idx="2">
-        <a:scrgbClr r="0" g="0" b="0"/>
-      </a:lnRef>
-      <a:fillRef idx="1">
-        <a:scrgbClr r="0" g="0" b="0"/>
-      </a:fillRef>
-      <a:effectRef idx="0">
-        <a:scrgbClr r="0" g="0" b="0"/>
-      </a:effectRef>
-      <a:fontRef idx="minor">
-        <a:schemeClr val="lt1"/>
-      </a:fontRef>
-    </dgm:style>
-  </dgm:styleLbl>
-  <dgm:styleLbl name="node4">
-    <dgm:scene3d>
-      <a:camera prst="orthographicFront"/>
-      <a:lightRig rig="threePt" dir="t"/>
-    </dgm:scene3d>
-    <dgm:sp3d/>
-    <dgm:txPr/>
-    <dgm:style>
-      <a:lnRef idx="2">
-        <a:scrgbClr r="0" g="0" b="0"/>
-      </a:lnRef>
-      <a:fillRef idx="1">
-        <a:scrgbClr r="0" g="0" b="0"/>
-      </a:fillRef>
-      <a:effectRef idx="0">
-        <a:scrgbClr r="0" g="0" b="0"/>
-      </a:effectRef>
-      <a:fontRef idx="minor">
-        <a:schemeClr val="lt1"/>
-      </a:fontRef>
-    </dgm:style>
-  </dgm:styleLbl>
-  <dgm:styleLbl name="fgImgPlace1">
-    <dgm:scene3d>
-      <a:camera prst="orthographicFront"/>
-      <a:lightRig rig="threePt" dir="t"/>
-    </dgm:scene3d>
-    <dgm:sp3d/>
-    <dgm:txPr/>
-    <dgm:style>
-      <a:lnRef idx="2">
-        <a:scrgbClr r="0" g="0" b="0"/>
-      </a:lnRef>
-      <a:fillRef idx="1">
-        <a:scrgbClr r="0" g="0" b="0"/>
-      </a:fillRef>
-      <a:effectRef idx="0">
-        <a:scrgbClr r="0" g="0" b="0"/>
-      </a:effectRef>
-      <a:fontRef idx="minor"/>
-    </dgm:style>
-  </dgm:styleLbl>
-  <dgm:styleLbl name="alignImgPlace1">
-    <dgm:scene3d>
-      <a:camera prst="orthographicFront"/>
-      <a:lightRig rig="threePt" dir="t"/>
-    </dgm:scene3d>
-    <dgm:sp3d/>
-    <dgm:txPr/>
-    <dgm:style>
-      <a:lnRef idx="2">
-        <a:scrgbClr r="0" g="0" b="0"/>
-      </a:lnRef>
-      <a:fillRef idx="1">
-        <a:scrgbClr r="0" g="0" b="0"/>
-      </a:fillRef>
-      <a:effectRef idx="0">
-        <a:scrgbClr r="0" g="0" b="0"/>
-      </a:effectRef>
-      <a:fontRef idx="minor"/>
-    </dgm:style>
-  </dgm:styleLbl>
-  <dgm:styleLbl name="bgImgPlace1">
-    <dgm:scene3d>
-      <a:camera prst="orthographicFront"/>
-      <a:lightRig rig="threePt" dir="t"/>
-    </dgm:scene3d>
-    <dgm:sp3d/>
-    <dgm:txPr/>
-    <dgm:style>
-      <a:lnRef idx="2">
-        <a:scrgbClr r="0" g="0" b="0"/>
-      </a:lnRef>
-      <a:fillRef idx="1">
-        <a:scrgbClr r="0" g="0" b="0"/>
-      </a:fillRef>
-      <a:effectRef idx="0">
-        <a:scrgbClr r="0" g="0" b="0"/>
-      </a:effectRef>
-      <a:fontRef idx="minor"/>
-    </dgm:style>
-  </dgm:styleLbl>
-  <dgm:styleLbl name="sibTrans2D1">
-    <dgm:scene3d>
-      <a:camera prst="orthographicFront"/>
-      <a:lightRig rig="threePt" dir="t"/>
-    </dgm:scene3d>
-    <dgm:sp3d/>
-    <dgm:txPr/>
-    <dgm:style>
-      <a:lnRef idx="0">
-        <a:scrgbClr r="0" g="0" b="0"/>
-      </a:lnRef>
-      <a:fillRef idx="1">
-        <a:scrgbClr r="0" g="0" b="0"/>
-      </a:fillRef>
-      <a:effectRef idx="0">
-        <a:scrgbClr r="0" g="0" b="0"/>
-      </a:effectRef>
-      <a:fontRef idx="minor">
-        <a:schemeClr val="lt1"/>
-      </a:fontRef>
-    </dgm:style>
-  </dgm:styleLbl>
-  <dgm:styleLbl name="fgSibTrans2D1">
-    <dgm:scene3d>
-      <a:camera prst="orthographicFront"/>
-      <a:lightRig rig="threePt" dir="t"/>
-    </dgm:scene3d>
-    <dgm:sp3d/>
-    <dgm:txPr/>
-    <dgm:style>
-      <a:lnRef idx="0">
-        <a:scrgbClr r="0" g="0" b="0"/>
-      </a:lnRef>
-      <a:fillRef idx="1">
-        <a:scrgbClr r="0" g="0" b="0"/>
-      </a:fillRef>
-      <a:effectRef idx="0">
-        <a:scrgbClr r="0" g="0" b="0"/>
-      </a:effectRef>
-      <a:fontRef idx="minor">
-        <a:schemeClr val="lt1"/>
-      </a:fontRef>
-    </dgm:style>
-  </dgm:styleLbl>
-  <dgm:styleLbl name="bgSibTrans2D1">
-    <dgm:scene3d>
-      <a:camera prst="orthographicFront"/>
-      <a:lightRig rig="threePt" dir="t"/>
-    </dgm:scene3d>
-    <dgm:sp3d/>
-    <dgm:txPr/>
-    <dgm:style>
-      <a:lnRef idx="0">
-        <a:scrgbClr r="0" g="0" b="0"/>
-      </a:lnRef>
-      <a:fillRef idx="1">
-        <a:scrgbClr r="0" g="0" b="0"/>
-      </a:fillRef>
-      <a:effectRef idx="0">
-        <a:scrgbClr r="0" g="0" b="0"/>
-      </a:effectRef>
-      <a:fontRef idx="minor">
-        <a:schemeClr val="lt1"/>
-      </a:fontRef>
-    </dgm:style>
-  </dgm:styleLbl>
-  <dgm:styleLbl name="sibTrans1D1">
-    <dgm:scene3d>
-      <a:camera prst="orthographicFront"/>
-      <a:lightRig rig="threePt" dir="t"/>
-    </dgm:scene3d>
-    <dgm:sp3d/>
-    <dgm:txPr/>
-    <dgm:style>
-      <a:lnRef idx="1">
-        <a:scrgbClr r="0" g="0" b="0"/>
-      </a:lnRef>
-      <a:fillRef idx="0">
-        <a:scrgbClr r="0" g="0" b="0"/>
-      </a:fillRef>
-      <a:effectRef idx="0">
-        <a:scrgbClr r="0" g="0" b="0"/>
-      </a:effectRef>
-      <a:fontRef idx="minor"/>
-    </dgm:style>
-  </dgm:styleLbl>
-  <dgm:styleLbl name="callout">
-    <dgm:scene3d>
-      <a:camera prst="orthographicFront"/>
-      <a:lightRig rig="threePt" dir="t"/>
-    </dgm:scene3d>
-    <dgm:sp3d/>
-    <dgm:txPr/>
-    <dgm:style>
-      <a:lnRef idx="2">
-        <a:scrgbClr r="0" g="0" b="0"/>
-      </a:lnRef>
-      <a:fillRef idx="1">
-        <a:scrgbClr r="0" g="0" b="0"/>
-      </a:fillRef>
-      <a:effectRef idx="0">
-        <a:scrgbClr r="0" g="0" b="0"/>
-      </a:effectRef>
-      <a:fontRef idx="minor"/>
-    </dgm:style>
-  </dgm:styleLbl>
-  <dgm:styleLbl name="asst0">
-    <dgm:scene3d>
-      <a:camera prst="orthographicFront"/>
-      <a:lightRig rig="threePt" dir="t"/>
-    </dgm:scene3d>
-    <dgm:sp3d/>
-    <dgm:txPr/>
-    <dgm:style>
-      <a:lnRef idx="2">
-        <a:scrgbClr r="0" g="0" b="0"/>
-      </a:lnRef>
-      <a:fillRef idx="1">
-        <a:scrgbClr r="0" g="0" b="0"/>
-      </a:fillRef>
-      <a:effectRef idx="0">
-        <a:scrgbClr r="0" g="0" b="0"/>
-      </a:effectRef>
-      <a:fontRef idx="minor">
-        <a:schemeClr val="lt1"/>
-      </a:fontRef>
-    </dgm:style>
-  </dgm:styleLbl>
-  <dgm:styleLbl name="asst1">
-    <dgm:scene3d>
-      <a:camera prst="orthographicFront"/>
-      <a:lightRig rig="threePt" dir="t"/>
-    </dgm:scene3d>
-    <dgm:sp3d/>
-    <dgm:txPr/>
-    <dgm:style>
-      <a:lnRef idx="2">
-        <a:scrgbClr r="0" g="0" b="0"/>
-      </a:lnRef>
-      <a:fillRef idx="1">
-        <a:scrgbClr r="0" g="0" b="0"/>
-      </a:fillRef>
-      <a:effectRef idx="0">
-        <a:scrgbClr r="0" g="0" b="0"/>
-      </a:effectRef>
-      <a:fontRef idx="minor">
-        <a:schemeClr val="lt1"/>
-      </a:fontRef>
-    </dgm:style>
-  </dgm:styleLbl>
-  <dgm:styleLbl name="asst2">
-    <dgm:scene3d>
-      <a:camera prst="orthographicFront"/>
-      <a:lightRig rig="threePt" dir="t"/>
-    </dgm:scene3d>
-    <dgm:sp3d/>
-    <dgm:txPr/>
-    <dgm:style>
-      <a:lnRef idx="2">
-        <a:scrgbClr r="0" g="0" b="0"/>
-      </a:lnRef>
-      <a:fillRef idx="1">
-        <a:scrgbClr r="0" g="0" b="0"/>
-      </a:fillRef>
-      <a:effectRef idx="0">
-        <a:scrgbClr r="0" g="0" b="0"/>
-      </a:effectRef>
-      <a:fontRef idx="minor">
-        <a:schemeClr val="lt1"/>
-      </a:fontRef>
-    </dgm:style>
-  </dgm:styleLbl>
-  <dgm:styleLbl name="asst3">
-    <dgm:scene3d>
-      <a:camera prst="orthographicFront"/>
-      <a:lightRig rig="threePt" dir="t"/>
-    </dgm:scene3d>
-    <dgm:sp3d/>
-    <dgm:txPr/>
-    <dgm:style>
-      <a:lnRef idx="2">
-        <a:scrgbClr r="0" g="0" b="0"/>
-      </a:lnRef>
-      <a:fillRef idx="1">
-        <a:scrgbClr r="0" g="0" b="0"/>
-      </a:fillRef>
-      <a:effectRef idx="0">
-        <a:scrgbClr r="0" g="0" b="0"/>
-      </a:effectRef>
-      <a:fontRef idx="minor">
-        <a:schemeClr val="lt1"/>
-      </a:fontRef>
-    </dgm:style>
-  </dgm:styleLbl>
-  <dgm:styleLbl name="asst4">
-    <dgm:scene3d>
-      <a:camera prst="orthographicFront"/>
-      <a:lightRig rig="threePt" dir="t"/>
-    </dgm:scene3d>
-    <dgm:sp3d/>
-    <dgm:txPr/>
-    <dgm:style>
-      <a:lnRef idx="2">
-        <a:scrgbClr r="0" g="0" b="0"/>
-      </a:lnRef>
-      <a:fillRef idx="1">
-        <a:scrgbClr r="0" g="0" b="0"/>
-      </a:fillRef>
-      <a:effectRef idx="0">
-        <a:scrgbClr r="0" g="0" b="0"/>
-      </a:effectRef>
-      <a:fontRef idx="minor">
-        <a:schemeClr val="lt1"/>
-      </a:fontRef>
-    </dgm:style>
-  </dgm:styleLbl>
-  <dgm:styleLbl name="parChTrans2D1">
-    <dgm:scene3d>
-      <a:camera prst="orthographicFront"/>
-      <a:lightRig rig="threePt" dir="t"/>
-    </dgm:scene3d>
-    <dgm:sp3d/>
-    <dgm:txPr/>
-    <dgm:style>
-      <a:lnRef idx="2">
-        <a:scrgbClr r="0" g="0" b="0"/>
-      </a:lnRef>
-      <a:fillRef idx="1">
-        <a:scrgbClr r="0" g="0" b="0"/>
-      </a:fillRef>
-      <a:effectRef idx="0">
-        <a:scrgbClr r="0" g="0" b="0"/>
-      </a:effectRef>
-      <a:fontRef idx="minor">
-        <a:schemeClr val="lt1"/>
-      </a:fontRef>
-    </dgm:style>
-  </dgm:styleLbl>
-  <dgm:styleLbl name="parChTrans2D2">
-    <dgm:scene3d>
-      <a:camera prst="orthographicFront"/>
-      <a:lightRig rig="threePt" dir="t"/>
-    </dgm:scene3d>
-    <dgm:sp3d/>
-    <dgm:txPr/>
-    <dgm:style>
-      <a:lnRef idx="2">
-        <a:scrgbClr r="0" g="0" b="0"/>
-      </a:lnRef>
-      <a:fillRef idx="1">
-        <a:scrgbClr r="0" g="0" b="0"/>
-      </a:fillRef>
-      <a:effectRef idx="0">
-        <a:scrgbClr r="0" g="0" b="0"/>
-      </a:effectRef>
-      <a:fontRef idx="minor">
-        <a:schemeClr val="lt1"/>
-      </a:fontRef>
-    </dgm:style>
-  </dgm:styleLbl>
-  <dgm:styleLbl name="parChTrans2D3">
-    <dgm:scene3d>
-      <a:camera prst="orthographicFront"/>
-      <a:lightRig rig="threePt" dir="t"/>
-    </dgm:scene3d>
-    <dgm:sp3d/>
-    <dgm:txPr/>
-    <dgm:style>
-      <a:lnRef idx="2">
-        <a:scrgbClr r="0" g="0" b="0"/>
-      </a:lnRef>
-      <a:fillRef idx="1">
-        <a:scrgbClr r="0" g="0" b="0"/>
-      </a:fillRef>
-      <a:effectRef idx="0">
-        <a:scrgbClr r="0" g="0" b="0"/>
-      </a:effectRef>
-      <a:fontRef idx="minor">
-        <a:schemeClr val="lt1"/>
-      </a:fontRef>
-    </dgm:style>
-  </dgm:styleLbl>
-  <dgm:styleLbl name="parChTrans2D4">
-    <dgm:scene3d>
-      <a:camera prst="orthographicFront"/>
-      <a:lightRig rig="threePt" dir="t"/>
-    </dgm:scene3d>
-    <dgm:sp3d/>
-    <dgm:txPr/>
-    <dgm:style>
-      <a:lnRef idx="2">
-        <a:scrgbClr r="0" g="0" b="0"/>
-      </a:lnRef>
-      <a:fillRef idx="1">
-        <a:scrgbClr r="0" g="0" b="0"/>
-      </a:fillRef>
-      <a:effectRef idx="0">
-        <a:scrgbClr r="0" g="0" b="0"/>
-      </a:effectRef>
-      <a:fontRef idx="minor">
-        <a:schemeClr val="lt1"/>
-      </a:fontRef>
-    </dgm:style>
-  </dgm:styleLbl>
-  <dgm:styleLbl name="parChTrans1D1">
-    <dgm:scene3d>
-      <a:camera prst="orthographicFront"/>
-      <a:lightRig rig="threePt" dir="t"/>
-    </dgm:scene3d>
-    <dgm:sp3d/>
-    <dgm:txPr/>
-    <dgm:style>
-      <a:lnRef idx="2">
-        <a:scrgbClr r="0" g="0" b="0"/>
-      </a:lnRef>
-      <a:fillRef idx="0">
-        <a:scrgbClr r="0" g="0" b="0"/>
-      </a:fillRef>
-      <a:effectRef idx="0">
-        <a:scrgbClr r="0" g="0" b="0"/>
-      </a:effectRef>
-      <a:fontRef idx="minor"/>
-    </dgm:style>
-  </dgm:styleLbl>
-  <dgm:styleLbl name="parChTrans1D2">
-    <dgm:scene3d>
-      <a:camera prst="orthographicFront"/>
-      <a:lightRig rig="threePt" dir="t"/>
-    </dgm:scene3d>
-    <dgm:sp3d/>
-    <dgm:txPr/>
-    <dgm:style>
-      <a:lnRef idx="2">
-        <a:scrgbClr r="0" g="0" b="0"/>
-      </a:lnRef>
-      <a:fillRef idx="0">
-        <a:scrgbClr r="0" g="0" b="0"/>
-      </a:fillRef>
-      <a:effectRef idx="0">
-        <a:scrgbClr r="0" g="0" b="0"/>
-      </a:effectRef>
-      <a:fontRef idx="minor"/>
-    </dgm:style>
-  </dgm:styleLbl>
-  <dgm:styleLbl name="parChTrans1D3">
-    <dgm:scene3d>
-      <a:camera prst="orthographicFront"/>
-      <a:lightRig rig="threePt" dir="t"/>
-    </dgm:scene3d>
-    <dgm:sp3d/>
-    <dgm:txPr/>
-    <dgm:style>
-      <a:lnRef idx="2">
-        <a:scrgbClr r="0" g="0" b="0"/>
-      </a:lnRef>
-      <a:fillRef idx="0">
-        <a:scrgbClr r="0" g="0" b="0"/>
-      </a:fillRef>
-      <a:effectRef idx="0">
-        <a:scrgbClr r="0" g="0" b="0"/>
-      </a:effectRef>
-      <a:fontRef idx="minor"/>
-    </dgm:style>
-  </dgm:styleLbl>
-  <dgm:styleLbl name="parChTrans1D4">
-    <dgm:scene3d>
-      <a:camera prst="orthographicFront"/>
-      <a:lightRig rig="threePt" dir="t"/>
-    </dgm:scene3d>
-    <dgm:sp3d/>
-    <dgm:txPr/>
-    <dgm:style>
-      <a:lnRef idx="2">
-        <a:scrgbClr r="0" g="0" b="0"/>
-      </a:lnRef>
-      <a:fillRef idx="0">
-        <a:scrgbClr r="0" g="0" b="0"/>
-      </a:fillRef>
-      <a:effectRef idx="0">
-        <a:scrgbClr r="0" g="0" b="0"/>
-      </a:effectRef>
-      <a:fontRef idx="minor"/>
-    </dgm:style>
-  </dgm:styleLbl>
-  <dgm:styleLbl name="fgAcc1">
-    <dgm:scene3d>
-      <a:camera prst="orthographicFront"/>
-      <a:lightRig rig="threePt" dir="t"/>
-    </dgm:scene3d>
-    <dgm:sp3d/>
-    <dgm:txPr/>
-    <dgm:style>
-      <a:lnRef idx="2">
-        <a:scrgbClr r="0" g="0" b="0"/>
-      </a:lnRef>
-      <a:fillRef idx="1">
-        <a:scrgbClr r="0" g="0" b="0"/>
-      </a:fillRef>
-      <a:effectRef idx="0">
-        <a:scrgbClr r="0" g="0" b="0"/>
-      </a:effectRef>
-      <a:fontRef idx="minor"/>
-    </dgm:style>
-  </dgm:styleLbl>
-  <dgm:styleLbl name="conFgAcc1">
-    <dgm:scene3d>
-      <a:camera prst="orthographicFront"/>
-      <a:lightRig rig="threePt" dir="t"/>
-    </dgm:scene3d>
-    <dgm:sp3d/>
-    <dgm:txPr/>
-    <dgm:style>
-      <a:lnRef idx="2">
-        <a:scrgbClr r="0" g="0" b="0"/>
-      </a:lnRef>
-      <a:fillRef idx="1">
-        <a:scrgbClr r="0" g="0" b="0"/>
-      </a:fillRef>
-      <a:effectRef idx="0">
-        <a:scrgbClr r="0" g="0" b="0"/>
-      </a:effectRef>
-      <a:fontRef idx="minor"/>
-    </dgm:style>
-  </dgm:styleLbl>
-  <dgm:styleLbl name="alignAcc1">
-    <dgm:scene3d>
-      <a:camera prst="orthographicFront"/>
-      <a:lightRig rig="threePt" dir="t"/>
-    </dgm:scene3d>
-    <dgm:sp3d/>
-    <dgm:txPr/>
-    <dgm:style>
-      <a:lnRef idx="2">
-        <a:scrgbClr r="0" g="0" b="0"/>
-      </a:lnRef>
-      <a:fillRef idx="1">
-        <a:scrgbClr r="0" g="0" b="0"/>
-      </a:fillRef>
-      <a:effectRef idx="0">
-        <a:scrgbClr r="0" g="0" b="0"/>
-      </a:effectRef>
-      <a:fontRef idx="minor"/>
-    </dgm:style>
-  </dgm:styleLbl>
-  <dgm:styleLbl name="trAlignAcc1">
-    <dgm:scene3d>
-      <a:camera prst="orthographicFront"/>
-      <a:lightRig rig="threePt" dir="t"/>
-    </dgm:scene3d>
-    <dgm:sp3d/>
-    <dgm:txPr/>
-    <dgm:style>
-      <a:lnRef idx="1">
-        <a:scrgbClr r="0" g="0" b="0"/>
-      </a:lnRef>
-      <a:fillRef idx="1">
-        <a:scrgbClr r="0" g="0" b="0"/>
-      </a:fillRef>
-      <a:effectRef idx="0">
-        <a:scrgbClr r="0" g="0" b="0"/>
-      </a:effectRef>
-      <a:fontRef idx="minor"/>
-    </dgm:style>
-  </dgm:styleLbl>
-  <dgm:styleLbl name="bgAcc1">
-    <dgm:scene3d>
-      <a:camera prst="orthographicFront"/>
-      <a:lightRig rig="threePt" dir="t"/>
-    </dgm:scene3d>
-    <dgm:sp3d/>
-    <dgm:txPr/>
-    <dgm:style>
-      <a:lnRef idx="2">
-        <a:scrgbClr r="0" g="0" b="0"/>
-      </a:lnRef>
-      <a:fillRef idx="1">
-        <a:scrgbClr r="0" g="0" b="0"/>
-      </a:fillRef>
-      <a:effectRef idx="0">
-        <a:scrgbClr r="0" g="0" b="0"/>
-      </a:effectRef>
-      <a:fontRef idx="minor"/>
-    </dgm:style>
-  </dgm:styleLbl>
-  <dgm:styleLbl name="solidFgAcc1">
-    <dgm:scene3d>
-      <a:camera prst="orthographicFront"/>
-      <a:lightRig rig="threePt" dir="t"/>
-    </dgm:scene3d>
-    <dgm:sp3d/>
-    <dgm:txPr/>
-    <dgm:style>
-      <a:lnRef idx="2">
-        <a:scrgbClr r="0" g="0" b="0"/>
-      </a:lnRef>
-      <a:fillRef idx="1">
-        <a:scrgbClr r="0" g="0" b="0"/>
-      </a:fillRef>
-      <a:effectRef idx="0">
-        <a:scrgbClr r="0" g="0" b="0"/>
-      </a:effectRef>
-      <a:fontRef idx="minor"/>
-    </dgm:style>
-  </dgm:styleLbl>
-  <dgm:styleLbl name="solidAlignAcc1">
-    <dgm:scene3d>
-      <a:camera prst="orthographicFront"/>
-      <a:lightRig rig="threePt" dir="t"/>
-    </dgm:scene3d>
-    <dgm:sp3d/>
-    <dgm:txPr/>
-    <dgm:style>
-      <a:lnRef idx="2">
-        <a:scrgbClr r="0" g="0" b="0"/>
-      </a:lnRef>
-      <a:fillRef idx="1">
-        <a:scrgbClr r="0" g="0" b="0"/>
-      </a:fillRef>
-      <a:effectRef idx="0">
-        <a:scrgbClr r="0" g="0" b="0"/>
-      </a:effectRef>
-      <a:fontRef idx="minor"/>
-    </dgm:style>
-  </dgm:styleLbl>
-  <dgm:styleLbl name="solidBgAcc1">
-    <dgm:scene3d>
-      <a:camera prst="orthographicFront"/>
-      <a:lightRig rig="threePt" dir="t"/>
-    </dgm:scene3d>
-    <dgm:sp3d/>
-    <dgm:txPr/>
-    <dgm:style>
-      <a:lnRef idx="2">
-        <a:scrgbClr r="0" g="0" b="0"/>
-      </a:lnRef>
-      <a:fillRef idx="1">
-        <a:scrgbClr r="0" g="0" b="0"/>
-      </a:fillRef>
-      <a:effectRef idx="0">
-        <a:scrgbClr r="0" g="0" b="0"/>
-      </a:effectRef>
-      <a:fontRef idx="minor"/>
-    </dgm:style>
-  </dgm:styleLbl>
-  <dgm:styleLbl name="fgAccFollowNode1">
-    <dgm:scene3d>
-      <a:camera prst="orthographicFront"/>
-      <a:lightRig rig="threePt" dir="t"/>
-    </dgm:scene3d>
-    <dgm:sp3d/>
-    <dgm:txPr/>
-    <dgm:style>
-      <a:lnRef idx="2">
-        <a:scrgbClr r="0" g="0" b="0"/>
-      </a:lnRef>
-      <a:fillRef idx="1">
-        <a:scrgbClr r="0" g="0" b="0"/>
-      </a:fillRef>
-      <a:effectRef idx="0">
-        <a:scrgbClr r="0" g="0" b="0"/>
-      </a:effectRef>
-      <a:fontRef idx="minor"/>
-    </dgm:style>
-  </dgm:styleLbl>
-  <dgm:styleLbl name="alignAccFollowNode1">
-    <dgm:scene3d>
-      <a:camera prst="orthographicFront"/>
-      <a:lightRig rig="threePt" dir="t"/>
-    </dgm:scene3d>
-    <dgm:sp3d/>
-    <dgm:txPr/>
-    <dgm:style>
-      <a:lnRef idx="2">
-        <a:scrgbClr r="0" g="0" b="0"/>
-      </a:lnRef>
-      <a:fillRef idx="1">
-        <a:scrgbClr r="0" g="0" b="0"/>
-      </a:fillRef>
-      <a:effectRef idx="0">
-        <a:scrgbClr r="0" g="0" b="0"/>
-      </a:effectRef>
-      <a:fontRef idx="minor"/>
-    </dgm:style>
-  </dgm:styleLbl>
-  <dgm:styleLbl name="bgAccFollowNode1">
-    <dgm:scene3d>
-      <a:camera prst="orthographicFront"/>
-      <a:lightRig rig="threePt" dir="t"/>
-    </dgm:scene3d>
-    <dgm:sp3d/>
-    <dgm:txPr/>
-    <dgm:style>
-      <a:lnRef idx="2">
-        <a:scrgbClr r="0" g="0" b="0"/>
-      </a:lnRef>
-      <a:fillRef idx="1">
-        <a:scrgbClr r="0" g="0" b="0"/>
-      </a:fillRef>
-      <a:effectRef idx="0">
-        <a:scrgbClr r="0" g="0" b="0"/>
-      </a:effectRef>
-      <a:fontRef idx="minor"/>
-    </dgm:style>
-  </dgm:styleLbl>
-  <dgm:styleLbl name="fgAcc0">
-    <dgm:scene3d>
-      <a:camera prst="orthographicFront"/>
-      <a:lightRig rig="threePt" dir="t"/>
-    </dgm:scene3d>
-    <dgm:sp3d/>
-    <dgm:txPr/>
-    <dgm:style>
-      <a:lnRef idx="2">
-        <a:scrgbClr r="0" g="0" b="0"/>
-      </a:lnRef>
-      <a:fillRef idx="1">
-        <a:scrgbClr r="0" g="0" b="0"/>
-      </a:fillRef>
-      <a:effectRef idx="0">
-        <a:scrgbClr r="0" g="0" b="0"/>
-      </a:effectRef>
-      <a:fontRef idx="minor"/>
-    </dgm:style>
-  </dgm:styleLbl>
-  <dgm:styleLbl name="fgAcc2">
-    <dgm:scene3d>
-      <a:camera prst="orthographicFront"/>
-      <a:lightRig rig="threePt" dir="t"/>
-    </dgm:scene3d>
-    <dgm:sp3d/>
-    <dgm:txPr/>
-    <dgm:style>
-      <a:lnRef idx="2">
-        <a:scrgbClr r="0" g="0" b="0"/>
-      </a:lnRef>
-      <a:fillRef idx="1">
-        <a:scrgbClr r="0" g="0" b="0"/>
-      </a:fillRef>
-      <a:effectRef idx="0">
-        <a:scrgbClr r="0" g="0" b="0"/>
-      </a:effectRef>
-      <a:fontRef idx="minor"/>
-    </dgm:style>
-  </dgm:styleLbl>
-  <dgm:styleLbl name="fgAcc3">
-    <dgm:scene3d>
-      <a:camera prst="orthographicFront"/>
-      <a:lightRig rig="threePt" dir="t"/>
-    </dgm:scene3d>
-    <dgm:sp3d/>
-    <dgm:txPr/>
-    <dgm:style>
-      <a:lnRef idx="2">
-        <a:scrgbClr r="0" g="0" b="0"/>
-      </a:lnRef>
-      <a:fillRef idx="1">
-        <a:scrgbClr r="0" g="0" b="0"/>
-      </a:fillRef>
-      <a:effectRef idx="0">
-        <a:scrgbClr r="0" g="0" b="0"/>
-      </a:effectRef>
-      <a:fontRef idx="minor"/>
-    </dgm:style>
-  </dgm:styleLbl>
-  <dgm:styleLbl name="fgAcc4">
-    <dgm:scene3d>
-      <a:camera prst="orthographicFront"/>
-      <a:lightRig rig="threePt" dir="t"/>
-    </dgm:scene3d>
-    <dgm:sp3d/>
-    <dgm:txPr/>
-    <dgm:style>
-      <a:lnRef idx="2">
-        <a:scrgbClr r="0" g="0" b="0"/>
-      </a:lnRef>
-      <a:fillRef idx="1">
-        <a:scrgbClr r="0" g="0" b="0"/>
-      </a:fillRef>
-      <a:effectRef idx="0">
-        <a:scrgbClr r="0" g="0" b="0"/>
-      </a:effectRef>
-      <a:fontRef idx="minor"/>
-    </dgm:style>
-  </dgm:styleLbl>
-  <dgm:styleLbl name="bgShp">
-    <dgm:scene3d>
-      <a:camera prst="orthographicFront"/>
-      <a:lightRig rig="threePt" dir="t"/>
-    </dgm:scene3d>
-    <dgm:sp3d/>
-    <dgm:txPr/>
-    <dgm:style>
-      <a:lnRef idx="0">
-        <a:scrgbClr r="0" g="0" b="0"/>
-      </a:lnRef>
-      <a:fillRef idx="1">
-        <a:scrgbClr r="0" g="0" b="0"/>
-      </a:fillRef>
-      <a:effectRef idx="0">
-        <a:scrgbClr r="0" g="0" b="0"/>
-      </a:effectRef>
-      <a:fontRef idx="minor"/>
-    </dgm:style>
-  </dgm:styleLbl>
-  <dgm:styleLbl name="dkBgShp">
-    <dgm:scene3d>
-      <a:camera prst="orthographicFront"/>
-      <a:lightRig rig="threePt" dir="t"/>
-    </dgm:scene3d>
-    <dgm:sp3d/>
-    <dgm:txPr/>
-    <dgm:style>
-      <a:lnRef idx="0">
-        <a:scrgbClr r="0" g="0" b="0"/>
-      </a:lnRef>
-      <a:fillRef idx="1">
-        <a:scrgbClr r="0" g="0" b="0"/>
-      </a:fillRef>
-      <a:effectRef idx="0">
-        <a:scrgbClr r="0" g="0" b="0"/>
-      </a:effectRef>
-      <a:fontRef idx="minor"/>
-    </dgm:style>
-  </dgm:styleLbl>
-  <dgm:styleLbl name="trBgShp">
-    <dgm:scene3d>
-      <a:camera prst="orthographicFront"/>
-      <a:lightRig rig="threePt" dir="t"/>
-    </dgm:scene3d>
-    <dgm:sp3d/>
-    <dgm:txPr/>
-    <dgm:style>
-      <a:lnRef idx="0">
-        <a:scrgbClr r="0" g="0" b="0"/>
-      </a:lnRef>
-      <a:fillRef idx="1">
-        <a:scrgbClr r="0" g="0" b="0"/>
-      </a:fillRef>
-      <a:effectRef idx="0">
-        <a:scrgbClr r="0" g="0" b="0"/>
-      </a:effectRef>
-      <a:fontRef idx="minor"/>
-    </dgm:style>
-  </dgm:styleLbl>
-  <dgm:styleLbl name="fgShp">
-    <dgm:scene3d>
-      <a:camera prst="orthographicFront"/>
-      <a:lightRig rig="threePt" dir="t"/>
-    </dgm:scene3d>
-    <dgm:sp3d/>
-    <dgm:txPr/>
-    <dgm:style>
-      <a:lnRef idx="2">
-        <a:scrgbClr r="0" g="0" b="0"/>
-      </a:lnRef>
-      <a:fillRef idx="1">
-        <a:scrgbClr r="0" g="0" b="0"/>
-      </a:fillRef>
-      <a:effectRef idx="0">
-        <a:scrgbClr r="0" g="0" b="0"/>
-      </a:effectRef>
-      <a:fontRef idx="minor"/>
-    </dgm:style>
-  </dgm:styleLbl>
-  <dgm:styleLbl name="revTx">
-    <dgm:scene3d>
-      <a:camera prst="orthographicFront"/>
-      <a:lightRig rig="threePt" dir="t"/>
-    </dgm:scene3d>
-    <dgm:sp3d/>
-    <dgm:txPr/>
-    <dgm:style>
-      <a:lnRef idx="0">
-        <a:scrgbClr r="0" g="0" b="0"/>
-      </a:lnRef>
-      <a:fillRef idx="0">
-        <a:scrgbClr r="0" g="0" b="0"/>
-      </a:fillRef>
-      <a:effectRef idx="0">
-        <a:scrgbClr r="0" g="0" b="0"/>
-      </a:effectRef>
-      <a:fontRef idx="minor"/>
-    </dgm:style>
-  </dgm:styleLbl>
-</dgm:styleDef>
-</file>
-
 <file path=ppt/handoutMasters/handoutMaster1.xml><?xml version="1.0" encoding="utf-8"?>
 <p:handoutMaster xmlns:a="http://schemas.openxmlformats.org/drawingml/2006/main" xmlns:r="http://schemas.openxmlformats.org/officeDocument/2006/relationships" xmlns:p="http://schemas.openxmlformats.org/presentationml/2006/main">
   <p:cSld>
@@ -6093,7 +2994,7 @@
           <a:p>
             <a:fld id="{92ABB2FB-6345-45FF-A90E-A01D6AFF79C4}" type="datetimeFigureOut">
               <a:rPr lang="en-US" smtClean="0"/>
-              <a:t>10/29/2022</a:t>
+              <a:t>11/14/2022</a:t>
             </a:fld>
             <a:endParaRPr lang="en-US"/>
           </a:p>
@@ -6271,7 +3172,7 @@
           <a:p>
             <a:fld id="{DCC6978D-169D-4110-A16B-2595AC07B6B0}" type="datetimeFigureOut">
               <a:rPr lang="en-US" smtClean="0"/>
-              <a:t>10/29/2022</a:t>
+              <a:t>11/14/2022</a:t>
             </a:fld>
             <a:endParaRPr lang="en-US"/>
           </a:p>
@@ -6592,7 +3493,7 @@
                 <a:ea typeface="PT Sans" panose="020B0503020203020204" pitchFamily="34" charset="0"/>
                 <a:cs typeface="Poppins Light" panose="00000400000000000000" pitchFamily="2" charset="0"/>
               </a:rPr>
-              <a:t>呂剛中張光昭</a:t>
+              <a:t>呂剛中、張光昭</a:t>
             </a:r>
             <a:endParaRPr lang="zh-TW" altLang="en-US" dirty="0"/>
           </a:p>
@@ -6677,6 +3578,251 @@
         <p:txBody>
           <a:bodyPr/>
           <a:lstStyle/>
+          <a:p>
+            <a:r>
+              <a:rPr lang="zh-TW" altLang="en-US" dirty="0"/>
+              <a:t>作者研究動機：</a:t>
+            </a:r>
+            <a:endParaRPr lang="en-US" altLang="zh-TW" dirty="0"/>
+          </a:p>
+          <a:p>
+            <a:r>
+              <a:rPr lang="zh-TW" altLang="en-US" dirty="0"/>
+              <a:t>過去的研究多專注使用常態假設對連續型資料做推論，或是使用</a:t>
+            </a:r>
+            <a:r>
+              <a:rPr lang="en-US" altLang="zh-TW" dirty="0"/>
+              <a:t>random effects</a:t>
+            </a:r>
+            <a:r>
+              <a:rPr lang="zh-TW" altLang="en-US" dirty="0"/>
+              <a:t>的</a:t>
+            </a:r>
+            <a:r>
+              <a:rPr lang="en-US" altLang="zh-TW" dirty="0"/>
+              <a:t>logistic risk model</a:t>
+            </a:r>
+            <a:r>
+              <a:rPr lang="zh-TW" altLang="en-US" dirty="0"/>
+              <a:t>對二元資料進行討論，針對個數型資料的探討較少。</a:t>
+            </a:r>
+            <a:endParaRPr lang="en-US" altLang="zh-TW" dirty="0"/>
+          </a:p>
+          <a:p>
+            <a:r>
+              <a:rPr lang="zh-TW" altLang="en-US" dirty="0"/>
+              <a:t>雖然針對簡單交叉設計下的個數型資料已有文獻提出無母數的方法對</a:t>
+            </a:r>
+            <a:r>
+              <a:rPr lang="en-US" altLang="zh-TW" dirty="0"/>
+              <a:t>treatment effect</a:t>
+            </a:r>
+            <a:r>
+              <a:rPr lang="zh-TW" altLang="en-US" dirty="0"/>
+              <a:t>作區間估計，但當患者數少的時候，個數型資料在卜瓦松分布的假設下，這些依賴大樣本理論發展出的推論方式會失去其準確性甚至是無效的。</a:t>
+            </a:r>
+            <a:endParaRPr lang="en-US" altLang="zh-TW" dirty="0"/>
+          </a:p>
+          <a:p>
+            <a:r>
+              <a:rPr lang="zh-TW" altLang="en-US" dirty="0"/>
+              <a:t>目的：</a:t>
+            </a:r>
+            <a:endParaRPr lang="en-US" altLang="zh-TW" dirty="0"/>
+          </a:p>
+          <a:p>
+            <a:pPr marL="0" marR="0" lvl="0" indent="0" algn="l" defTabSz="914400" rtl="0" eaLnBrk="1" fontAlgn="auto" latinLnBrk="0" hangingPunct="1">
+              <a:lnSpc>
+                <a:spcPct val="100000"/>
+              </a:lnSpc>
+              <a:spcBef>
+                <a:spcPts val="0"/>
+              </a:spcBef>
+              <a:spcAft>
+                <a:spcPts val="0"/>
+              </a:spcAft>
+              <a:buClrTx/>
+              <a:buSzTx/>
+              <a:buFontTx/>
+              <a:buNone/>
+              <a:tabLst/>
+              <a:defRPr/>
+            </a:pPr>
+            <a:r>
+              <a:rPr lang="zh-TW" altLang="en-US" b="0" dirty="0"/>
+              <a:t>此篇文章作者假設個數型資料服從卜瓦松分配，提出了小樣本與大樣本下的檢定方式，去做</a:t>
+            </a:r>
+            <a:r>
+              <a:rPr lang="en-US" altLang="zh-TW" sz="1200" b="0" dirty="0">
+                <a:solidFill>
+                  <a:schemeClr val="accent4"/>
+                </a:solidFill>
+                <a:latin typeface="Times New Roman" panose="02020603050405020304" pitchFamily="18" charset="0"/>
+                <a:ea typeface="PT Sans" panose="020B0503020203020204" pitchFamily="34" charset="0"/>
+                <a:cs typeface="Times New Roman" panose="02020603050405020304" pitchFamily="18" charset="0"/>
+              </a:rPr>
+              <a:t>Non-equality, Non-inferiority and Equivalence</a:t>
+            </a:r>
+            <a:r>
+              <a:rPr lang="zh-TW" altLang="en-US" sz="1200" b="0" dirty="0">
+                <a:solidFill>
+                  <a:schemeClr val="accent4"/>
+                </a:solidFill>
+                <a:latin typeface="Times New Roman" panose="02020603050405020304" pitchFamily="18" charset="0"/>
+                <a:ea typeface="PT Sans" panose="020B0503020203020204" pitchFamily="34" charset="0"/>
+                <a:cs typeface="Times New Roman" panose="02020603050405020304" pitchFamily="18" charset="0"/>
+              </a:rPr>
+              <a:t>的</a:t>
+            </a:r>
+            <a:r>
+              <a:rPr lang="en-US" altLang="zh-TW" sz="1200" b="0" dirty="0">
+                <a:solidFill>
+                  <a:schemeClr val="accent4"/>
+                </a:solidFill>
+                <a:latin typeface="Times New Roman" panose="02020603050405020304" pitchFamily="18" charset="0"/>
+                <a:ea typeface="PT Sans" panose="020B0503020203020204" pitchFamily="34" charset="0"/>
+                <a:cs typeface="Times New Roman" panose="02020603050405020304" pitchFamily="18" charset="0"/>
+              </a:rPr>
+              <a:t>testing</a:t>
+            </a:r>
+            <a:r>
+              <a:rPr lang="zh-TW" altLang="en-US" sz="1200" b="0" dirty="0">
+                <a:solidFill>
+                  <a:schemeClr val="accent4"/>
+                </a:solidFill>
+                <a:latin typeface="Times New Roman" panose="02020603050405020304" pitchFamily="18" charset="0"/>
+                <a:ea typeface="PT Sans" panose="020B0503020203020204" pitchFamily="34" charset="0"/>
+                <a:cs typeface="Times New Roman" panose="02020603050405020304" pitchFamily="18" charset="0"/>
+              </a:rPr>
+              <a:t>與區間估計。</a:t>
+            </a:r>
+            <a:endParaRPr lang="en-US" altLang="zh-TW" sz="1200" b="0" dirty="0">
+              <a:solidFill>
+                <a:schemeClr val="accent4"/>
+              </a:solidFill>
+              <a:latin typeface="Times New Roman" panose="02020603050405020304" pitchFamily="18" charset="0"/>
+              <a:ea typeface="PT Sans" panose="020B0503020203020204" pitchFamily="34" charset="0"/>
+              <a:cs typeface="Times New Roman" panose="02020603050405020304" pitchFamily="18" charset="0"/>
+            </a:endParaRPr>
+          </a:p>
+          <a:p>
+            <a:pPr marL="0" marR="0" lvl="0" indent="0" algn="l" defTabSz="914400" rtl="0" eaLnBrk="1" fontAlgn="auto" latinLnBrk="0" hangingPunct="1">
+              <a:lnSpc>
+                <a:spcPct val="100000"/>
+              </a:lnSpc>
+              <a:spcBef>
+                <a:spcPts val="0"/>
+              </a:spcBef>
+              <a:spcAft>
+                <a:spcPts val="0"/>
+              </a:spcAft>
+              <a:buClrTx/>
+              <a:buSzTx/>
+              <a:buFontTx/>
+              <a:buNone/>
+              <a:tabLst/>
+              <a:defRPr/>
+            </a:pPr>
+            <a:endParaRPr lang="en-US" altLang="zh-TW" dirty="0"/>
+          </a:p>
+          <a:p>
+            <a:endParaRPr lang="zh-TW" altLang="en-US" dirty="0"/>
+          </a:p>
+        </p:txBody>
+      </p:sp>
+      <p:sp>
+        <p:nvSpPr>
+          <p:cNvPr id="4" name="投影片編號版面配置區 3"/>
+          <p:cNvSpPr>
+            <a:spLocks noGrp="1"/>
+          </p:cNvSpPr>
+          <p:nvPr>
+            <p:ph type="sldNum" sz="quarter" idx="5"/>
+          </p:nvPr>
+        </p:nvSpPr>
+        <p:spPr/>
+        <p:txBody>
+          <a:bodyPr/>
+          <a:lstStyle/>
+          <a:p>
+            <a:fld id="{97B850F2-B22E-4775-A903-A41CD4C74260}" type="slidenum">
+              <a:rPr lang="en-US" smtClean="0"/>
+              <a:t>2</a:t>
+            </a:fld>
+            <a:endParaRPr lang="en-US"/>
+          </a:p>
+        </p:txBody>
+      </p:sp>
+    </p:spTree>
+    <p:extLst>
+      <p:ext uri="{BB962C8B-B14F-4D97-AF65-F5344CB8AC3E}">
+        <p14:creationId xmlns:p14="http://schemas.microsoft.com/office/powerpoint/2010/main" val="971479633"/>
+      </p:ext>
+    </p:extLst>
+  </p:cSld>
+  <p:clrMapOvr>
+    <a:masterClrMapping/>
+  </p:clrMapOvr>
+</p:notes>
+</file>
+
+<file path=ppt/notesSlides/notesSlide3.xml><?xml version="1.0" encoding="utf-8"?>
+<p:notes xmlns:a="http://schemas.openxmlformats.org/drawingml/2006/main" xmlns:r="http://schemas.openxmlformats.org/officeDocument/2006/relationships" xmlns:p="http://schemas.openxmlformats.org/presentationml/2006/main">
+  <p:cSld>
+    <p:spTree>
+      <p:nvGrpSpPr>
+        <p:cNvPr id="1" name=""/>
+        <p:cNvGrpSpPr/>
+        <p:nvPr/>
+      </p:nvGrpSpPr>
+      <p:grpSpPr>
+        <a:xfrm>
+          <a:off x="0" y="0"/>
+          <a:ext cx="0" cy="0"/>
+          <a:chOff x="0" y="0"/>
+          <a:chExt cx="0" cy="0"/>
+        </a:xfrm>
+      </p:grpSpPr>
+      <p:sp>
+        <p:nvSpPr>
+          <p:cNvPr id="2" name="投影片影像版面配置區 1"/>
+          <p:cNvSpPr>
+            <a:spLocks noGrp="1" noRot="1" noChangeAspect="1"/>
+          </p:cNvSpPr>
+          <p:nvPr>
+            <p:ph type="sldImg"/>
+          </p:nvPr>
+        </p:nvSpPr>
+        <p:spPr/>
+      </p:sp>
+      <p:sp>
+        <p:nvSpPr>
+          <p:cNvPr id="3" name="備忘稿版面配置區 2"/>
+          <p:cNvSpPr>
+            <a:spLocks noGrp="1"/>
+          </p:cNvSpPr>
+          <p:nvPr>
+            <p:ph type="body" idx="1"/>
+          </p:nvPr>
+        </p:nvSpPr>
+        <p:spPr/>
+        <p:txBody>
+          <a:bodyPr/>
+          <a:lstStyle/>
+          <a:p>
+            <a:r>
+              <a:rPr lang="zh-TW" altLang="en-US" dirty="0"/>
+              <a:t>交叉設計實驗中，患者會被隨機分配到不同治療順序對應的組別，在臨床上這樣的設計經常被用來研究無法完全治癒的疾病或慢性病的治療效應，比如心絞痛，癲癇、高血壓或氣喘之類的疾病。</a:t>
+            </a:r>
+            <a:endParaRPr lang="en-US" altLang="zh-TW" dirty="0"/>
+          </a:p>
+          <a:p>
+            <a:r>
+              <a:rPr lang="zh-TW" altLang="en-US" dirty="0"/>
+              <a:t>其優點在於</a:t>
+            </a:r>
+            <a:endParaRPr lang="en-US" altLang="zh-TW" dirty="0"/>
+          </a:p>
           <a:p>
             <a:r>
               <a:rPr lang="en-US" altLang="zh-TW" dirty="0"/>
@@ -6854,7 +4000,7 @@
 </p:notes>
 </file>
 
-<file path=ppt/notesSlides/notesSlide3.xml><?xml version="1.0" encoding="utf-8"?>
+<file path=ppt/notesSlides/notesSlide4.xml><?xml version="1.0" encoding="utf-8"?>
 <p:notes xmlns:a="http://schemas.openxmlformats.org/drawingml/2006/main" xmlns:r="http://schemas.openxmlformats.org/officeDocument/2006/relationships" xmlns:p="http://schemas.openxmlformats.org/presentationml/2006/main">
   <p:cSld>
     <p:spTree>
@@ -7074,7 +4220,7 @@
 </p:notes>
 </file>
 
-<file path=ppt/notesSlides/notesSlide4.xml><?xml version="1.0" encoding="utf-8"?>
+<file path=ppt/notesSlides/notesSlide5.xml><?xml version="1.0" encoding="utf-8"?>
 <p:notes xmlns:a="http://schemas.openxmlformats.org/drawingml/2006/main" xmlns:r="http://schemas.openxmlformats.org/officeDocument/2006/relationships" xmlns:p="http://schemas.openxmlformats.org/presentationml/2006/main">
   <p:cSld>
     <p:spTree>
@@ -7273,7 +4419,7 @@
 </p:notes>
 </file>
 
-<file path=ppt/notesSlides/notesSlide5.xml><?xml version="1.0" encoding="utf-8"?>
+<file path=ppt/notesSlides/notesSlide6.xml><?xml version="1.0" encoding="utf-8"?>
 <p:notes xmlns:a="http://schemas.openxmlformats.org/drawingml/2006/main" xmlns:r="http://schemas.openxmlformats.org/officeDocument/2006/relationships" xmlns:p="http://schemas.openxmlformats.org/presentationml/2006/main">
   <p:cSld>
     <p:spTree>
@@ -7462,7 +4608,7 @@
 </p:notes>
 </file>
 
-<file path=ppt/notesSlides/notesSlide6.xml><?xml version="1.0" encoding="utf-8"?>
+<file path=ppt/notesSlides/notesSlide7.xml><?xml version="1.0" encoding="utf-8"?>
 <p:notes xmlns:a="http://schemas.openxmlformats.org/drawingml/2006/main" xmlns:r="http://schemas.openxmlformats.org/officeDocument/2006/relationships" xmlns:p="http://schemas.openxmlformats.org/presentationml/2006/main">
   <p:cSld>
     <p:spTree>
@@ -7531,7 +4677,7 @@
           <a:p>
             <a:fld id="{97B850F2-B22E-4775-A903-A41CD4C74260}" type="slidenum">
               <a:rPr lang="en-US" smtClean="0"/>
-              <a:t>27</a:t>
+              <a:t>25</a:t>
             </a:fld>
             <a:endParaRPr lang="en-US"/>
           </a:p>
@@ -22026,1649 +19172,6 @@
 <file path=ppt/slides/slide17.xml><?xml version="1.0" encoding="utf-8"?>
 <p:sld xmlns:a="http://schemas.openxmlformats.org/drawingml/2006/main" xmlns:r="http://schemas.openxmlformats.org/officeDocument/2006/relationships" xmlns:p="http://schemas.openxmlformats.org/presentationml/2006/main">
   <p:cSld>
-    <p:bg>
-      <p:bgPr>
-        <a:solidFill>
-          <a:schemeClr val="bg1"/>
-        </a:solidFill>
-        <a:effectLst/>
-      </p:bgPr>
-    </p:bg>
-    <p:spTree>
-      <p:nvGrpSpPr>
-        <p:cNvPr id="1" name=""/>
-        <p:cNvGrpSpPr/>
-        <p:nvPr/>
-      </p:nvGrpSpPr>
-      <p:grpSpPr>
-        <a:xfrm>
-          <a:off x="0" y="0"/>
-          <a:ext cx="0" cy="0"/>
-          <a:chOff x="0" y="0"/>
-          <a:chExt cx="0" cy="0"/>
-        </a:xfrm>
-      </p:grpSpPr>
-      <p:sp>
-        <p:nvSpPr>
-          <p:cNvPr id="35" name="TextBox 34">
-            <a:extLst>
-              <a:ext uri="{FF2B5EF4-FFF2-40B4-BE49-F238E27FC236}">
-                <a16:creationId xmlns:a16="http://schemas.microsoft.com/office/drawing/2014/main" id="{FED612F0-423D-41D9-841B-A620C97A6443}"/>
-              </a:ext>
-            </a:extLst>
-          </p:cNvPr>
-          <p:cNvSpPr txBox="1"/>
-          <p:nvPr/>
-        </p:nvSpPr>
-        <p:spPr>
-          <a:xfrm>
-            <a:off x="1651001" y="2144047"/>
-            <a:ext cx="4444999" cy="784830"/>
-          </a:xfrm>
-          <a:prstGeom prst="rect">
-            <a:avLst/>
-          </a:prstGeom>
-          <a:noFill/>
-        </p:spPr>
-        <p:txBody>
-          <a:bodyPr wrap="square" rtlCol="0">
-            <a:spAutoFit/>
-          </a:bodyPr>
-          <a:lstStyle/>
-          <a:p>
-            <a:r>
-              <a:rPr lang="en-US" sz="4500" b="1" dirty="0">
-                <a:solidFill>
-                  <a:schemeClr val="tx1">
-                    <a:lumMod val="85000"/>
-                    <a:lumOff val="15000"/>
-                  </a:schemeClr>
-                </a:solidFill>
-                <a:latin typeface="Poppins Medium" panose="00000600000000000000" pitchFamily="2" charset="0"/>
-                <a:cs typeface="Poppins Medium" panose="00000600000000000000" pitchFamily="2" charset="0"/>
-              </a:rPr>
-              <a:t>Spark </a:t>
-            </a:r>
-            <a:r>
-              <a:rPr lang="en-US" sz="4500" b="1" dirty="0">
-                <a:solidFill>
-                  <a:schemeClr val="accent1"/>
-                </a:solidFill>
-                <a:latin typeface="Poppins Medium" panose="00000600000000000000" pitchFamily="2" charset="0"/>
-                <a:cs typeface="Poppins Medium" panose="00000600000000000000" pitchFamily="2" charset="0"/>
-              </a:rPr>
-              <a:t>Jonson</a:t>
-            </a:r>
-          </a:p>
-        </p:txBody>
-      </p:sp>
-      <p:sp>
-        <p:nvSpPr>
-          <p:cNvPr id="36" name="TextBox 35">
-            <a:extLst>
-              <a:ext uri="{FF2B5EF4-FFF2-40B4-BE49-F238E27FC236}">
-                <a16:creationId xmlns:a16="http://schemas.microsoft.com/office/drawing/2014/main" id="{0B01DAB6-7D59-4072-8966-87283AF1A2BD}"/>
-              </a:ext>
-            </a:extLst>
-          </p:cNvPr>
-          <p:cNvSpPr txBox="1"/>
-          <p:nvPr/>
-        </p:nvSpPr>
-        <p:spPr>
-          <a:xfrm>
-            <a:off x="1667669" y="2856305"/>
-            <a:ext cx="2481604" cy="307777"/>
-          </a:xfrm>
-          <a:prstGeom prst="rect">
-            <a:avLst/>
-          </a:prstGeom>
-          <a:noFill/>
-        </p:spPr>
-        <p:txBody>
-          <a:bodyPr wrap="square" rtlCol="0">
-            <a:spAutoFit/>
-          </a:bodyPr>
-          <a:lstStyle/>
-          <a:p>
-            <a:r>
-              <a:rPr lang="en-US" sz="1400" dirty="0" err="1">
-                <a:solidFill>
-                  <a:schemeClr val="tx2"/>
-                </a:solidFill>
-                <a:latin typeface="Poppins Medium" panose="00000600000000000000" pitchFamily="2" charset="0"/>
-                <a:ea typeface="PT Sans" panose="020B0503020203020204" pitchFamily="34" charset="0"/>
-                <a:cs typeface="Poppins Medium" panose="00000600000000000000" pitchFamily="2" charset="0"/>
-              </a:rPr>
-              <a:t>Manejar</a:t>
-            </a:r>
-            <a:r>
-              <a:rPr lang="en-US" sz="1400" dirty="0">
-                <a:solidFill>
-                  <a:schemeClr val="tx2"/>
-                </a:solidFill>
-                <a:latin typeface="Poppins Medium" panose="00000600000000000000" pitchFamily="2" charset="0"/>
-                <a:ea typeface="PT Sans" panose="020B0503020203020204" pitchFamily="34" charset="0"/>
-                <a:cs typeface="Poppins Medium" panose="00000600000000000000" pitchFamily="2" charset="0"/>
-              </a:rPr>
-              <a:t> Of Freepiker</a:t>
-            </a:r>
-          </a:p>
-        </p:txBody>
-      </p:sp>
-      <p:sp>
-        <p:nvSpPr>
-          <p:cNvPr id="40" name="TextBox 39">
-            <a:extLst>
-              <a:ext uri="{FF2B5EF4-FFF2-40B4-BE49-F238E27FC236}">
-                <a16:creationId xmlns:a16="http://schemas.microsoft.com/office/drawing/2014/main" id="{7D1EF336-0599-4A1F-A62D-FEBE7F3119E0}"/>
-              </a:ext>
-            </a:extLst>
-          </p:cNvPr>
-          <p:cNvSpPr txBox="1"/>
-          <p:nvPr/>
-        </p:nvSpPr>
-        <p:spPr>
-          <a:xfrm>
-            <a:off x="1667669" y="4461371"/>
-            <a:ext cx="3626417" cy="1353704"/>
-          </a:xfrm>
-          <a:prstGeom prst="rect">
-            <a:avLst/>
-          </a:prstGeom>
-          <a:noFill/>
-        </p:spPr>
-        <p:txBody>
-          <a:bodyPr wrap="square" numCol="1" spcCol="457200" rtlCol="0">
-            <a:spAutoFit/>
-          </a:bodyPr>
-          <a:lstStyle/>
-          <a:p>
-            <a:pPr>
-              <a:lnSpc>
-                <a:spcPts val="2000"/>
-              </a:lnSpc>
-            </a:pPr>
-            <a:r>
-              <a:rPr lang="en-US" sz="1200" dirty="0">
-                <a:solidFill>
-                  <a:schemeClr val="tx1">
-                    <a:lumMod val="65000"/>
-                    <a:lumOff val="35000"/>
-                  </a:schemeClr>
-                </a:solidFill>
-                <a:latin typeface="Poppins Light" panose="00000400000000000000" pitchFamily="2" charset="0"/>
-                <a:ea typeface="PT Sans" panose="020B0503020203020204" pitchFamily="34" charset="0"/>
-                <a:cs typeface="Poppins Light" panose="00000400000000000000" pitchFamily="2" charset="0"/>
-              </a:rPr>
-              <a:t>Were hath waters divided fill may days air bring Were hath waters divided fill may days air bring Were hath waters divided fill may days air bring.</a:t>
-            </a:r>
-          </a:p>
-          <a:p>
-            <a:pPr>
-              <a:lnSpc>
-                <a:spcPts val="2000"/>
-              </a:lnSpc>
-            </a:pPr>
-            <a:endParaRPr lang="en-US" sz="1200" dirty="0">
-              <a:solidFill>
-                <a:schemeClr val="tx1">
-                  <a:lumMod val="65000"/>
-                  <a:lumOff val="35000"/>
-                </a:schemeClr>
-              </a:solidFill>
-              <a:latin typeface="Poppins Light" panose="00000400000000000000" pitchFamily="2" charset="0"/>
-              <a:ea typeface="PT Sans" panose="020B0503020203020204" pitchFamily="34" charset="0"/>
-              <a:cs typeface="Poppins Light" panose="00000400000000000000" pitchFamily="2" charset="0"/>
-            </a:endParaRPr>
-          </a:p>
-        </p:txBody>
-      </p:sp>
-      <p:sp>
-        <p:nvSpPr>
-          <p:cNvPr id="51" name="TextBox 50">
-            <a:extLst>
-              <a:ext uri="{FF2B5EF4-FFF2-40B4-BE49-F238E27FC236}">
-                <a16:creationId xmlns:a16="http://schemas.microsoft.com/office/drawing/2014/main" id="{E60F9CA2-41E3-42A9-9199-B5E1D7A56CF1}"/>
-              </a:ext>
-            </a:extLst>
-          </p:cNvPr>
-          <p:cNvSpPr txBox="1"/>
-          <p:nvPr/>
-        </p:nvSpPr>
-        <p:spPr>
-          <a:xfrm>
-            <a:off x="1667669" y="3876340"/>
-            <a:ext cx="2931547" cy="784830"/>
-          </a:xfrm>
-          <a:prstGeom prst="rect">
-            <a:avLst/>
-          </a:prstGeom>
-          <a:noFill/>
-        </p:spPr>
-        <p:txBody>
-          <a:bodyPr wrap="square" rtlCol="0">
-            <a:spAutoFit/>
-          </a:bodyPr>
-          <a:lstStyle/>
-          <a:p>
-            <a:r>
-              <a:rPr lang="en-US" sz="4500" dirty="0">
-                <a:solidFill>
-                  <a:schemeClr val="tx1">
-                    <a:lumMod val="50000"/>
-                    <a:lumOff val="50000"/>
-                  </a:schemeClr>
-                </a:solidFill>
-                <a:latin typeface="Photograph Signature" panose="02000500000000000000" pitchFamily="50" charset="0"/>
-                <a:cs typeface="Poppins Medium" panose="00000600000000000000" pitchFamily="2" charset="0"/>
-              </a:rPr>
-              <a:t>Leo Adnan</a:t>
-            </a:r>
-          </a:p>
-        </p:txBody>
-      </p:sp>
-      <p:sp>
-        <p:nvSpPr>
-          <p:cNvPr id="4" name="Rectangle 3">
-            <a:extLst>
-              <a:ext uri="{FF2B5EF4-FFF2-40B4-BE49-F238E27FC236}">
-                <a16:creationId xmlns:a16="http://schemas.microsoft.com/office/drawing/2014/main" id="{2A2D6A49-B067-4AD8-89B6-457B54F45B23}"/>
-              </a:ext>
-            </a:extLst>
-          </p:cNvPr>
-          <p:cNvSpPr/>
-          <p:nvPr/>
-        </p:nvSpPr>
-        <p:spPr>
-          <a:xfrm>
-            <a:off x="6897916" y="1320801"/>
-            <a:ext cx="3294743" cy="3388016"/>
-          </a:xfrm>
-          <a:prstGeom prst="rect">
-            <a:avLst/>
-          </a:prstGeom>
-          <a:solidFill>
-            <a:schemeClr val="accent1"/>
-          </a:solidFill>
-          <a:ln>
-            <a:noFill/>
-          </a:ln>
-        </p:spPr>
-        <p:style>
-          <a:lnRef idx="2">
-            <a:schemeClr val="accent1">
-              <a:shade val="50000"/>
-            </a:schemeClr>
-          </a:lnRef>
-          <a:fillRef idx="1">
-            <a:schemeClr val="accent1"/>
-          </a:fillRef>
-          <a:effectRef idx="0">
-            <a:schemeClr val="accent1"/>
-          </a:effectRef>
-          <a:fontRef idx="minor">
-            <a:schemeClr val="lt1"/>
-          </a:fontRef>
-        </p:style>
-        <p:txBody>
-          <a:bodyPr rtlCol="0" anchor="ctr"/>
-          <a:lstStyle/>
-          <a:p>
-            <a:pPr algn="ctr"/>
-            <a:endParaRPr lang="en-US" dirty="0"/>
-          </a:p>
-        </p:txBody>
-      </p:sp>
-      <p:sp>
-        <p:nvSpPr>
-          <p:cNvPr id="11" name="Rectangle 10">
-            <a:extLst>
-              <a:ext uri="{FF2B5EF4-FFF2-40B4-BE49-F238E27FC236}">
-                <a16:creationId xmlns:a16="http://schemas.microsoft.com/office/drawing/2014/main" id="{A983A1B2-50B5-493A-93CD-34FCBC2BEDFC}"/>
-              </a:ext>
-            </a:extLst>
-          </p:cNvPr>
-          <p:cNvSpPr/>
-          <p:nvPr/>
-        </p:nvSpPr>
-        <p:spPr>
-          <a:xfrm>
-            <a:off x="6897916" y="4778666"/>
-            <a:ext cx="3294743" cy="876343"/>
-          </a:xfrm>
-          <a:prstGeom prst="rect">
-            <a:avLst/>
-          </a:prstGeom>
-          <a:solidFill>
-            <a:schemeClr val="accent2"/>
-          </a:solidFill>
-          <a:ln>
-            <a:noFill/>
-          </a:ln>
-        </p:spPr>
-        <p:style>
-          <a:lnRef idx="2">
-            <a:schemeClr val="accent1">
-              <a:shade val="50000"/>
-            </a:schemeClr>
-          </a:lnRef>
-          <a:fillRef idx="1">
-            <a:schemeClr val="accent1"/>
-          </a:fillRef>
-          <a:effectRef idx="0">
-            <a:schemeClr val="accent1"/>
-          </a:effectRef>
-          <a:fontRef idx="minor">
-            <a:schemeClr val="lt1"/>
-          </a:fontRef>
-        </p:style>
-        <p:txBody>
-          <a:bodyPr rtlCol="0" anchor="ctr"/>
-          <a:lstStyle/>
-          <a:p>
-            <a:pPr algn="ctr"/>
-            <a:endParaRPr lang="en-US" dirty="0"/>
-          </a:p>
-        </p:txBody>
-      </p:sp>
-      <p:sp>
-        <p:nvSpPr>
-          <p:cNvPr id="13" name="TextBox 12">
-            <a:extLst>
-              <a:ext uri="{FF2B5EF4-FFF2-40B4-BE49-F238E27FC236}">
-                <a16:creationId xmlns:a16="http://schemas.microsoft.com/office/drawing/2014/main" id="{B9939365-CD45-4EBE-85BA-BD5CE6189539}"/>
-              </a:ext>
-            </a:extLst>
-          </p:cNvPr>
-          <p:cNvSpPr txBox="1"/>
-          <p:nvPr/>
-        </p:nvSpPr>
-        <p:spPr>
-          <a:xfrm>
-            <a:off x="7304485" y="5078927"/>
-            <a:ext cx="2481604" cy="307777"/>
-          </a:xfrm>
-          <a:prstGeom prst="rect">
-            <a:avLst/>
-          </a:prstGeom>
-          <a:noFill/>
-        </p:spPr>
-        <p:txBody>
-          <a:bodyPr wrap="square" rtlCol="0">
-            <a:spAutoFit/>
-          </a:bodyPr>
-          <a:lstStyle/>
-          <a:p>
-            <a:pPr algn="ctr"/>
-            <a:r>
-              <a:rPr lang="en-US" sz="1400" dirty="0" err="1">
-                <a:solidFill>
-                  <a:schemeClr val="tx2"/>
-                </a:solidFill>
-                <a:latin typeface="Poppins Medium" panose="00000600000000000000" pitchFamily="2" charset="0"/>
-                <a:ea typeface="PT Sans" panose="020B0503020203020204" pitchFamily="34" charset="0"/>
-                <a:cs typeface="Poppins Medium" panose="00000600000000000000" pitchFamily="2" charset="0"/>
-              </a:rPr>
-              <a:t>Manejar</a:t>
-            </a:r>
-            <a:r>
-              <a:rPr lang="en-US" sz="1400" dirty="0">
-                <a:solidFill>
-                  <a:schemeClr val="tx2"/>
-                </a:solidFill>
-                <a:latin typeface="Poppins Medium" panose="00000600000000000000" pitchFamily="2" charset="0"/>
-                <a:ea typeface="PT Sans" panose="020B0503020203020204" pitchFamily="34" charset="0"/>
-                <a:cs typeface="Poppins Medium" panose="00000600000000000000" pitchFamily="2" charset="0"/>
-              </a:rPr>
-              <a:t> Of Freepiker</a:t>
-            </a:r>
-          </a:p>
-        </p:txBody>
-      </p:sp>
-      <p:pic>
-        <p:nvPicPr>
-          <p:cNvPr id="9" name="Picture Placeholder 8">
-            <a:extLst>
-              <a:ext uri="{FF2B5EF4-FFF2-40B4-BE49-F238E27FC236}">
-                <a16:creationId xmlns:a16="http://schemas.microsoft.com/office/drawing/2014/main" id="{25B19534-497B-4599-A965-FE601ED10966}"/>
-              </a:ext>
-            </a:extLst>
-          </p:cNvPr>
-          <p:cNvPicPr>
-            <a:picLocks noGrp="1" noChangeAspect="1"/>
-          </p:cNvPicPr>
-          <p:nvPr>
-            <p:ph type="pic" sz="quarter" idx="10"/>
-          </p:nvPr>
-        </p:nvPicPr>
-        <p:blipFill rotWithShape="1">
-          <a:blip r:embed="rId2">
-            <a:extLst>
-              <a:ext uri="{28A0092B-C50C-407E-A947-70E740481C1C}">
-                <a14:useLocalDpi xmlns:a14="http://schemas.microsoft.com/office/drawing/2010/main" val="0"/>
-              </a:ext>
-            </a:extLst>
-          </a:blip>
-          <a:srcRect l="31570" r="3575"/>
-          <a:stretch/>
-        </p:blipFill>
-        <p:spPr>
-          <a:xfrm>
-            <a:off x="6897917" y="1320801"/>
-            <a:ext cx="3294743" cy="3388016"/>
-          </a:xfrm>
-        </p:spPr>
-      </p:pic>
-    </p:spTree>
-    <p:extLst>
-      <p:ext uri="{BB962C8B-B14F-4D97-AF65-F5344CB8AC3E}">
-        <p14:creationId xmlns:p14="http://schemas.microsoft.com/office/powerpoint/2010/main" val="3071603423"/>
-      </p:ext>
-    </p:extLst>
-  </p:cSld>
-  <p:clrMapOvr>
-    <a:masterClrMapping/>
-  </p:clrMapOvr>
-</p:sld>
-</file>
-
-<file path=ppt/slides/slide18.xml><?xml version="1.0" encoding="utf-8"?>
-<p:sld xmlns:a="http://schemas.openxmlformats.org/drawingml/2006/main" xmlns:r="http://schemas.openxmlformats.org/officeDocument/2006/relationships" xmlns:p="http://schemas.openxmlformats.org/presentationml/2006/main">
-  <p:cSld>
-    <p:bg>
-      <p:bgPr>
-        <a:solidFill>
-          <a:schemeClr val="bg1"/>
-        </a:solidFill>
-        <a:effectLst/>
-      </p:bgPr>
-    </p:bg>
-    <p:spTree>
-      <p:nvGrpSpPr>
-        <p:cNvPr id="1" name=""/>
-        <p:cNvGrpSpPr/>
-        <p:nvPr/>
-      </p:nvGrpSpPr>
-      <p:grpSpPr>
-        <a:xfrm>
-          <a:off x="0" y="0"/>
-          <a:ext cx="0" cy="0"/>
-          <a:chOff x="0" y="0"/>
-          <a:chExt cx="0" cy="0"/>
-        </a:xfrm>
-      </p:grpSpPr>
-      <p:sp>
-        <p:nvSpPr>
-          <p:cNvPr id="16" name="TextBox 15">
-            <a:extLst>
-              <a:ext uri="{FF2B5EF4-FFF2-40B4-BE49-F238E27FC236}">
-                <a16:creationId xmlns:a16="http://schemas.microsoft.com/office/drawing/2014/main" id="{2232948C-66D2-42FC-B019-0ED45E9F11A6}"/>
-              </a:ext>
-            </a:extLst>
-          </p:cNvPr>
-          <p:cNvSpPr txBox="1"/>
-          <p:nvPr/>
-        </p:nvSpPr>
-        <p:spPr>
-          <a:xfrm>
-            <a:off x="698500" y="489419"/>
-            <a:ext cx="6278770" cy="646331"/>
-          </a:xfrm>
-          <a:prstGeom prst="rect">
-            <a:avLst/>
-          </a:prstGeom>
-          <a:noFill/>
-        </p:spPr>
-        <p:txBody>
-          <a:bodyPr wrap="square" rtlCol="0">
-            <a:spAutoFit/>
-          </a:bodyPr>
-          <a:lstStyle>
-            <a:defPPr>
-              <a:defRPr lang="en-US"/>
-            </a:defPPr>
-            <a:lvl1pPr>
-              <a:defRPr sz="3600" b="1">
-                <a:solidFill>
-                  <a:schemeClr val="tx1">
-                    <a:lumMod val="65000"/>
-                    <a:lumOff val="35000"/>
-                  </a:schemeClr>
-                </a:solidFill>
-                <a:effectLst>
-                  <a:outerShdw blurRad="38100" dist="38100" dir="2700000" algn="tl">
-                    <a:srgbClr val="000000">
-                      <a:alpha val="43137"/>
-                    </a:srgbClr>
-                  </a:outerShdw>
-                </a:effectLst>
-                <a:latin typeface="Times New Roman" panose="02020603050405020304" pitchFamily="18" charset="0"/>
-                <a:cs typeface="Times New Roman" panose="02020603050405020304" pitchFamily="18" charset="0"/>
-              </a:defRPr>
-            </a:lvl1pPr>
-          </a:lstStyle>
-          <a:p>
-            <a:r>
-              <a:rPr lang="en-US" dirty="0"/>
-              <a:t>Monte Carlo Simulations</a:t>
-            </a:r>
-          </a:p>
-        </p:txBody>
-      </p:sp>
-      <p:graphicFrame>
-        <p:nvGraphicFramePr>
-          <p:cNvPr id="5" name="Diagram 4">
-            <a:extLst>
-              <a:ext uri="{FF2B5EF4-FFF2-40B4-BE49-F238E27FC236}">
-                <a16:creationId xmlns:a16="http://schemas.microsoft.com/office/drawing/2014/main" id="{BDFC4D11-7641-4FD2-8049-973E43198F20}"/>
-              </a:ext>
-            </a:extLst>
-          </p:cNvPr>
-          <p:cNvGraphicFramePr/>
-          <p:nvPr>
-            <p:extLst>
-              <p:ext uri="{D42A27DB-BD31-4B8C-83A1-F6EECF244321}">
-                <p14:modId xmlns:p14="http://schemas.microsoft.com/office/powerpoint/2010/main" val="2168628669"/>
-              </p:ext>
-            </p:extLst>
-          </p:nvPr>
-        </p:nvGraphicFramePr>
-        <p:xfrm>
-          <a:off x="5235499" y="1930399"/>
-          <a:ext cx="6185064" cy="4123376"/>
-        </p:xfrm>
-        <a:graphic>
-          <a:graphicData uri="http://schemas.openxmlformats.org/drawingml/2006/diagram">
-            <dgm:relIds xmlns:dgm="http://schemas.openxmlformats.org/drawingml/2006/diagram" xmlns:r="http://schemas.openxmlformats.org/officeDocument/2006/relationships" r:dm="rId2" r:lo="rId3" r:qs="rId4" r:cs="rId5"/>
-          </a:graphicData>
-        </a:graphic>
-      </p:graphicFrame>
-      <p:grpSp>
-        <p:nvGrpSpPr>
-          <p:cNvPr id="40" name="Group 39">
-            <a:extLst>
-              <a:ext uri="{FF2B5EF4-FFF2-40B4-BE49-F238E27FC236}">
-                <a16:creationId xmlns:a16="http://schemas.microsoft.com/office/drawing/2014/main" id="{50491072-76B3-4FC1-A002-B4E46736BCA6}"/>
-              </a:ext>
-            </a:extLst>
-          </p:cNvPr>
-          <p:cNvGrpSpPr/>
-          <p:nvPr/>
-        </p:nvGrpSpPr>
-        <p:grpSpPr>
-          <a:xfrm>
-            <a:off x="698500" y="1536278"/>
-            <a:ext cx="3883627" cy="578714"/>
-            <a:chOff x="1490832" y="2281271"/>
-            <a:chExt cx="3883627" cy="578714"/>
-          </a:xfrm>
-        </p:grpSpPr>
-        <p:sp>
-          <p:nvSpPr>
-            <p:cNvPr id="10" name="Oval 9">
-              <a:extLst>
-                <a:ext uri="{FF2B5EF4-FFF2-40B4-BE49-F238E27FC236}">
-                  <a16:creationId xmlns:a16="http://schemas.microsoft.com/office/drawing/2014/main" id="{61A24CA4-0473-4157-BBEF-582EE69F03A9}"/>
-                </a:ext>
-              </a:extLst>
-            </p:cNvPr>
-            <p:cNvSpPr/>
-            <p:nvPr/>
-          </p:nvSpPr>
-          <p:spPr>
-            <a:xfrm>
-              <a:off x="1542176" y="2281271"/>
-              <a:ext cx="522514" cy="522514"/>
-            </a:xfrm>
-            <a:prstGeom prst="ellipse">
-              <a:avLst/>
-            </a:prstGeom>
-            <a:solidFill>
-              <a:schemeClr val="accent1"/>
-            </a:solidFill>
-            <a:ln>
-              <a:noFill/>
-            </a:ln>
-          </p:spPr>
-          <p:style>
-            <a:lnRef idx="2">
-              <a:schemeClr val="accent1">
-                <a:shade val="50000"/>
-              </a:schemeClr>
-            </a:lnRef>
-            <a:fillRef idx="1">
-              <a:schemeClr val="accent1"/>
-            </a:fillRef>
-            <a:effectRef idx="0">
-              <a:schemeClr val="accent1"/>
-            </a:effectRef>
-            <a:fontRef idx="minor">
-              <a:schemeClr val="lt1"/>
-            </a:fontRef>
-          </p:style>
-          <p:txBody>
-            <a:bodyPr rtlCol="0" anchor="ctr"/>
-            <a:lstStyle/>
-            <a:p>
-              <a:pPr algn="ctr"/>
-              <a:endParaRPr lang="en-US"/>
-            </a:p>
-          </p:txBody>
-        </p:sp>
-        <p:sp>
-          <p:nvSpPr>
-            <p:cNvPr id="11" name="TextBox 10">
-              <a:extLst>
-                <a:ext uri="{FF2B5EF4-FFF2-40B4-BE49-F238E27FC236}">
-                  <a16:creationId xmlns:a16="http://schemas.microsoft.com/office/drawing/2014/main" id="{28005283-1648-4398-A565-1191042320C0}"/>
-                </a:ext>
-              </a:extLst>
-            </p:cNvPr>
-            <p:cNvSpPr txBox="1"/>
-            <p:nvPr/>
-          </p:nvSpPr>
-          <p:spPr>
-            <a:xfrm>
-              <a:off x="2197081" y="2532203"/>
-              <a:ext cx="3177378" cy="327782"/>
-            </a:xfrm>
-            <a:prstGeom prst="rect">
-              <a:avLst/>
-            </a:prstGeom>
-            <a:noFill/>
-          </p:spPr>
-          <p:txBody>
-            <a:bodyPr wrap="square" numCol="1" spcCol="457200" rtlCol="0">
-              <a:spAutoFit/>
-            </a:bodyPr>
-            <a:lstStyle/>
-            <a:p>
-              <a:pPr>
-                <a:lnSpc>
-                  <a:spcPts val="2000"/>
-                </a:lnSpc>
-              </a:pPr>
-              <a:r>
-                <a:rPr lang="en-US" sz="1200" dirty="0">
-                  <a:solidFill>
-                    <a:schemeClr val="tx1">
-                      <a:lumMod val="65000"/>
-                      <a:lumOff val="35000"/>
-                    </a:schemeClr>
-                  </a:solidFill>
-                  <a:latin typeface="Poppins Light" panose="00000400000000000000" pitchFamily="2" charset="0"/>
-                  <a:ea typeface="PT Sans" panose="020B0503020203020204" pitchFamily="34" charset="0"/>
-                  <a:cs typeface="Poppins Light" panose="00000400000000000000" pitchFamily="2" charset="0"/>
-                </a:rPr>
-                <a:t>Were hath waters divided fill may days</a:t>
-              </a:r>
-            </a:p>
-          </p:txBody>
-        </p:sp>
-        <p:sp>
-          <p:nvSpPr>
-            <p:cNvPr id="12" name="TextBox 11">
-              <a:extLst>
-                <a:ext uri="{FF2B5EF4-FFF2-40B4-BE49-F238E27FC236}">
-                  <a16:creationId xmlns:a16="http://schemas.microsoft.com/office/drawing/2014/main" id="{C6136563-7E45-492F-BDAD-C0AF126BF13A}"/>
-                </a:ext>
-              </a:extLst>
-            </p:cNvPr>
-            <p:cNvSpPr txBox="1"/>
-            <p:nvPr/>
-          </p:nvSpPr>
-          <p:spPr>
-            <a:xfrm>
-              <a:off x="2197079" y="2281865"/>
-              <a:ext cx="2211553" cy="338554"/>
-            </a:xfrm>
-            <a:prstGeom prst="rect">
-              <a:avLst/>
-            </a:prstGeom>
-            <a:noFill/>
-          </p:spPr>
-          <p:txBody>
-            <a:bodyPr wrap="square" rtlCol="0">
-              <a:spAutoFit/>
-            </a:bodyPr>
-            <a:lstStyle/>
-            <a:p>
-              <a:r>
-                <a:rPr lang="en-US" sz="1600" b="1" dirty="0">
-                  <a:solidFill>
-                    <a:schemeClr val="accent1"/>
-                  </a:solidFill>
-                  <a:latin typeface="Poppins Medium" panose="00000600000000000000" pitchFamily="2" charset="0"/>
-                  <a:ea typeface="PT Sans" panose="020B0503020203020204" pitchFamily="34" charset="0"/>
-                  <a:cs typeface="Poppins Medium" panose="00000600000000000000" pitchFamily="2" charset="0"/>
-                </a:rPr>
-                <a:t>What’s Our Title</a:t>
-              </a:r>
-            </a:p>
-          </p:txBody>
-        </p:sp>
-        <p:sp>
-          <p:nvSpPr>
-            <p:cNvPr id="13" name="TextBox 12">
-              <a:extLst>
-                <a:ext uri="{FF2B5EF4-FFF2-40B4-BE49-F238E27FC236}">
-                  <a16:creationId xmlns:a16="http://schemas.microsoft.com/office/drawing/2014/main" id="{E43D30ED-08E3-4D20-A735-67682ECEA066}"/>
-                </a:ext>
-              </a:extLst>
-            </p:cNvPr>
-            <p:cNvSpPr txBox="1"/>
-            <p:nvPr/>
-          </p:nvSpPr>
-          <p:spPr>
-            <a:xfrm>
-              <a:off x="1490832" y="2357792"/>
-              <a:ext cx="625203" cy="400110"/>
-            </a:xfrm>
-            <a:prstGeom prst="rect">
-              <a:avLst/>
-            </a:prstGeom>
-            <a:noFill/>
-          </p:spPr>
-          <p:txBody>
-            <a:bodyPr wrap="square" rtlCol="0">
-              <a:spAutoFit/>
-            </a:bodyPr>
-            <a:lstStyle/>
-            <a:p>
-              <a:pPr algn="ctr"/>
-              <a:r>
-                <a:rPr lang="en-US" sz="2000" b="1" dirty="0">
-                  <a:solidFill>
-                    <a:schemeClr val="bg1"/>
-                  </a:solidFill>
-                  <a:latin typeface="Poppins Medium" panose="00000600000000000000" pitchFamily="2" charset="0"/>
-                  <a:ea typeface="PT Sans" panose="020B0503020203020204" pitchFamily="34" charset="0"/>
-                  <a:cs typeface="Poppins Medium" panose="00000600000000000000" pitchFamily="2" charset="0"/>
-                </a:rPr>
-                <a:t>01</a:t>
-              </a:r>
-            </a:p>
-          </p:txBody>
-        </p:sp>
-      </p:grpSp>
-      <p:grpSp>
-        <p:nvGrpSpPr>
-          <p:cNvPr id="41" name="Group 40">
-            <a:extLst>
-              <a:ext uri="{FF2B5EF4-FFF2-40B4-BE49-F238E27FC236}">
-                <a16:creationId xmlns:a16="http://schemas.microsoft.com/office/drawing/2014/main" id="{8231B9FB-A6B4-4CE5-AED3-9339B05F6125}"/>
-              </a:ext>
-            </a:extLst>
-          </p:cNvPr>
-          <p:cNvGrpSpPr/>
-          <p:nvPr/>
-        </p:nvGrpSpPr>
-        <p:grpSpPr>
-          <a:xfrm>
-            <a:off x="1134635" y="3298171"/>
-            <a:ext cx="3832282" cy="578714"/>
-            <a:chOff x="1490832" y="3260081"/>
-            <a:chExt cx="3832282" cy="578714"/>
-          </a:xfrm>
-        </p:grpSpPr>
-        <p:sp>
-          <p:nvSpPr>
-            <p:cNvPr id="15" name="Oval 14">
-              <a:extLst>
-                <a:ext uri="{FF2B5EF4-FFF2-40B4-BE49-F238E27FC236}">
-                  <a16:creationId xmlns:a16="http://schemas.microsoft.com/office/drawing/2014/main" id="{1201FDCF-4DE9-461F-9639-3D049ECB1DB7}"/>
-                </a:ext>
-              </a:extLst>
-            </p:cNvPr>
-            <p:cNvSpPr/>
-            <p:nvPr/>
-          </p:nvSpPr>
-          <p:spPr>
-            <a:xfrm>
-              <a:off x="1542176" y="3260081"/>
-              <a:ext cx="522514" cy="522514"/>
-            </a:xfrm>
-            <a:prstGeom prst="ellipse">
-              <a:avLst/>
-            </a:prstGeom>
-            <a:solidFill>
-              <a:schemeClr val="accent2"/>
-            </a:solidFill>
-            <a:ln>
-              <a:noFill/>
-            </a:ln>
-          </p:spPr>
-          <p:style>
-            <a:lnRef idx="2">
-              <a:schemeClr val="accent1">
-                <a:shade val="50000"/>
-              </a:schemeClr>
-            </a:lnRef>
-            <a:fillRef idx="1">
-              <a:schemeClr val="accent1"/>
-            </a:fillRef>
-            <a:effectRef idx="0">
-              <a:schemeClr val="accent1"/>
-            </a:effectRef>
-            <a:fontRef idx="minor">
-              <a:schemeClr val="lt1"/>
-            </a:fontRef>
-          </p:style>
-          <p:txBody>
-            <a:bodyPr rtlCol="0" anchor="ctr"/>
-            <a:lstStyle/>
-            <a:p>
-              <a:pPr algn="ctr"/>
-              <a:endParaRPr lang="en-US"/>
-            </a:p>
-          </p:txBody>
-        </p:sp>
-        <p:sp>
-          <p:nvSpPr>
-            <p:cNvPr id="17" name="TextBox 16">
-              <a:extLst>
-                <a:ext uri="{FF2B5EF4-FFF2-40B4-BE49-F238E27FC236}">
-                  <a16:creationId xmlns:a16="http://schemas.microsoft.com/office/drawing/2014/main" id="{793170C4-DE99-4924-9024-AF3855793185}"/>
-                </a:ext>
-              </a:extLst>
-            </p:cNvPr>
-            <p:cNvSpPr txBox="1"/>
-            <p:nvPr/>
-          </p:nvSpPr>
-          <p:spPr>
-            <a:xfrm>
-              <a:off x="2197081" y="3511013"/>
-              <a:ext cx="3126033" cy="327782"/>
-            </a:xfrm>
-            <a:prstGeom prst="rect">
-              <a:avLst/>
-            </a:prstGeom>
-            <a:noFill/>
-          </p:spPr>
-          <p:txBody>
-            <a:bodyPr wrap="square" numCol="1" spcCol="457200" rtlCol="0">
-              <a:spAutoFit/>
-            </a:bodyPr>
-            <a:lstStyle/>
-            <a:p>
-              <a:pPr>
-                <a:lnSpc>
-                  <a:spcPts val="2000"/>
-                </a:lnSpc>
-              </a:pPr>
-              <a:r>
-                <a:rPr lang="en-US" sz="1200" dirty="0">
-                  <a:solidFill>
-                    <a:schemeClr val="tx1">
-                      <a:lumMod val="65000"/>
-                      <a:lumOff val="35000"/>
-                    </a:schemeClr>
-                  </a:solidFill>
-                  <a:latin typeface="Poppins Light" panose="00000400000000000000" pitchFamily="2" charset="0"/>
-                  <a:ea typeface="PT Sans" panose="020B0503020203020204" pitchFamily="34" charset="0"/>
-                  <a:cs typeface="Poppins Light" panose="00000400000000000000" pitchFamily="2" charset="0"/>
-                </a:rPr>
-                <a:t>Were hath waters divided fill may days</a:t>
-              </a:r>
-            </a:p>
-          </p:txBody>
-        </p:sp>
-        <p:sp>
-          <p:nvSpPr>
-            <p:cNvPr id="19" name="TextBox 18">
-              <a:extLst>
-                <a:ext uri="{FF2B5EF4-FFF2-40B4-BE49-F238E27FC236}">
-                  <a16:creationId xmlns:a16="http://schemas.microsoft.com/office/drawing/2014/main" id="{D3316B0E-9896-4294-ABFD-63549D26BA85}"/>
-                </a:ext>
-              </a:extLst>
-            </p:cNvPr>
-            <p:cNvSpPr txBox="1"/>
-            <p:nvPr/>
-          </p:nvSpPr>
-          <p:spPr>
-            <a:xfrm>
-              <a:off x="2197079" y="3260675"/>
-              <a:ext cx="2211553" cy="338554"/>
-            </a:xfrm>
-            <a:prstGeom prst="rect">
-              <a:avLst/>
-            </a:prstGeom>
-            <a:noFill/>
-          </p:spPr>
-          <p:txBody>
-            <a:bodyPr wrap="square" rtlCol="0">
-              <a:spAutoFit/>
-            </a:bodyPr>
-            <a:lstStyle/>
-            <a:p>
-              <a:r>
-                <a:rPr lang="en-US" sz="1600" b="1" dirty="0">
-                  <a:solidFill>
-                    <a:schemeClr val="accent2"/>
-                  </a:solidFill>
-                  <a:latin typeface="Poppins Medium" panose="00000600000000000000" pitchFamily="2" charset="0"/>
-                  <a:ea typeface="PT Sans" panose="020B0503020203020204" pitchFamily="34" charset="0"/>
-                  <a:cs typeface="Poppins Medium" panose="00000600000000000000" pitchFamily="2" charset="0"/>
-                </a:rPr>
-                <a:t>What’s Our Title</a:t>
-              </a:r>
-            </a:p>
-          </p:txBody>
-        </p:sp>
-        <p:sp>
-          <p:nvSpPr>
-            <p:cNvPr id="20" name="TextBox 19">
-              <a:extLst>
-                <a:ext uri="{FF2B5EF4-FFF2-40B4-BE49-F238E27FC236}">
-                  <a16:creationId xmlns:a16="http://schemas.microsoft.com/office/drawing/2014/main" id="{07F305F0-B0F0-4021-8E9C-EF9138A05FAF}"/>
-                </a:ext>
-              </a:extLst>
-            </p:cNvPr>
-            <p:cNvSpPr txBox="1"/>
-            <p:nvPr/>
-          </p:nvSpPr>
-          <p:spPr>
-            <a:xfrm>
-              <a:off x="1490832" y="3336602"/>
-              <a:ext cx="625203" cy="400110"/>
-            </a:xfrm>
-            <a:prstGeom prst="rect">
-              <a:avLst/>
-            </a:prstGeom>
-            <a:noFill/>
-          </p:spPr>
-          <p:txBody>
-            <a:bodyPr wrap="square" rtlCol="0">
-              <a:spAutoFit/>
-            </a:bodyPr>
-            <a:lstStyle/>
-            <a:p>
-              <a:pPr algn="ctr"/>
-              <a:r>
-                <a:rPr lang="en-US" sz="2000" b="1" dirty="0">
-                  <a:solidFill>
-                    <a:schemeClr val="bg1"/>
-                  </a:solidFill>
-                  <a:latin typeface="Poppins Medium" panose="00000600000000000000" pitchFamily="2" charset="0"/>
-                  <a:ea typeface="PT Sans" panose="020B0503020203020204" pitchFamily="34" charset="0"/>
-                  <a:cs typeface="Poppins Medium" panose="00000600000000000000" pitchFamily="2" charset="0"/>
-                </a:rPr>
-                <a:t>02</a:t>
-              </a:r>
-            </a:p>
-          </p:txBody>
-        </p:sp>
-      </p:grpSp>
-      <p:grpSp>
-        <p:nvGrpSpPr>
-          <p:cNvPr id="43" name="Group 42">
-            <a:extLst>
-              <a:ext uri="{FF2B5EF4-FFF2-40B4-BE49-F238E27FC236}">
-                <a16:creationId xmlns:a16="http://schemas.microsoft.com/office/drawing/2014/main" id="{BA22DAFF-6F81-4A64-9EAC-7ED36EBD780E}"/>
-              </a:ext>
-            </a:extLst>
-          </p:cNvPr>
-          <p:cNvGrpSpPr/>
-          <p:nvPr/>
-        </p:nvGrpSpPr>
-        <p:grpSpPr>
-          <a:xfrm>
-            <a:off x="1134635" y="5344432"/>
-            <a:ext cx="3883627" cy="578714"/>
-            <a:chOff x="1490832" y="5217700"/>
-            <a:chExt cx="3883627" cy="578714"/>
-          </a:xfrm>
-        </p:grpSpPr>
-        <p:sp>
-          <p:nvSpPr>
-            <p:cNvPr id="22" name="Oval 21">
-              <a:extLst>
-                <a:ext uri="{FF2B5EF4-FFF2-40B4-BE49-F238E27FC236}">
-                  <a16:creationId xmlns:a16="http://schemas.microsoft.com/office/drawing/2014/main" id="{F2D7980C-AA26-4727-9D89-145039F13541}"/>
-                </a:ext>
-              </a:extLst>
-            </p:cNvPr>
-            <p:cNvSpPr/>
-            <p:nvPr/>
-          </p:nvSpPr>
-          <p:spPr>
-            <a:xfrm>
-              <a:off x="1542176" y="5217700"/>
-              <a:ext cx="522514" cy="522514"/>
-            </a:xfrm>
-            <a:prstGeom prst="ellipse">
-              <a:avLst/>
-            </a:prstGeom>
-            <a:solidFill>
-              <a:schemeClr val="accent4"/>
-            </a:solidFill>
-            <a:ln>
-              <a:noFill/>
-            </a:ln>
-          </p:spPr>
-          <p:style>
-            <a:lnRef idx="2">
-              <a:schemeClr val="accent1">
-                <a:shade val="50000"/>
-              </a:schemeClr>
-            </a:lnRef>
-            <a:fillRef idx="1">
-              <a:schemeClr val="accent1"/>
-            </a:fillRef>
-            <a:effectRef idx="0">
-              <a:schemeClr val="accent1"/>
-            </a:effectRef>
-            <a:fontRef idx="minor">
-              <a:schemeClr val="lt1"/>
-            </a:fontRef>
-          </p:style>
-          <p:txBody>
-            <a:bodyPr rtlCol="0" anchor="ctr"/>
-            <a:lstStyle/>
-            <a:p>
-              <a:pPr algn="ctr"/>
-              <a:endParaRPr lang="en-US"/>
-            </a:p>
-          </p:txBody>
-        </p:sp>
-        <p:sp>
-          <p:nvSpPr>
-            <p:cNvPr id="23" name="TextBox 22">
-              <a:extLst>
-                <a:ext uri="{FF2B5EF4-FFF2-40B4-BE49-F238E27FC236}">
-                  <a16:creationId xmlns:a16="http://schemas.microsoft.com/office/drawing/2014/main" id="{37796BC9-DA9C-4892-BF38-44B4940EFDD4}"/>
-                </a:ext>
-              </a:extLst>
-            </p:cNvPr>
-            <p:cNvSpPr txBox="1"/>
-            <p:nvPr/>
-          </p:nvSpPr>
-          <p:spPr>
-            <a:xfrm>
-              <a:off x="2197081" y="5468632"/>
-              <a:ext cx="3177378" cy="327782"/>
-            </a:xfrm>
-            <a:prstGeom prst="rect">
-              <a:avLst/>
-            </a:prstGeom>
-            <a:noFill/>
-          </p:spPr>
-          <p:txBody>
-            <a:bodyPr wrap="square" numCol="1" spcCol="457200" rtlCol="0">
-              <a:spAutoFit/>
-            </a:bodyPr>
-            <a:lstStyle/>
-            <a:p>
-              <a:pPr>
-                <a:lnSpc>
-                  <a:spcPts val="2000"/>
-                </a:lnSpc>
-              </a:pPr>
-              <a:r>
-                <a:rPr lang="en-US" sz="1200" dirty="0">
-                  <a:solidFill>
-                    <a:schemeClr val="tx1">
-                      <a:lumMod val="65000"/>
-                      <a:lumOff val="35000"/>
-                    </a:schemeClr>
-                  </a:solidFill>
-                  <a:latin typeface="Poppins Light" panose="00000400000000000000" pitchFamily="2" charset="0"/>
-                  <a:ea typeface="PT Sans" panose="020B0503020203020204" pitchFamily="34" charset="0"/>
-                  <a:cs typeface="Poppins Light" panose="00000400000000000000" pitchFamily="2" charset="0"/>
-                </a:rPr>
-                <a:t>Were hath waters divided fill may days</a:t>
-              </a:r>
-            </a:p>
-          </p:txBody>
-        </p:sp>
-        <p:sp>
-          <p:nvSpPr>
-            <p:cNvPr id="24" name="TextBox 23">
-              <a:extLst>
-                <a:ext uri="{FF2B5EF4-FFF2-40B4-BE49-F238E27FC236}">
-                  <a16:creationId xmlns:a16="http://schemas.microsoft.com/office/drawing/2014/main" id="{AFFCA7CD-4256-404A-9F79-7DCB53D9E4BA}"/>
-                </a:ext>
-              </a:extLst>
-            </p:cNvPr>
-            <p:cNvSpPr txBox="1"/>
-            <p:nvPr/>
-          </p:nvSpPr>
-          <p:spPr>
-            <a:xfrm>
-              <a:off x="2197079" y="5218294"/>
-              <a:ext cx="2211553" cy="338554"/>
-            </a:xfrm>
-            <a:prstGeom prst="rect">
-              <a:avLst/>
-            </a:prstGeom>
-            <a:noFill/>
-          </p:spPr>
-          <p:txBody>
-            <a:bodyPr wrap="square" rtlCol="0">
-              <a:spAutoFit/>
-            </a:bodyPr>
-            <a:lstStyle/>
-            <a:p>
-              <a:r>
-                <a:rPr lang="en-US" sz="1600" b="1" dirty="0">
-                  <a:solidFill>
-                    <a:schemeClr val="accent4"/>
-                  </a:solidFill>
-                  <a:latin typeface="Poppins Medium" panose="00000600000000000000" pitchFamily="2" charset="0"/>
-                  <a:ea typeface="PT Sans" panose="020B0503020203020204" pitchFamily="34" charset="0"/>
-                  <a:cs typeface="Poppins Medium" panose="00000600000000000000" pitchFamily="2" charset="0"/>
-                </a:rPr>
-                <a:t>What’s Our Title</a:t>
-              </a:r>
-            </a:p>
-          </p:txBody>
-        </p:sp>
-        <p:sp>
-          <p:nvSpPr>
-            <p:cNvPr id="25" name="TextBox 24">
-              <a:extLst>
-                <a:ext uri="{FF2B5EF4-FFF2-40B4-BE49-F238E27FC236}">
-                  <a16:creationId xmlns:a16="http://schemas.microsoft.com/office/drawing/2014/main" id="{4EE99FDB-AF9C-4ABB-8618-14DE5C352400}"/>
-                </a:ext>
-              </a:extLst>
-            </p:cNvPr>
-            <p:cNvSpPr txBox="1"/>
-            <p:nvPr/>
-          </p:nvSpPr>
-          <p:spPr>
-            <a:xfrm>
-              <a:off x="1490832" y="5294221"/>
-              <a:ext cx="625203" cy="400110"/>
-            </a:xfrm>
-            <a:prstGeom prst="rect">
-              <a:avLst/>
-            </a:prstGeom>
-            <a:noFill/>
-          </p:spPr>
-          <p:txBody>
-            <a:bodyPr wrap="square" rtlCol="0">
-              <a:spAutoFit/>
-            </a:bodyPr>
-            <a:lstStyle/>
-            <a:p>
-              <a:pPr algn="ctr"/>
-              <a:r>
-                <a:rPr lang="en-US" sz="2000" b="1" dirty="0">
-                  <a:solidFill>
-                    <a:schemeClr val="bg1"/>
-                  </a:solidFill>
-                  <a:latin typeface="Poppins Medium" panose="00000600000000000000" pitchFamily="2" charset="0"/>
-                  <a:ea typeface="PT Sans" panose="020B0503020203020204" pitchFamily="34" charset="0"/>
-                  <a:cs typeface="Poppins Medium" panose="00000600000000000000" pitchFamily="2" charset="0"/>
-                </a:rPr>
-                <a:t>05</a:t>
-              </a:r>
-            </a:p>
-          </p:txBody>
-        </p:sp>
-      </p:grpSp>
-      <p:grpSp>
-        <p:nvGrpSpPr>
-          <p:cNvPr id="49" name="Group 48">
-            <a:extLst>
-              <a:ext uri="{FF2B5EF4-FFF2-40B4-BE49-F238E27FC236}">
-                <a16:creationId xmlns:a16="http://schemas.microsoft.com/office/drawing/2014/main" id="{C58451B5-45F9-4784-A95B-B4428EF9565F}"/>
-              </a:ext>
-            </a:extLst>
-          </p:cNvPr>
-          <p:cNvGrpSpPr/>
-          <p:nvPr/>
-        </p:nvGrpSpPr>
-        <p:grpSpPr>
-          <a:xfrm>
-            <a:off x="1134635" y="4321301"/>
-            <a:ext cx="3578775" cy="578714"/>
-            <a:chOff x="1134635" y="4238891"/>
-            <a:chExt cx="3578775" cy="578714"/>
-          </a:xfrm>
-        </p:grpSpPr>
-        <p:sp>
-          <p:nvSpPr>
-            <p:cNvPr id="27" name="Oval 26">
-              <a:extLst>
-                <a:ext uri="{FF2B5EF4-FFF2-40B4-BE49-F238E27FC236}">
-                  <a16:creationId xmlns:a16="http://schemas.microsoft.com/office/drawing/2014/main" id="{41B06A4E-8BA9-4EE5-BF26-592C42EA7E2F}"/>
-                </a:ext>
-              </a:extLst>
-            </p:cNvPr>
-            <p:cNvSpPr/>
-            <p:nvPr/>
-          </p:nvSpPr>
-          <p:spPr>
-            <a:xfrm>
-              <a:off x="1185979" y="4238891"/>
-              <a:ext cx="522514" cy="522514"/>
-            </a:xfrm>
-            <a:prstGeom prst="ellipse">
-              <a:avLst/>
-            </a:prstGeom>
-            <a:solidFill>
-              <a:schemeClr val="accent3"/>
-            </a:solidFill>
-            <a:ln>
-              <a:noFill/>
-            </a:ln>
-          </p:spPr>
-          <p:style>
-            <a:lnRef idx="2">
-              <a:schemeClr val="accent1">
-                <a:shade val="50000"/>
-              </a:schemeClr>
-            </a:lnRef>
-            <a:fillRef idx="1">
-              <a:schemeClr val="accent1"/>
-            </a:fillRef>
-            <a:effectRef idx="0">
-              <a:schemeClr val="accent1"/>
-            </a:effectRef>
-            <a:fontRef idx="minor">
-              <a:schemeClr val="lt1"/>
-            </a:fontRef>
-          </p:style>
-          <p:txBody>
-            <a:bodyPr rtlCol="0" anchor="ctr"/>
-            <a:lstStyle/>
-            <a:p>
-              <a:pPr algn="ctr"/>
-              <a:endParaRPr lang="en-US"/>
-            </a:p>
-          </p:txBody>
-        </p:sp>
-        <p:grpSp>
-          <p:nvGrpSpPr>
-            <p:cNvPr id="44" name="Group 43">
-              <a:extLst>
-                <a:ext uri="{FF2B5EF4-FFF2-40B4-BE49-F238E27FC236}">
-                  <a16:creationId xmlns:a16="http://schemas.microsoft.com/office/drawing/2014/main" id="{50F49AF9-34BD-43AA-82C8-416D7C9F0CA5}"/>
-                </a:ext>
-              </a:extLst>
-            </p:cNvPr>
-            <p:cNvGrpSpPr/>
-            <p:nvPr/>
-          </p:nvGrpSpPr>
-          <p:grpSpPr>
-            <a:xfrm>
-              <a:off x="1134635" y="4239485"/>
-              <a:ext cx="3578775" cy="578120"/>
-              <a:chOff x="1490832" y="4239485"/>
-              <a:chExt cx="3578775" cy="578120"/>
-            </a:xfrm>
-          </p:grpSpPr>
-          <p:sp>
-            <p:nvSpPr>
-              <p:cNvPr id="32" name="TextBox 31">
-                <a:extLst>
-                  <a:ext uri="{FF2B5EF4-FFF2-40B4-BE49-F238E27FC236}">
-                    <a16:creationId xmlns:a16="http://schemas.microsoft.com/office/drawing/2014/main" id="{696C8DCE-23DB-4E24-9175-F7273F8FD51E}"/>
-                  </a:ext>
-                </a:extLst>
-              </p:cNvPr>
-              <p:cNvSpPr txBox="1"/>
-              <p:nvPr/>
-            </p:nvSpPr>
-            <p:spPr>
-              <a:xfrm>
-                <a:off x="2197079" y="4239485"/>
-                <a:ext cx="2211553" cy="338554"/>
-              </a:xfrm>
-              <a:prstGeom prst="rect">
-                <a:avLst/>
-              </a:prstGeom>
-              <a:noFill/>
-            </p:spPr>
-            <p:txBody>
-              <a:bodyPr wrap="square" rtlCol="0">
-                <a:spAutoFit/>
-              </a:bodyPr>
-              <a:lstStyle/>
-              <a:p>
-                <a:r>
-                  <a:rPr lang="en-US" sz="1600" b="1" dirty="0">
-                    <a:solidFill>
-                      <a:schemeClr val="accent3"/>
-                    </a:solidFill>
-                    <a:latin typeface="Poppins Medium" panose="00000600000000000000" pitchFamily="2" charset="0"/>
-                    <a:ea typeface="PT Sans" panose="020B0503020203020204" pitchFamily="34" charset="0"/>
-                    <a:cs typeface="Poppins Medium" panose="00000600000000000000" pitchFamily="2" charset="0"/>
-                  </a:rPr>
-                  <a:t>What’s Our Title</a:t>
-                </a:r>
-              </a:p>
-            </p:txBody>
-          </p:sp>
-          <p:grpSp>
-            <p:nvGrpSpPr>
-              <p:cNvPr id="42" name="Group 41">
-                <a:extLst>
-                  <a:ext uri="{FF2B5EF4-FFF2-40B4-BE49-F238E27FC236}">
-                    <a16:creationId xmlns:a16="http://schemas.microsoft.com/office/drawing/2014/main" id="{26CE2A1E-B765-405A-9144-C7EC0B98BC5B}"/>
-                  </a:ext>
-                </a:extLst>
-              </p:cNvPr>
-              <p:cNvGrpSpPr/>
-              <p:nvPr/>
-            </p:nvGrpSpPr>
-            <p:grpSpPr>
-              <a:xfrm>
-                <a:off x="1490832" y="4315412"/>
-                <a:ext cx="3578775" cy="502193"/>
-                <a:chOff x="1490832" y="4315412"/>
-                <a:chExt cx="3578775" cy="502193"/>
-              </a:xfrm>
-            </p:grpSpPr>
-            <p:sp>
-              <p:nvSpPr>
-                <p:cNvPr id="31" name="TextBox 30">
-                  <a:extLst>
-                    <a:ext uri="{FF2B5EF4-FFF2-40B4-BE49-F238E27FC236}">
-                      <a16:creationId xmlns:a16="http://schemas.microsoft.com/office/drawing/2014/main" id="{641DA429-86E6-4400-A2BC-76F9A164BEDD}"/>
-                    </a:ext>
-                  </a:extLst>
-                </p:cNvPr>
-                <p:cNvSpPr txBox="1"/>
-                <p:nvPr/>
-              </p:nvSpPr>
-              <p:spPr>
-                <a:xfrm>
-                  <a:off x="2197080" y="4489823"/>
-                  <a:ext cx="2872527" cy="327782"/>
-                </a:xfrm>
-                <a:prstGeom prst="rect">
-                  <a:avLst/>
-                </a:prstGeom>
-                <a:noFill/>
-              </p:spPr>
-              <p:txBody>
-                <a:bodyPr wrap="square" numCol="1" spcCol="457200" rtlCol="0">
-                  <a:spAutoFit/>
-                </a:bodyPr>
-                <a:lstStyle/>
-                <a:p>
-                  <a:pPr>
-                    <a:lnSpc>
-                      <a:spcPts val="2000"/>
-                    </a:lnSpc>
-                  </a:pPr>
-                  <a:r>
-                    <a:rPr lang="en-US" sz="1200" dirty="0">
-                      <a:solidFill>
-                        <a:schemeClr val="tx1">
-                          <a:lumMod val="65000"/>
-                          <a:lumOff val="35000"/>
-                        </a:schemeClr>
-                      </a:solidFill>
-                      <a:latin typeface="Poppins Light" panose="00000400000000000000" pitchFamily="2" charset="0"/>
-                      <a:ea typeface="PT Sans" panose="020B0503020203020204" pitchFamily="34" charset="0"/>
-                      <a:cs typeface="Poppins Light" panose="00000400000000000000" pitchFamily="2" charset="0"/>
-                    </a:rPr>
-                    <a:t>Were hath waters divided air bring</a:t>
-                  </a:r>
-                </a:p>
-              </p:txBody>
-            </p:sp>
-            <p:sp>
-              <p:nvSpPr>
-                <p:cNvPr id="34" name="TextBox 33">
-                  <a:extLst>
-                    <a:ext uri="{FF2B5EF4-FFF2-40B4-BE49-F238E27FC236}">
-                      <a16:creationId xmlns:a16="http://schemas.microsoft.com/office/drawing/2014/main" id="{E7C2E1B6-2694-4F34-8AF2-D3E78EED18EA}"/>
-                    </a:ext>
-                  </a:extLst>
-                </p:cNvPr>
-                <p:cNvSpPr txBox="1"/>
-                <p:nvPr/>
-              </p:nvSpPr>
-              <p:spPr>
-                <a:xfrm>
-                  <a:off x="1490832" y="4315412"/>
-                  <a:ext cx="625203" cy="400110"/>
-                </a:xfrm>
-                <a:prstGeom prst="rect">
-                  <a:avLst/>
-                </a:prstGeom>
-                <a:noFill/>
-              </p:spPr>
-              <p:txBody>
-                <a:bodyPr wrap="square" rtlCol="0">
-                  <a:spAutoFit/>
-                </a:bodyPr>
-                <a:lstStyle/>
-                <a:p>
-                  <a:pPr algn="ctr"/>
-                  <a:r>
-                    <a:rPr lang="en-US" sz="2000" b="1" dirty="0">
-                      <a:solidFill>
-                        <a:schemeClr val="bg1"/>
-                      </a:solidFill>
-                      <a:latin typeface="Poppins Medium" panose="00000600000000000000" pitchFamily="2" charset="0"/>
-                      <a:ea typeface="PT Sans" panose="020B0503020203020204" pitchFamily="34" charset="0"/>
-                      <a:cs typeface="Poppins Medium" panose="00000600000000000000" pitchFamily="2" charset="0"/>
-                    </a:rPr>
-                    <a:t>03</a:t>
-                  </a:r>
-                </a:p>
-              </p:txBody>
-            </p:sp>
-          </p:grpSp>
-        </p:grpSp>
-      </p:grpSp>
-      <p:cxnSp>
-        <p:nvCxnSpPr>
-          <p:cNvPr id="46" name="Straight Connector 45">
-            <a:extLst>
-              <a:ext uri="{FF2B5EF4-FFF2-40B4-BE49-F238E27FC236}">
-                <a16:creationId xmlns:a16="http://schemas.microsoft.com/office/drawing/2014/main" id="{191EE436-4B80-4D46-8DA6-782FE11561FF}"/>
-              </a:ext>
-            </a:extLst>
-          </p:cNvPr>
-          <p:cNvCxnSpPr/>
-          <p:nvPr/>
-        </p:nvCxnSpPr>
-        <p:spPr>
-          <a:xfrm>
-            <a:off x="1840882" y="3075963"/>
-            <a:ext cx="3126035" cy="0"/>
-          </a:xfrm>
-          <a:prstGeom prst="line">
-            <a:avLst/>
-          </a:prstGeom>
-        </p:spPr>
-        <p:style>
-          <a:lnRef idx="1">
-            <a:schemeClr val="accent1"/>
-          </a:lnRef>
-          <a:fillRef idx="0">
-            <a:schemeClr val="accent1"/>
-          </a:fillRef>
-          <a:effectRef idx="0">
-            <a:schemeClr val="accent1"/>
-          </a:effectRef>
-          <a:fontRef idx="minor">
-            <a:schemeClr val="tx1"/>
-          </a:fontRef>
-        </p:style>
-      </p:cxnSp>
-      <p:cxnSp>
-        <p:nvCxnSpPr>
-          <p:cNvPr id="47" name="Straight Connector 46">
-            <a:extLst>
-              <a:ext uri="{FF2B5EF4-FFF2-40B4-BE49-F238E27FC236}">
-                <a16:creationId xmlns:a16="http://schemas.microsoft.com/office/drawing/2014/main" id="{B2D6430C-FC60-4E0A-A399-8C91854786C6}"/>
-              </a:ext>
-            </a:extLst>
-          </p:cNvPr>
-          <p:cNvCxnSpPr/>
-          <p:nvPr/>
-        </p:nvCxnSpPr>
-        <p:spPr>
-          <a:xfrm>
-            <a:off x="1840882" y="4099093"/>
-            <a:ext cx="3126035" cy="0"/>
-          </a:xfrm>
-          <a:prstGeom prst="line">
-            <a:avLst/>
-          </a:prstGeom>
-          <a:ln>
-            <a:solidFill>
-              <a:schemeClr val="accent2"/>
-            </a:solidFill>
-          </a:ln>
-        </p:spPr>
-        <p:style>
-          <a:lnRef idx="1">
-            <a:schemeClr val="accent1"/>
-          </a:lnRef>
-          <a:fillRef idx="0">
-            <a:schemeClr val="accent1"/>
-          </a:fillRef>
-          <a:effectRef idx="0">
-            <a:schemeClr val="accent1"/>
-          </a:effectRef>
-          <a:fontRef idx="minor">
-            <a:schemeClr val="tx1"/>
-          </a:fontRef>
-        </p:style>
-      </p:cxnSp>
-      <p:cxnSp>
-        <p:nvCxnSpPr>
-          <p:cNvPr id="48" name="Straight Connector 47">
-            <a:extLst>
-              <a:ext uri="{FF2B5EF4-FFF2-40B4-BE49-F238E27FC236}">
-                <a16:creationId xmlns:a16="http://schemas.microsoft.com/office/drawing/2014/main" id="{8E1833F6-B504-4A42-8BC3-2E2936665354}"/>
-              </a:ext>
-            </a:extLst>
-          </p:cNvPr>
-          <p:cNvCxnSpPr/>
-          <p:nvPr/>
-        </p:nvCxnSpPr>
-        <p:spPr>
-          <a:xfrm>
-            <a:off x="1840882" y="5122223"/>
-            <a:ext cx="3126035" cy="0"/>
-          </a:xfrm>
-          <a:prstGeom prst="line">
-            <a:avLst/>
-          </a:prstGeom>
-          <a:ln>
-            <a:solidFill>
-              <a:schemeClr val="accent3"/>
-            </a:solidFill>
-          </a:ln>
-        </p:spPr>
-        <p:style>
-          <a:lnRef idx="1">
-            <a:schemeClr val="accent1"/>
-          </a:lnRef>
-          <a:fillRef idx="0">
-            <a:schemeClr val="accent1"/>
-          </a:fillRef>
-          <a:effectRef idx="0">
-            <a:schemeClr val="accent1"/>
-          </a:effectRef>
-          <a:fontRef idx="minor">
-            <a:schemeClr val="tx1"/>
-          </a:fontRef>
-        </p:style>
-      </p:cxnSp>
-      <p:sp>
-        <p:nvSpPr>
-          <p:cNvPr id="2" name="TextBox 17">
-            <a:extLst>
-              <a:ext uri="{FF2B5EF4-FFF2-40B4-BE49-F238E27FC236}">
-                <a16:creationId xmlns:a16="http://schemas.microsoft.com/office/drawing/2014/main" id="{D0BAD282-D529-63AE-BD4E-3A3E7CEC2C1E}"/>
-              </a:ext>
-            </a:extLst>
-          </p:cNvPr>
-          <p:cNvSpPr txBox="1"/>
-          <p:nvPr/>
-        </p:nvSpPr>
-        <p:spPr>
-          <a:xfrm>
-            <a:off x="698500" y="1073930"/>
-            <a:ext cx="6586220" cy="307777"/>
-          </a:xfrm>
-          <a:prstGeom prst="rect">
-            <a:avLst/>
-          </a:prstGeom>
-          <a:noFill/>
-        </p:spPr>
-        <p:txBody>
-          <a:bodyPr wrap="square" rtlCol="0">
-            <a:spAutoFit/>
-          </a:bodyPr>
-          <a:lstStyle>
-            <a:defPPr>
-              <a:defRPr lang="en-US"/>
-            </a:defPPr>
-            <a:lvl1pPr>
-              <a:defRPr sz="1600" b="1">
-                <a:solidFill>
-                  <a:schemeClr val="accent1"/>
-                </a:solidFill>
-                <a:latin typeface="Times New Roman" panose="02020603050405020304" pitchFamily="18" charset="0"/>
-                <a:ea typeface="PT Sans" panose="020B0503020203020204" pitchFamily="34" charset="0"/>
-                <a:cs typeface="Times New Roman" panose="02020603050405020304" pitchFamily="18" charset="0"/>
-              </a:defRPr>
-            </a:lvl1pPr>
-          </a:lstStyle>
-          <a:p>
-            <a:r>
-              <a:rPr lang="en-US" altLang="zh-TW" dirty="0"/>
-              <a:t>Analysis of Poisson frequency data under a simple crossover trial</a:t>
-            </a:r>
-          </a:p>
-        </p:txBody>
-      </p:sp>
-      <p:sp>
-        <p:nvSpPr>
-          <p:cNvPr id="4" name="投影片編號版面配置區 3">
-            <a:extLst>
-              <a:ext uri="{FF2B5EF4-FFF2-40B4-BE49-F238E27FC236}">
-                <a16:creationId xmlns:a16="http://schemas.microsoft.com/office/drawing/2014/main" id="{7FD0D14D-BEFC-4E5A-A9B2-9AB6BB1A9860}"/>
-              </a:ext>
-            </a:extLst>
-          </p:cNvPr>
-          <p:cNvSpPr>
-            <a:spLocks noGrp="1"/>
-          </p:cNvSpPr>
-          <p:nvPr>
-            <p:ph type="sldNum" sz="quarter" idx="4"/>
-          </p:nvPr>
-        </p:nvSpPr>
-        <p:spPr/>
-        <p:txBody>
-          <a:bodyPr/>
-          <a:lstStyle/>
-          <a:p>
-            <a:fld id="{A834D990-9988-440C-886B-EA25C6D802F9}" type="slidenum">
-              <a:rPr lang="zh-TW" altLang="en-US" smtClean="0"/>
-              <a:t>17</a:t>
-            </a:fld>
-            <a:endParaRPr lang="zh-TW" altLang="en-US"/>
-          </a:p>
-        </p:txBody>
-      </p:sp>
-    </p:spTree>
-    <p:extLst>
-      <p:ext uri="{BB962C8B-B14F-4D97-AF65-F5344CB8AC3E}">
-        <p14:creationId xmlns:p14="http://schemas.microsoft.com/office/powerpoint/2010/main" val="2732628549"/>
-      </p:ext>
-    </p:extLst>
-  </p:cSld>
-  <p:clrMapOvr>
-    <a:masterClrMapping/>
-  </p:clrMapOvr>
-</p:sld>
-</file>
-
-<file path=ppt/slides/slide19.xml><?xml version="1.0" encoding="utf-8"?>
-<p:sld xmlns:a="http://schemas.openxmlformats.org/drawingml/2006/main" xmlns:r="http://schemas.openxmlformats.org/officeDocument/2006/relationships" xmlns:p="http://schemas.openxmlformats.org/presentationml/2006/main">
-  <p:cSld>
     <p:spTree>
       <p:nvGrpSpPr>
         <p:cNvPr id="1" name=""/>
@@ -24778,7 +20281,7 @@
           <a:p>
             <a:fld id="{A834D990-9988-440C-886B-EA25C6D802F9}" type="slidenum">
               <a:rPr lang="zh-TW" altLang="en-US" smtClean="0"/>
-              <a:t>18</a:t>
+              <a:t>16</a:t>
             </a:fld>
             <a:endParaRPr lang="zh-TW" altLang="en-US"/>
           </a:p>
@@ -24797,857 +20300,7 @@
 </p:sld>
 </file>
 
-<file path=ppt/slides/slide2.xml><?xml version="1.0" encoding="utf-8"?>
-<p:sld xmlns:a="http://schemas.openxmlformats.org/drawingml/2006/main" xmlns:r="http://schemas.openxmlformats.org/officeDocument/2006/relationships" xmlns:p="http://schemas.openxmlformats.org/presentationml/2006/main">
-  <p:cSld>
-    <p:bg>
-      <p:bgPr>
-        <a:solidFill>
-          <a:schemeClr val="bg1"/>
-        </a:solidFill>
-        <a:effectLst/>
-      </p:bgPr>
-    </p:bg>
-    <p:spTree>
-      <p:nvGrpSpPr>
-        <p:cNvPr id="1" name=""/>
-        <p:cNvGrpSpPr/>
-        <p:nvPr/>
-      </p:nvGrpSpPr>
-      <p:grpSpPr>
-        <a:xfrm>
-          <a:off x="0" y="0"/>
-          <a:ext cx="0" cy="0"/>
-          <a:chOff x="0" y="0"/>
-          <a:chExt cx="0" cy="0"/>
-        </a:xfrm>
-      </p:grpSpPr>
-      <p:sp>
-        <p:nvSpPr>
-          <p:cNvPr id="16" name="TextBox 15">
-            <a:extLst>
-              <a:ext uri="{FF2B5EF4-FFF2-40B4-BE49-F238E27FC236}">
-                <a16:creationId xmlns:a16="http://schemas.microsoft.com/office/drawing/2014/main" id="{2232948C-66D2-42FC-B019-0ED45E9F11A6}"/>
-              </a:ext>
-            </a:extLst>
-          </p:cNvPr>
-          <p:cNvSpPr txBox="1"/>
-          <p:nvPr/>
-        </p:nvSpPr>
-        <p:spPr>
-          <a:xfrm>
-            <a:off x="698500" y="489419"/>
-            <a:ext cx="5740400" cy="646331"/>
-          </a:xfrm>
-          <a:prstGeom prst="rect">
-            <a:avLst/>
-          </a:prstGeom>
-          <a:noFill/>
-        </p:spPr>
-        <p:txBody>
-          <a:bodyPr wrap="square" rtlCol="0">
-            <a:spAutoFit/>
-          </a:bodyPr>
-          <a:lstStyle/>
-          <a:p>
-            <a:r>
-              <a:rPr lang="en-US" sz="3600" b="1" dirty="0">
-                <a:solidFill>
-                  <a:schemeClr val="tx1">
-                    <a:lumMod val="65000"/>
-                    <a:lumOff val="35000"/>
-                  </a:schemeClr>
-                </a:solidFill>
-                <a:effectLst>
-                  <a:outerShdw blurRad="38100" dist="38100" dir="2700000" algn="tl">
-                    <a:srgbClr val="000000">
-                      <a:alpha val="43137"/>
-                    </a:srgbClr>
-                  </a:outerShdw>
-                </a:effectLst>
-                <a:latin typeface="Times New Roman" panose="02020603050405020304" pitchFamily="18" charset="0"/>
-                <a:cs typeface="Times New Roman" panose="02020603050405020304" pitchFamily="18" charset="0"/>
-              </a:rPr>
-              <a:t>Outline</a:t>
-            </a:r>
-          </a:p>
-        </p:txBody>
-      </p:sp>
-      <p:sp>
-        <p:nvSpPr>
-          <p:cNvPr id="18" name="TextBox 17">
-            <a:extLst>
-              <a:ext uri="{FF2B5EF4-FFF2-40B4-BE49-F238E27FC236}">
-                <a16:creationId xmlns:a16="http://schemas.microsoft.com/office/drawing/2014/main" id="{1B67F422-2E48-44A4-BD85-589B5568B37D}"/>
-              </a:ext>
-            </a:extLst>
-          </p:cNvPr>
-          <p:cNvSpPr txBox="1"/>
-          <p:nvPr/>
-        </p:nvSpPr>
-        <p:spPr>
-          <a:xfrm>
-            <a:off x="698500" y="1163915"/>
-            <a:ext cx="6071805" cy="338554"/>
-          </a:xfrm>
-          <a:prstGeom prst="rect">
-            <a:avLst/>
-          </a:prstGeom>
-          <a:noFill/>
-        </p:spPr>
-        <p:txBody>
-          <a:bodyPr wrap="square" rtlCol="0">
-            <a:spAutoFit/>
-          </a:bodyPr>
-          <a:lstStyle/>
-          <a:p>
-            <a:r>
-              <a:rPr lang="en-US" sz="1600" b="1" dirty="0">
-                <a:solidFill>
-                  <a:schemeClr val="accent1"/>
-                </a:solidFill>
-                <a:latin typeface="Times New Roman" panose="02020603050405020304" pitchFamily="18" charset="0"/>
-                <a:ea typeface="PT Sans" panose="020B0503020203020204" pitchFamily="34" charset="0"/>
-                <a:cs typeface="Times New Roman" panose="02020603050405020304" pitchFamily="18" charset="0"/>
-              </a:rPr>
-              <a:t>Analysis of Poisson frequency data under a simple crossover trial</a:t>
-            </a:r>
-          </a:p>
-        </p:txBody>
-      </p:sp>
-      <p:sp>
-        <p:nvSpPr>
-          <p:cNvPr id="8" name="Oval 7">
-            <a:extLst>
-              <a:ext uri="{FF2B5EF4-FFF2-40B4-BE49-F238E27FC236}">
-                <a16:creationId xmlns:a16="http://schemas.microsoft.com/office/drawing/2014/main" id="{C067ACF7-8CA8-4F3F-8CC4-D760A7FE2CD4}"/>
-              </a:ext>
-            </a:extLst>
-          </p:cNvPr>
-          <p:cNvSpPr/>
-          <p:nvPr/>
-        </p:nvSpPr>
-        <p:spPr>
-          <a:xfrm>
-            <a:off x="1351676" y="2641677"/>
-            <a:ext cx="522514" cy="522514"/>
-          </a:xfrm>
-          <a:prstGeom prst="ellipse">
-            <a:avLst/>
-          </a:prstGeom>
-          <a:solidFill>
-            <a:schemeClr val="accent1"/>
-          </a:solidFill>
-          <a:ln>
-            <a:noFill/>
-          </a:ln>
-        </p:spPr>
-        <p:style>
-          <a:lnRef idx="2">
-            <a:schemeClr val="accent1">
-              <a:shade val="50000"/>
-            </a:schemeClr>
-          </a:lnRef>
-          <a:fillRef idx="1">
-            <a:schemeClr val="accent1"/>
-          </a:fillRef>
-          <a:effectRef idx="0">
-            <a:schemeClr val="accent1"/>
-          </a:effectRef>
-          <a:fontRef idx="minor">
-            <a:schemeClr val="lt1"/>
-          </a:fontRef>
-        </p:style>
-        <p:txBody>
-          <a:bodyPr rtlCol="0" anchor="ctr"/>
-          <a:lstStyle/>
-          <a:p>
-            <a:pPr algn="ctr"/>
-            <a:endParaRPr lang="en-US"/>
-          </a:p>
-        </p:txBody>
-      </p:sp>
-      <p:sp>
-        <p:nvSpPr>
-          <p:cNvPr id="43" name="TextBox 42">
-            <a:extLst>
-              <a:ext uri="{FF2B5EF4-FFF2-40B4-BE49-F238E27FC236}">
-                <a16:creationId xmlns:a16="http://schemas.microsoft.com/office/drawing/2014/main" id="{8F883939-5FF7-4767-9BA7-CA5BF5A34D9D}"/>
-              </a:ext>
-            </a:extLst>
-          </p:cNvPr>
-          <p:cNvSpPr txBox="1"/>
-          <p:nvPr/>
-        </p:nvSpPr>
-        <p:spPr>
-          <a:xfrm>
-            <a:off x="2006579" y="2766579"/>
-            <a:ext cx="3363773" cy="338554"/>
-          </a:xfrm>
-          <a:prstGeom prst="rect">
-            <a:avLst/>
-          </a:prstGeom>
-          <a:noFill/>
-        </p:spPr>
-        <p:txBody>
-          <a:bodyPr wrap="square" rtlCol="0">
-            <a:spAutoFit/>
-          </a:bodyPr>
-          <a:lstStyle/>
-          <a:p>
-            <a:r>
-              <a:rPr lang="en-US" altLang="zh-TW" sz="1600" b="1" dirty="0">
-                <a:solidFill>
-                  <a:schemeClr val="accent1"/>
-                </a:solidFill>
-                <a:latin typeface="Times New Roman" panose="02020603050405020304" pitchFamily="18" charset="0"/>
-                <a:ea typeface="PT Sans" panose="020B0503020203020204" pitchFamily="34" charset="0"/>
-                <a:cs typeface="Times New Roman" panose="02020603050405020304" pitchFamily="18" charset="0"/>
-              </a:rPr>
-              <a:t>Introduction</a:t>
-            </a:r>
-            <a:endParaRPr lang="en-US" sz="1600" b="1" dirty="0">
-              <a:solidFill>
-                <a:schemeClr val="accent1"/>
-              </a:solidFill>
-              <a:latin typeface="Times New Roman" panose="02020603050405020304" pitchFamily="18" charset="0"/>
-              <a:ea typeface="PT Sans" panose="020B0503020203020204" pitchFamily="34" charset="0"/>
-              <a:cs typeface="Times New Roman" panose="02020603050405020304" pitchFamily="18" charset="0"/>
-            </a:endParaRPr>
-          </a:p>
-        </p:txBody>
-      </p:sp>
-      <p:sp>
-        <p:nvSpPr>
-          <p:cNvPr id="44" name="TextBox 43">
-            <a:extLst>
-              <a:ext uri="{FF2B5EF4-FFF2-40B4-BE49-F238E27FC236}">
-                <a16:creationId xmlns:a16="http://schemas.microsoft.com/office/drawing/2014/main" id="{A4511203-B797-4D60-B9E4-1C3CF58F6E1D}"/>
-              </a:ext>
-            </a:extLst>
-          </p:cNvPr>
-          <p:cNvSpPr txBox="1"/>
-          <p:nvPr/>
-        </p:nvSpPr>
-        <p:spPr>
-          <a:xfrm>
-            <a:off x="1300332" y="2718198"/>
-            <a:ext cx="625203" cy="400110"/>
-          </a:xfrm>
-          <a:prstGeom prst="rect">
-            <a:avLst/>
-          </a:prstGeom>
-          <a:noFill/>
-        </p:spPr>
-        <p:txBody>
-          <a:bodyPr wrap="square" rtlCol="0">
-            <a:spAutoFit/>
-          </a:bodyPr>
-          <a:lstStyle/>
-          <a:p>
-            <a:pPr algn="ctr"/>
-            <a:r>
-              <a:rPr lang="en-US" sz="2000" b="1" dirty="0">
-                <a:solidFill>
-                  <a:schemeClr val="bg1"/>
-                </a:solidFill>
-                <a:latin typeface="Poppins Medium" panose="00000600000000000000" pitchFamily="2" charset="0"/>
-                <a:ea typeface="PT Sans" panose="020B0503020203020204" pitchFamily="34" charset="0"/>
-                <a:cs typeface="Poppins Medium" panose="00000600000000000000" pitchFamily="2" charset="0"/>
-              </a:rPr>
-              <a:t>01</a:t>
-            </a:r>
-          </a:p>
-        </p:txBody>
-      </p:sp>
-      <p:sp>
-        <p:nvSpPr>
-          <p:cNvPr id="47" name="Oval 46">
-            <a:extLst>
-              <a:ext uri="{FF2B5EF4-FFF2-40B4-BE49-F238E27FC236}">
-                <a16:creationId xmlns:a16="http://schemas.microsoft.com/office/drawing/2014/main" id="{ADC4F8A7-01CE-4E51-9A67-66C90F2778FE}"/>
-              </a:ext>
-            </a:extLst>
-          </p:cNvPr>
-          <p:cNvSpPr/>
-          <p:nvPr/>
-        </p:nvSpPr>
-        <p:spPr>
-          <a:xfrm>
-            <a:off x="1351676" y="3881864"/>
-            <a:ext cx="522514" cy="522514"/>
-          </a:xfrm>
-          <a:prstGeom prst="ellipse">
-            <a:avLst/>
-          </a:prstGeom>
-          <a:solidFill>
-            <a:schemeClr val="accent2"/>
-          </a:solidFill>
-          <a:ln>
-            <a:noFill/>
-          </a:ln>
-        </p:spPr>
-        <p:style>
-          <a:lnRef idx="2">
-            <a:schemeClr val="accent1">
-              <a:shade val="50000"/>
-            </a:schemeClr>
-          </a:lnRef>
-          <a:fillRef idx="1">
-            <a:schemeClr val="accent1"/>
-          </a:fillRef>
-          <a:effectRef idx="0">
-            <a:schemeClr val="accent1"/>
-          </a:effectRef>
-          <a:fontRef idx="minor">
-            <a:schemeClr val="lt1"/>
-          </a:fontRef>
-        </p:style>
-        <p:txBody>
-          <a:bodyPr rtlCol="0" anchor="ctr"/>
-          <a:lstStyle/>
-          <a:p>
-            <a:pPr algn="ctr"/>
-            <a:endParaRPr lang="en-US"/>
-          </a:p>
-        </p:txBody>
-      </p:sp>
-      <p:sp>
-        <p:nvSpPr>
-          <p:cNvPr id="49" name="TextBox 48">
-            <a:extLst>
-              <a:ext uri="{FF2B5EF4-FFF2-40B4-BE49-F238E27FC236}">
-                <a16:creationId xmlns:a16="http://schemas.microsoft.com/office/drawing/2014/main" id="{DABCE7C2-12CE-4D1C-8966-BD98B633E6D3}"/>
-              </a:ext>
-            </a:extLst>
-          </p:cNvPr>
-          <p:cNvSpPr txBox="1"/>
-          <p:nvPr/>
-        </p:nvSpPr>
-        <p:spPr>
-          <a:xfrm>
-            <a:off x="1994891" y="3989163"/>
-            <a:ext cx="4712381" cy="338554"/>
-          </a:xfrm>
-          <a:prstGeom prst="rect">
-            <a:avLst/>
-          </a:prstGeom>
-          <a:noFill/>
-        </p:spPr>
-        <p:txBody>
-          <a:bodyPr wrap="square" rtlCol="0">
-            <a:spAutoFit/>
-          </a:bodyPr>
-          <a:lstStyle/>
-          <a:p>
-            <a:r>
-              <a:rPr lang="en-US" sz="1600" b="1" dirty="0">
-                <a:solidFill>
-                  <a:schemeClr val="accent2"/>
-                </a:solidFill>
-                <a:latin typeface="Times New Roman" panose="02020603050405020304" pitchFamily="18" charset="0"/>
-                <a:ea typeface="PT Sans" panose="020B0503020203020204" pitchFamily="34" charset="0"/>
-                <a:cs typeface="Times New Roman" panose="02020603050405020304" pitchFamily="18" charset="0"/>
-              </a:rPr>
-              <a:t>Notation, model assumption and methods</a:t>
-            </a:r>
-          </a:p>
-        </p:txBody>
-      </p:sp>
-      <p:sp>
-        <p:nvSpPr>
-          <p:cNvPr id="50" name="TextBox 49">
-            <a:extLst>
-              <a:ext uri="{FF2B5EF4-FFF2-40B4-BE49-F238E27FC236}">
-                <a16:creationId xmlns:a16="http://schemas.microsoft.com/office/drawing/2014/main" id="{A62812E5-4A14-4629-BD67-717A73264482}"/>
-              </a:ext>
-            </a:extLst>
-          </p:cNvPr>
-          <p:cNvSpPr txBox="1"/>
-          <p:nvPr/>
-        </p:nvSpPr>
-        <p:spPr>
-          <a:xfrm>
-            <a:off x="1300332" y="3958385"/>
-            <a:ext cx="625203" cy="400110"/>
-          </a:xfrm>
-          <a:prstGeom prst="rect">
-            <a:avLst/>
-          </a:prstGeom>
-          <a:noFill/>
-        </p:spPr>
-        <p:txBody>
-          <a:bodyPr wrap="square" rtlCol="0">
-            <a:spAutoFit/>
-          </a:bodyPr>
-          <a:lstStyle/>
-          <a:p>
-            <a:pPr algn="ctr"/>
-            <a:r>
-              <a:rPr lang="en-US" sz="2000" b="1" dirty="0">
-                <a:solidFill>
-                  <a:schemeClr val="bg1"/>
-                </a:solidFill>
-                <a:latin typeface="Poppins Medium" panose="00000600000000000000" pitchFamily="2" charset="0"/>
-                <a:ea typeface="PT Sans" panose="020B0503020203020204" pitchFamily="34" charset="0"/>
-                <a:cs typeface="Poppins Medium" panose="00000600000000000000" pitchFamily="2" charset="0"/>
-              </a:rPr>
-              <a:t>02</a:t>
-            </a:r>
-          </a:p>
-        </p:txBody>
-      </p:sp>
-      <p:sp>
-        <p:nvSpPr>
-          <p:cNvPr id="61" name="Oval 60">
-            <a:extLst>
-              <a:ext uri="{FF2B5EF4-FFF2-40B4-BE49-F238E27FC236}">
-                <a16:creationId xmlns:a16="http://schemas.microsoft.com/office/drawing/2014/main" id="{F3920C9D-5099-4322-8C6B-E092EC862472}"/>
-              </a:ext>
-            </a:extLst>
-          </p:cNvPr>
-          <p:cNvSpPr/>
-          <p:nvPr/>
-        </p:nvSpPr>
-        <p:spPr>
-          <a:xfrm>
-            <a:off x="1351676" y="5122050"/>
-            <a:ext cx="522514" cy="522514"/>
-          </a:xfrm>
-          <a:prstGeom prst="ellipse">
-            <a:avLst/>
-          </a:prstGeom>
-          <a:solidFill>
-            <a:schemeClr val="accent4"/>
-          </a:solidFill>
-          <a:ln>
-            <a:noFill/>
-          </a:ln>
-        </p:spPr>
-        <p:style>
-          <a:lnRef idx="2">
-            <a:schemeClr val="accent1">
-              <a:shade val="50000"/>
-            </a:schemeClr>
-          </a:lnRef>
-          <a:fillRef idx="1">
-            <a:schemeClr val="accent1"/>
-          </a:fillRef>
-          <a:effectRef idx="0">
-            <a:schemeClr val="accent1"/>
-          </a:effectRef>
-          <a:fontRef idx="minor">
-            <a:schemeClr val="lt1"/>
-          </a:fontRef>
-        </p:style>
-        <p:txBody>
-          <a:bodyPr rtlCol="0" anchor="ctr"/>
-          <a:lstStyle/>
-          <a:p>
-            <a:pPr algn="ctr"/>
-            <a:endParaRPr lang="en-US"/>
-          </a:p>
-        </p:txBody>
-      </p:sp>
-      <p:sp>
-        <p:nvSpPr>
-          <p:cNvPr id="65" name="TextBox 64">
-            <a:extLst>
-              <a:ext uri="{FF2B5EF4-FFF2-40B4-BE49-F238E27FC236}">
-                <a16:creationId xmlns:a16="http://schemas.microsoft.com/office/drawing/2014/main" id="{2DD26539-FCAC-4DCD-B219-BA13D089AD30}"/>
-              </a:ext>
-            </a:extLst>
-          </p:cNvPr>
-          <p:cNvSpPr txBox="1"/>
-          <p:nvPr/>
-        </p:nvSpPr>
-        <p:spPr>
-          <a:xfrm>
-            <a:off x="2006579" y="5253273"/>
-            <a:ext cx="4089421" cy="338554"/>
-          </a:xfrm>
-          <a:prstGeom prst="rect">
-            <a:avLst/>
-          </a:prstGeom>
-          <a:noFill/>
-        </p:spPr>
-        <p:txBody>
-          <a:bodyPr wrap="square" rtlCol="0">
-            <a:spAutoFit/>
-          </a:bodyPr>
-          <a:lstStyle/>
-          <a:p>
-            <a:r>
-              <a:rPr lang="en-US" sz="1600" b="1" dirty="0">
-                <a:solidFill>
-                  <a:schemeClr val="accent4"/>
-                </a:solidFill>
-                <a:latin typeface="Times New Roman" panose="02020603050405020304" pitchFamily="18" charset="0"/>
-                <a:ea typeface="PT Sans" panose="020B0503020203020204" pitchFamily="34" charset="0"/>
-                <a:cs typeface="Times New Roman" panose="02020603050405020304" pitchFamily="18" charset="0"/>
-              </a:rPr>
-              <a:t>Monte Carlo Simulation and Result</a:t>
-            </a:r>
-          </a:p>
-        </p:txBody>
-      </p:sp>
-      <p:sp>
-        <p:nvSpPr>
-          <p:cNvPr id="66" name="TextBox 65">
-            <a:extLst>
-              <a:ext uri="{FF2B5EF4-FFF2-40B4-BE49-F238E27FC236}">
-                <a16:creationId xmlns:a16="http://schemas.microsoft.com/office/drawing/2014/main" id="{F1A6FCBE-996E-45A9-951D-5C9E54914D00}"/>
-              </a:ext>
-            </a:extLst>
-          </p:cNvPr>
-          <p:cNvSpPr txBox="1"/>
-          <p:nvPr/>
-        </p:nvSpPr>
-        <p:spPr>
-          <a:xfrm>
-            <a:off x="1300332" y="5198571"/>
-            <a:ext cx="625203" cy="400110"/>
-          </a:xfrm>
-          <a:prstGeom prst="rect">
-            <a:avLst/>
-          </a:prstGeom>
-          <a:noFill/>
-        </p:spPr>
-        <p:txBody>
-          <a:bodyPr wrap="square" rtlCol="0">
-            <a:spAutoFit/>
-          </a:bodyPr>
-          <a:lstStyle/>
-          <a:p>
-            <a:pPr algn="ctr"/>
-            <a:r>
-              <a:rPr lang="en-US" sz="2000" b="1" dirty="0">
-                <a:solidFill>
-                  <a:schemeClr val="bg1"/>
-                </a:solidFill>
-                <a:latin typeface="Poppins Medium" panose="00000600000000000000" pitchFamily="2" charset="0"/>
-                <a:ea typeface="PT Sans" panose="020B0503020203020204" pitchFamily="34" charset="0"/>
-                <a:cs typeface="Poppins Medium" panose="00000600000000000000" pitchFamily="2" charset="0"/>
-              </a:rPr>
-              <a:t>03</a:t>
-            </a:r>
-          </a:p>
-        </p:txBody>
-      </p:sp>
-      <p:sp>
-        <p:nvSpPr>
-          <p:cNvPr id="68" name="Oval 67">
-            <a:extLst>
-              <a:ext uri="{FF2B5EF4-FFF2-40B4-BE49-F238E27FC236}">
-                <a16:creationId xmlns:a16="http://schemas.microsoft.com/office/drawing/2014/main" id="{E32856C6-90A1-43D1-AF66-D85811E478F8}"/>
-              </a:ext>
-            </a:extLst>
-          </p:cNvPr>
-          <p:cNvSpPr/>
-          <p:nvPr/>
-        </p:nvSpPr>
-        <p:spPr>
-          <a:xfrm>
-            <a:off x="6956403" y="2641677"/>
-            <a:ext cx="522514" cy="522514"/>
-          </a:xfrm>
-          <a:prstGeom prst="ellipse">
-            <a:avLst/>
-          </a:prstGeom>
-          <a:solidFill>
-            <a:schemeClr val="accent2"/>
-          </a:solidFill>
-          <a:ln>
-            <a:noFill/>
-          </a:ln>
-        </p:spPr>
-        <p:style>
-          <a:lnRef idx="2">
-            <a:schemeClr val="accent1">
-              <a:shade val="50000"/>
-            </a:schemeClr>
-          </a:lnRef>
-          <a:fillRef idx="1">
-            <a:schemeClr val="accent1"/>
-          </a:fillRef>
-          <a:effectRef idx="0">
-            <a:schemeClr val="accent1"/>
-          </a:effectRef>
-          <a:fontRef idx="minor">
-            <a:schemeClr val="lt1"/>
-          </a:fontRef>
-        </p:style>
-        <p:txBody>
-          <a:bodyPr rtlCol="0" anchor="ctr"/>
-          <a:lstStyle/>
-          <a:p>
-            <a:pPr algn="ctr"/>
-            <a:endParaRPr lang="en-US"/>
-          </a:p>
-        </p:txBody>
-      </p:sp>
-      <p:sp>
-        <p:nvSpPr>
-          <p:cNvPr id="74" name="TextBox 73">
-            <a:extLst>
-              <a:ext uri="{FF2B5EF4-FFF2-40B4-BE49-F238E27FC236}">
-                <a16:creationId xmlns:a16="http://schemas.microsoft.com/office/drawing/2014/main" id="{0E30C0A4-2ECB-490B-9F0E-A927C0943B1D}"/>
-              </a:ext>
-            </a:extLst>
-          </p:cNvPr>
-          <p:cNvSpPr txBox="1"/>
-          <p:nvPr/>
-        </p:nvSpPr>
-        <p:spPr>
-          <a:xfrm>
-            <a:off x="7611306" y="2718198"/>
-            <a:ext cx="2211553" cy="338554"/>
-          </a:xfrm>
-          <a:prstGeom prst="rect">
-            <a:avLst/>
-          </a:prstGeom>
-          <a:noFill/>
-        </p:spPr>
-        <p:txBody>
-          <a:bodyPr wrap="square" rtlCol="0">
-            <a:spAutoFit/>
-          </a:bodyPr>
-          <a:lstStyle/>
-          <a:p>
-            <a:r>
-              <a:rPr lang="en-US" sz="1600" b="1" dirty="0">
-                <a:solidFill>
-                  <a:schemeClr val="accent2"/>
-                </a:solidFill>
-                <a:latin typeface="Times New Roman" panose="02020603050405020304" pitchFamily="18" charset="0"/>
-                <a:ea typeface="PT Sans" panose="020B0503020203020204" pitchFamily="34" charset="0"/>
-                <a:cs typeface="Times New Roman" panose="02020603050405020304" pitchFamily="18" charset="0"/>
-              </a:rPr>
-              <a:t>Example</a:t>
-            </a:r>
-          </a:p>
-        </p:txBody>
-      </p:sp>
-      <p:sp>
-        <p:nvSpPr>
-          <p:cNvPr id="82" name="TextBox 81">
-            <a:extLst>
-              <a:ext uri="{FF2B5EF4-FFF2-40B4-BE49-F238E27FC236}">
-                <a16:creationId xmlns:a16="http://schemas.microsoft.com/office/drawing/2014/main" id="{13625D08-9245-4FE3-9CD3-D20E4D187497}"/>
-              </a:ext>
-            </a:extLst>
-          </p:cNvPr>
-          <p:cNvSpPr txBox="1"/>
-          <p:nvPr/>
-        </p:nvSpPr>
-        <p:spPr>
-          <a:xfrm>
-            <a:off x="6905059" y="2718198"/>
-            <a:ext cx="625203" cy="400110"/>
-          </a:xfrm>
-          <a:prstGeom prst="rect">
-            <a:avLst/>
-          </a:prstGeom>
-          <a:noFill/>
-        </p:spPr>
-        <p:txBody>
-          <a:bodyPr wrap="square" rtlCol="0">
-            <a:spAutoFit/>
-          </a:bodyPr>
-          <a:lstStyle/>
-          <a:p>
-            <a:pPr algn="ctr"/>
-            <a:r>
-              <a:rPr lang="en-US" sz="2000" b="1" dirty="0">
-                <a:solidFill>
-                  <a:schemeClr val="bg1"/>
-                </a:solidFill>
-                <a:latin typeface="Poppins Medium" panose="00000600000000000000" pitchFamily="2" charset="0"/>
-                <a:ea typeface="PT Sans" panose="020B0503020203020204" pitchFamily="34" charset="0"/>
-                <a:cs typeface="Poppins Medium" panose="00000600000000000000" pitchFamily="2" charset="0"/>
-              </a:rPr>
-              <a:t>04</a:t>
-            </a:r>
-          </a:p>
-        </p:txBody>
-      </p:sp>
-      <p:sp>
-        <p:nvSpPr>
-          <p:cNvPr id="84" name="Oval 83">
-            <a:extLst>
-              <a:ext uri="{FF2B5EF4-FFF2-40B4-BE49-F238E27FC236}">
-                <a16:creationId xmlns:a16="http://schemas.microsoft.com/office/drawing/2014/main" id="{AB344943-C69B-4038-869E-73F5AD180374}"/>
-              </a:ext>
-            </a:extLst>
-          </p:cNvPr>
-          <p:cNvSpPr/>
-          <p:nvPr/>
-        </p:nvSpPr>
-        <p:spPr>
-          <a:xfrm>
-            <a:off x="6956403" y="3881864"/>
-            <a:ext cx="522514" cy="522514"/>
-          </a:xfrm>
-          <a:prstGeom prst="ellipse">
-            <a:avLst/>
-          </a:prstGeom>
-          <a:ln>
-            <a:noFill/>
-          </a:ln>
-        </p:spPr>
-        <p:style>
-          <a:lnRef idx="2">
-            <a:schemeClr val="accent1">
-              <a:shade val="50000"/>
-            </a:schemeClr>
-          </a:lnRef>
-          <a:fillRef idx="1">
-            <a:schemeClr val="accent1"/>
-          </a:fillRef>
-          <a:effectRef idx="0">
-            <a:schemeClr val="accent1"/>
-          </a:effectRef>
-          <a:fontRef idx="minor">
-            <a:schemeClr val="lt1"/>
-          </a:fontRef>
-        </p:style>
-        <p:txBody>
-          <a:bodyPr rtlCol="0" anchor="ctr"/>
-          <a:lstStyle/>
-          <a:p>
-            <a:pPr algn="ctr"/>
-            <a:endParaRPr lang="en-US"/>
-          </a:p>
-        </p:txBody>
-      </p:sp>
-      <p:sp>
-        <p:nvSpPr>
-          <p:cNvPr id="86" name="TextBox 85">
-            <a:extLst>
-              <a:ext uri="{FF2B5EF4-FFF2-40B4-BE49-F238E27FC236}">
-                <a16:creationId xmlns:a16="http://schemas.microsoft.com/office/drawing/2014/main" id="{9FE83AC9-F85F-4036-81BE-EC0501D9A7B3}"/>
-              </a:ext>
-            </a:extLst>
-          </p:cNvPr>
-          <p:cNvSpPr txBox="1"/>
-          <p:nvPr/>
-        </p:nvSpPr>
-        <p:spPr>
-          <a:xfrm>
-            <a:off x="7611305" y="3989163"/>
-            <a:ext cx="2211553" cy="338554"/>
-          </a:xfrm>
-          <a:prstGeom prst="rect">
-            <a:avLst/>
-          </a:prstGeom>
-          <a:noFill/>
-        </p:spPr>
-        <p:txBody>
-          <a:bodyPr wrap="square" rtlCol="0">
-            <a:spAutoFit/>
-          </a:bodyPr>
-          <a:lstStyle/>
-          <a:p>
-            <a:r>
-              <a:rPr lang="en-US" sz="1600" b="1" dirty="0">
-                <a:solidFill>
-                  <a:schemeClr val="accent1"/>
-                </a:solidFill>
-                <a:latin typeface="Times New Roman" panose="02020603050405020304" pitchFamily="18" charset="0"/>
-                <a:ea typeface="PT Sans" panose="020B0503020203020204" pitchFamily="34" charset="0"/>
-                <a:cs typeface="Times New Roman" panose="02020603050405020304" pitchFamily="18" charset="0"/>
-              </a:rPr>
-              <a:t>Discussion</a:t>
-            </a:r>
-          </a:p>
-        </p:txBody>
-      </p:sp>
-      <p:sp>
-        <p:nvSpPr>
-          <p:cNvPr id="87" name="TextBox 86">
-            <a:extLst>
-              <a:ext uri="{FF2B5EF4-FFF2-40B4-BE49-F238E27FC236}">
-                <a16:creationId xmlns:a16="http://schemas.microsoft.com/office/drawing/2014/main" id="{3A2EDC80-94C1-4B79-8070-44E54FFCB3D9}"/>
-              </a:ext>
-            </a:extLst>
-          </p:cNvPr>
-          <p:cNvSpPr txBox="1"/>
-          <p:nvPr/>
-        </p:nvSpPr>
-        <p:spPr>
-          <a:xfrm>
-            <a:off x="6905059" y="3958385"/>
-            <a:ext cx="625203" cy="400110"/>
-          </a:xfrm>
-          <a:prstGeom prst="rect">
-            <a:avLst/>
-          </a:prstGeom>
-          <a:noFill/>
-        </p:spPr>
-        <p:txBody>
-          <a:bodyPr wrap="square" rtlCol="0">
-            <a:spAutoFit/>
-          </a:bodyPr>
-          <a:lstStyle/>
-          <a:p>
-            <a:pPr algn="ctr"/>
-            <a:r>
-              <a:rPr lang="en-US" sz="2000" b="1" dirty="0">
-                <a:solidFill>
-                  <a:schemeClr val="bg1"/>
-                </a:solidFill>
-                <a:latin typeface="Poppins Medium" panose="00000600000000000000" pitchFamily="2" charset="0"/>
-                <a:ea typeface="PT Sans" panose="020B0503020203020204" pitchFamily="34" charset="0"/>
-                <a:cs typeface="Poppins Medium" panose="00000600000000000000" pitchFamily="2" charset="0"/>
-              </a:rPr>
-              <a:t>05</a:t>
-            </a:r>
-          </a:p>
-        </p:txBody>
-      </p:sp>
-      <p:sp>
-        <p:nvSpPr>
-          <p:cNvPr id="3" name="投影片編號版面配置區 2">
-            <a:extLst>
-              <a:ext uri="{FF2B5EF4-FFF2-40B4-BE49-F238E27FC236}">
-                <a16:creationId xmlns:a16="http://schemas.microsoft.com/office/drawing/2014/main" id="{A2E61429-BD8E-413F-AE32-D4DA59C333C5}"/>
-              </a:ext>
-            </a:extLst>
-          </p:cNvPr>
-          <p:cNvSpPr>
-            <a:spLocks noGrp="1"/>
-          </p:cNvSpPr>
-          <p:nvPr>
-            <p:ph type="sldNum" sz="quarter" idx="4"/>
-          </p:nvPr>
-        </p:nvSpPr>
-        <p:spPr/>
-        <p:txBody>
-          <a:bodyPr/>
-          <a:lstStyle/>
-          <a:p>
-            <a:fld id="{A834D990-9988-440C-886B-EA25C6D802F9}" type="slidenum">
-              <a:rPr lang="zh-TW" altLang="en-US" smtClean="0"/>
-              <a:t>1</a:t>
-            </a:fld>
-            <a:endParaRPr lang="zh-TW" altLang="en-US"/>
-          </a:p>
-        </p:txBody>
-      </p:sp>
-    </p:spTree>
-    <p:extLst>
-      <p:ext uri="{BB962C8B-B14F-4D97-AF65-F5344CB8AC3E}">
-        <p14:creationId xmlns:p14="http://schemas.microsoft.com/office/powerpoint/2010/main" val="3690622521"/>
-      </p:ext>
-    </p:extLst>
-  </p:cSld>
-  <p:clrMapOvr>
-    <a:masterClrMapping/>
-  </p:clrMapOvr>
-</p:sld>
-</file>
-
-<file path=ppt/slides/slide20.xml><?xml version="1.0" encoding="utf-8"?>
+<file path=ppt/slides/slide18.xml><?xml version="1.0" encoding="utf-8"?>
 <p:sld xmlns:a="http://schemas.openxmlformats.org/drawingml/2006/main" xmlns:r="http://schemas.openxmlformats.org/officeDocument/2006/relationships" xmlns:p="http://schemas.openxmlformats.org/presentationml/2006/main">
   <p:cSld>
     <p:bg>
@@ -26160,7 +20813,7 @@
           <a:p>
             <a:fld id="{A834D990-9988-440C-886B-EA25C6D802F9}" type="slidenum">
               <a:rPr lang="zh-TW" altLang="en-US" smtClean="0"/>
-              <a:t>19</a:t>
+              <a:t>17</a:t>
             </a:fld>
             <a:endParaRPr lang="zh-TW" altLang="en-US"/>
           </a:p>
@@ -26179,7 +20832,7 @@
 </p:sld>
 </file>
 
-<file path=ppt/slides/slide21.xml><?xml version="1.0" encoding="utf-8"?>
+<file path=ppt/slides/slide19.xml><?xml version="1.0" encoding="utf-8"?>
 <p:sld xmlns:a="http://schemas.openxmlformats.org/drawingml/2006/main" xmlns:r="http://schemas.openxmlformats.org/officeDocument/2006/relationships" xmlns:p="http://schemas.openxmlformats.org/presentationml/2006/main">
   <p:cSld>
     <p:spTree>
@@ -26754,7 +21407,7 @@
           <a:p>
             <a:fld id="{A834D990-9988-440C-886B-EA25C6D802F9}" type="slidenum">
               <a:rPr lang="zh-TW" altLang="en-US" smtClean="0"/>
-              <a:t>20</a:t>
+              <a:t>18</a:t>
             </a:fld>
             <a:endParaRPr lang="zh-TW" altLang="en-US"/>
           </a:p>
@@ -26773,7 +21426,857 @@
 </p:sld>
 </file>
 
-<file path=ppt/slides/slide22.xml><?xml version="1.0" encoding="utf-8"?>
+<file path=ppt/slides/slide2.xml><?xml version="1.0" encoding="utf-8"?>
+<p:sld xmlns:a="http://schemas.openxmlformats.org/drawingml/2006/main" xmlns:r="http://schemas.openxmlformats.org/officeDocument/2006/relationships" xmlns:p="http://schemas.openxmlformats.org/presentationml/2006/main">
+  <p:cSld>
+    <p:bg>
+      <p:bgPr>
+        <a:solidFill>
+          <a:schemeClr val="bg1"/>
+        </a:solidFill>
+        <a:effectLst/>
+      </p:bgPr>
+    </p:bg>
+    <p:spTree>
+      <p:nvGrpSpPr>
+        <p:cNvPr id="1" name=""/>
+        <p:cNvGrpSpPr/>
+        <p:nvPr/>
+      </p:nvGrpSpPr>
+      <p:grpSpPr>
+        <a:xfrm>
+          <a:off x="0" y="0"/>
+          <a:ext cx="0" cy="0"/>
+          <a:chOff x="0" y="0"/>
+          <a:chExt cx="0" cy="0"/>
+        </a:xfrm>
+      </p:grpSpPr>
+      <p:sp>
+        <p:nvSpPr>
+          <p:cNvPr id="16" name="TextBox 15">
+            <a:extLst>
+              <a:ext uri="{FF2B5EF4-FFF2-40B4-BE49-F238E27FC236}">
+                <a16:creationId xmlns:a16="http://schemas.microsoft.com/office/drawing/2014/main" id="{2232948C-66D2-42FC-B019-0ED45E9F11A6}"/>
+              </a:ext>
+            </a:extLst>
+          </p:cNvPr>
+          <p:cNvSpPr txBox="1"/>
+          <p:nvPr/>
+        </p:nvSpPr>
+        <p:spPr>
+          <a:xfrm>
+            <a:off x="698500" y="489419"/>
+            <a:ext cx="5740400" cy="646331"/>
+          </a:xfrm>
+          <a:prstGeom prst="rect">
+            <a:avLst/>
+          </a:prstGeom>
+          <a:noFill/>
+        </p:spPr>
+        <p:txBody>
+          <a:bodyPr wrap="square" rtlCol="0">
+            <a:spAutoFit/>
+          </a:bodyPr>
+          <a:lstStyle/>
+          <a:p>
+            <a:r>
+              <a:rPr lang="en-US" sz="3600" b="1" dirty="0">
+                <a:solidFill>
+                  <a:schemeClr val="tx1">
+                    <a:lumMod val="65000"/>
+                    <a:lumOff val="35000"/>
+                  </a:schemeClr>
+                </a:solidFill>
+                <a:effectLst>
+                  <a:outerShdw blurRad="38100" dist="38100" dir="2700000" algn="tl">
+                    <a:srgbClr val="000000">
+                      <a:alpha val="43137"/>
+                    </a:srgbClr>
+                  </a:outerShdw>
+                </a:effectLst>
+                <a:latin typeface="Times New Roman" panose="02020603050405020304" pitchFamily="18" charset="0"/>
+                <a:cs typeface="Times New Roman" panose="02020603050405020304" pitchFamily="18" charset="0"/>
+              </a:rPr>
+              <a:t>Outline</a:t>
+            </a:r>
+          </a:p>
+        </p:txBody>
+      </p:sp>
+      <p:sp>
+        <p:nvSpPr>
+          <p:cNvPr id="18" name="TextBox 17">
+            <a:extLst>
+              <a:ext uri="{FF2B5EF4-FFF2-40B4-BE49-F238E27FC236}">
+                <a16:creationId xmlns:a16="http://schemas.microsoft.com/office/drawing/2014/main" id="{1B67F422-2E48-44A4-BD85-589B5568B37D}"/>
+              </a:ext>
+            </a:extLst>
+          </p:cNvPr>
+          <p:cNvSpPr txBox="1"/>
+          <p:nvPr/>
+        </p:nvSpPr>
+        <p:spPr>
+          <a:xfrm>
+            <a:off x="698500" y="1163915"/>
+            <a:ext cx="6071805" cy="338554"/>
+          </a:xfrm>
+          <a:prstGeom prst="rect">
+            <a:avLst/>
+          </a:prstGeom>
+          <a:noFill/>
+        </p:spPr>
+        <p:txBody>
+          <a:bodyPr wrap="square" rtlCol="0">
+            <a:spAutoFit/>
+          </a:bodyPr>
+          <a:lstStyle/>
+          <a:p>
+            <a:r>
+              <a:rPr lang="en-US" sz="1600" b="1" dirty="0">
+                <a:solidFill>
+                  <a:schemeClr val="accent1"/>
+                </a:solidFill>
+                <a:latin typeface="Times New Roman" panose="02020603050405020304" pitchFamily="18" charset="0"/>
+                <a:ea typeface="PT Sans" panose="020B0503020203020204" pitchFamily="34" charset="0"/>
+                <a:cs typeface="Times New Roman" panose="02020603050405020304" pitchFamily="18" charset="0"/>
+              </a:rPr>
+              <a:t>Analysis of Poisson frequency data under a simple crossover trial</a:t>
+            </a:r>
+          </a:p>
+        </p:txBody>
+      </p:sp>
+      <p:sp>
+        <p:nvSpPr>
+          <p:cNvPr id="8" name="Oval 7">
+            <a:extLst>
+              <a:ext uri="{FF2B5EF4-FFF2-40B4-BE49-F238E27FC236}">
+                <a16:creationId xmlns:a16="http://schemas.microsoft.com/office/drawing/2014/main" id="{C067ACF7-8CA8-4F3F-8CC4-D760A7FE2CD4}"/>
+              </a:ext>
+            </a:extLst>
+          </p:cNvPr>
+          <p:cNvSpPr/>
+          <p:nvPr/>
+        </p:nvSpPr>
+        <p:spPr>
+          <a:xfrm>
+            <a:off x="1351676" y="2641677"/>
+            <a:ext cx="522514" cy="522514"/>
+          </a:xfrm>
+          <a:prstGeom prst="ellipse">
+            <a:avLst/>
+          </a:prstGeom>
+          <a:solidFill>
+            <a:schemeClr val="accent1"/>
+          </a:solidFill>
+          <a:ln>
+            <a:noFill/>
+          </a:ln>
+        </p:spPr>
+        <p:style>
+          <a:lnRef idx="2">
+            <a:schemeClr val="accent1">
+              <a:shade val="50000"/>
+            </a:schemeClr>
+          </a:lnRef>
+          <a:fillRef idx="1">
+            <a:schemeClr val="accent1"/>
+          </a:fillRef>
+          <a:effectRef idx="0">
+            <a:schemeClr val="accent1"/>
+          </a:effectRef>
+          <a:fontRef idx="minor">
+            <a:schemeClr val="lt1"/>
+          </a:fontRef>
+        </p:style>
+        <p:txBody>
+          <a:bodyPr rtlCol="0" anchor="ctr"/>
+          <a:lstStyle/>
+          <a:p>
+            <a:pPr algn="ctr"/>
+            <a:endParaRPr lang="en-US"/>
+          </a:p>
+        </p:txBody>
+      </p:sp>
+      <p:sp>
+        <p:nvSpPr>
+          <p:cNvPr id="43" name="TextBox 42">
+            <a:extLst>
+              <a:ext uri="{FF2B5EF4-FFF2-40B4-BE49-F238E27FC236}">
+                <a16:creationId xmlns:a16="http://schemas.microsoft.com/office/drawing/2014/main" id="{8F883939-5FF7-4767-9BA7-CA5BF5A34D9D}"/>
+              </a:ext>
+            </a:extLst>
+          </p:cNvPr>
+          <p:cNvSpPr txBox="1"/>
+          <p:nvPr/>
+        </p:nvSpPr>
+        <p:spPr>
+          <a:xfrm>
+            <a:off x="2006579" y="2766579"/>
+            <a:ext cx="3363773" cy="338554"/>
+          </a:xfrm>
+          <a:prstGeom prst="rect">
+            <a:avLst/>
+          </a:prstGeom>
+          <a:noFill/>
+        </p:spPr>
+        <p:txBody>
+          <a:bodyPr wrap="square" rtlCol="0">
+            <a:spAutoFit/>
+          </a:bodyPr>
+          <a:lstStyle/>
+          <a:p>
+            <a:r>
+              <a:rPr lang="en-US" altLang="zh-TW" sz="1600" b="1" dirty="0">
+                <a:solidFill>
+                  <a:schemeClr val="accent1"/>
+                </a:solidFill>
+                <a:latin typeface="Times New Roman" panose="02020603050405020304" pitchFamily="18" charset="0"/>
+                <a:ea typeface="PT Sans" panose="020B0503020203020204" pitchFamily="34" charset="0"/>
+                <a:cs typeface="Times New Roman" panose="02020603050405020304" pitchFamily="18" charset="0"/>
+              </a:rPr>
+              <a:t>Introduction</a:t>
+            </a:r>
+            <a:endParaRPr lang="en-US" sz="1600" b="1" dirty="0">
+              <a:solidFill>
+                <a:schemeClr val="accent1"/>
+              </a:solidFill>
+              <a:latin typeface="Times New Roman" panose="02020603050405020304" pitchFamily="18" charset="0"/>
+              <a:ea typeface="PT Sans" panose="020B0503020203020204" pitchFamily="34" charset="0"/>
+              <a:cs typeface="Times New Roman" panose="02020603050405020304" pitchFamily="18" charset="0"/>
+            </a:endParaRPr>
+          </a:p>
+        </p:txBody>
+      </p:sp>
+      <p:sp>
+        <p:nvSpPr>
+          <p:cNvPr id="44" name="TextBox 43">
+            <a:extLst>
+              <a:ext uri="{FF2B5EF4-FFF2-40B4-BE49-F238E27FC236}">
+                <a16:creationId xmlns:a16="http://schemas.microsoft.com/office/drawing/2014/main" id="{A4511203-B797-4D60-B9E4-1C3CF58F6E1D}"/>
+              </a:ext>
+            </a:extLst>
+          </p:cNvPr>
+          <p:cNvSpPr txBox="1"/>
+          <p:nvPr/>
+        </p:nvSpPr>
+        <p:spPr>
+          <a:xfrm>
+            <a:off x="1300332" y="2718198"/>
+            <a:ext cx="625203" cy="400110"/>
+          </a:xfrm>
+          <a:prstGeom prst="rect">
+            <a:avLst/>
+          </a:prstGeom>
+          <a:noFill/>
+        </p:spPr>
+        <p:txBody>
+          <a:bodyPr wrap="square" rtlCol="0">
+            <a:spAutoFit/>
+          </a:bodyPr>
+          <a:lstStyle/>
+          <a:p>
+            <a:pPr algn="ctr"/>
+            <a:r>
+              <a:rPr lang="en-US" sz="2000" b="1" dirty="0">
+                <a:solidFill>
+                  <a:schemeClr val="bg1"/>
+                </a:solidFill>
+                <a:latin typeface="Poppins Medium" panose="00000600000000000000" pitchFamily="2" charset="0"/>
+                <a:ea typeface="PT Sans" panose="020B0503020203020204" pitchFamily="34" charset="0"/>
+                <a:cs typeface="Poppins Medium" panose="00000600000000000000" pitchFamily="2" charset="0"/>
+              </a:rPr>
+              <a:t>01</a:t>
+            </a:r>
+          </a:p>
+        </p:txBody>
+      </p:sp>
+      <p:sp>
+        <p:nvSpPr>
+          <p:cNvPr id="47" name="Oval 46">
+            <a:extLst>
+              <a:ext uri="{FF2B5EF4-FFF2-40B4-BE49-F238E27FC236}">
+                <a16:creationId xmlns:a16="http://schemas.microsoft.com/office/drawing/2014/main" id="{ADC4F8A7-01CE-4E51-9A67-66C90F2778FE}"/>
+              </a:ext>
+            </a:extLst>
+          </p:cNvPr>
+          <p:cNvSpPr/>
+          <p:nvPr/>
+        </p:nvSpPr>
+        <p:spPr>
+          <a:xfrm>
+            <a:off x="1351676" y="3881864"/>
+            <a:ext cx="522514" cy="522514"/>
+          </a:xfrm>
+          <a:prstGeom prst="ellipse">
+            <a:avLst/>
+          </a:prstGeom>
+          <a:solidFill>
+            <a:schemeClr val="accent2"/>
+          </a:solidFill>
+          <a:ln>
+            <a:noFill/>
+          </a:ln>
+        </p:spPr>
+        <p:style>
+          <a:lnRef idx="2">
+            <a:schemeClr val="accent1">
+              <a:shade val="50000"/>
+            </a:schemeClr>
+          </a:lnRef>
+          <a:fillRef idx="1">
+            <a:schemeClr val="accent1"/>
+          </a:fillRef>
+          <a:effectRef idx="0">
+            <a:schemeClr val="accent1"/>
+          </a:effectRef>
+          <a:fontRef idx="minor">
+            <a:schemeClr val="lt1"/>
+          </a:fontRef>
+        </p:style>
+        <p:txBody>
+          <a:bodyPr rtlCol="0" anchor="ctr"/>
+          <a:lstStyle/>
+          <a:p>
+            <a:pPr algn="ctr"/>
+            <a:endParaRPr lang="en-US"/>
+          </a:p>
+        </p:txBody>
+      </p:sp>
+      <p:sp>
+        <p:nvSpPr>
+          <p:cNvPr id="49" name="TextBox 48">
+            <a:extLst>
+              <a:ext uri="{FF2B5EF4-FFF2-40B4-BE49-F238E27FC236}">
+                <a16:creationId xmlns:a16="http://schemas.microsoft.com/office/drawing/2014/main" id="{DABCE7C2-12CE-4D1C-8966-BD98B633E6D3}"/>
+              </a:ext>
+            </a:extLst>
+          </p:cNvPr>
+          <p:cNvSpPr txBox="1"/>
+          <p:nvPr/>
+        </p:nvSpPr>
+        <p:spPr>
+          <a:xfrm>
+            <a:off x="1994891" y="3989163"/>
+            <a:ext cx="4712381" cy="338554"/>
+          </a:xfrm>
+          <a:prstGeom prst="rect">
+            <a:avLst/>
+          </a:prstGeom>
+          <a:noFill/>
+        </p:spPr>
+        <p:txBody>
+          <a:bodyPr wrap="square" rtlCol="0">
+            <a:spAutoFit/>
+          </a:bodyPr>
+          <a:lstStyle/>
+          <a:p>
+            <a:r>
+              <a:rPr lang="en-US" sz="1600" b="1" dirty="0">
+                <a:solidFill>
+                  <a:schemeClr val="accent2"/>
+                </a:solidFill>
+                <a:latin typeface="Times New Roman" panose="02020603050405020304" pitchFamily="18" charset="0"/>
+                <a:ea typeface="PT Sans" panose="020B0503020203020204" pitchFamily="34" charset="0"/>
+                <a:cs typeface="Times New Roman" panose="02020603050405020304" pitchFamily="18" charset="0"/>
+              </a:rPr>
+              <a:t>Notation, model assumption and methods</a:t>
+            </a:r>
+          </a:p>
+        </p:txBody>
+      </p:sp>
+      <p:sp>
+        <p:nvSpPr>
+          <p:cNvPr id="50" name="TextBox 49">
+            <a:extLst>
+              <a:ext uri="{FF2B5EF4-FFF2-40B4-BE49-F238E27FC236}">
+                <a16:creationId xmlns:a16="http://schemas.microsoft.com/office/drawing/2014/main" id="{A62812E5-4A14-4629-BD67-717A73264482}"/>
+              </a:ext>
+            </a:extLst>
+          </p:cNvPr>
+          <p:cNvSpPr txBox="1"/>
+          <p:nvPr/>
+        </p:nvSpPr>
+        <p:spPr>
+          <a:xfrm>
+            <a:off x="1300332" y="3958385"/>
+            <a:ext cx="625203" cy="400110"/>
+          </a:xfrm>
+          <a:prstGeom prst="rect">
+            <a:avLst/>
+          </a:prstGeom>
+          <a:noFill/>
+        </p:spPr>
+        <p:txBody>
+          <a:bodyPr wrap="square" rtlCol="0">
+            <a:spAutoFit/>
+          </a:bodyPr>
+          <a:lstStyle/>
+          <a:p>
+            <a:pPr algn="ctr"/>
+            <a:r>
+              <a:rPr lang="en-US" sz="2000" b="1" dirty="0">
+                <a:solidFill>
+                  <a:schemeClr val="bg1"/>
+                </a:solidFill>
+                <a:latin typeface="Poppins Medium" panose="00000600000000000000" pitchFamily="2" charset="0"/>
+                <a:ea typeface="PT Sans" panose="020B0503020203020204" pitchFamily="34" charset="0"/>
+                <a:cs typeface="Poppins Medium" panose="00000600000000000000" pitchFamily="2" charset="0"/>
+              </a:rPr>
+              <a:t>02</a:t>
+            </a:r>
+          </a:p>
+        </p:txBody>
+      </p:sp>
+      <p:sp>
+        <p:nvSpPr>
+          <p:cNvPr id="61" name="Oval 60">
+            <a:extLst>
+              <a:ext uri="{FF2B5EF4-FFF2-40B4-BE49-F238E27FC236}">
+                <a16:creationId xmlns:a16="http://schemas.microsoft.com/office/drawing/2014/main" id="{F3920C9D-5099-4322-8C6B-E092EC862472}"/>
+              </a:ext>
+            </a:extLst>
+          </p:cNvPr>
+          <p:cNvSpPr/>
+          <p:nvPr/>
+        </p:nvSpPr>
+        <p:spPr>
+          <a:xfrm>
+            <a:off x="1351676" y="5122050"/>
+            <a:ext cx="522514" cy="522514"/>
+          </a:xfrm>
+          <a:prstGeom prst="ellipse">
+            <a:avLst/>
+          </a:prstGeom>
+          <a:solidFill>
+            <a:schemeClr val="accent4"/>
+          </a:solidFill>
+          <a:ln>
+            <a:noFill/>
+          </a:ln>
+        </p:spPr>
+        <p:style>
+          <a:lnRef idx="2">
+            <a:schemeClr val="accent1">
+              <a:shade val="50000"/>
+            </a:schemeClr>
+          </a:lnRef>
+          <a:fillRef idx="1">
+            <a:schemeClr val="accent1"/>
+          </a:fillRef>
+          <a:effectRef idx="0">
+            <a:schemeClr val="accent1"/>
+          </a:effectRef>
+          <a:fontRef idx="minor">
+            <a:schemeClr val="lt1"/>
+          </a:fontRef>
+        </p:style>
+        <p:txBody>
+          <a:bodyPr rtlCol="0" anchor="ctr"/>
+          <a:lstStyle/>
+          <a:p>
+            <a:pPr algn="ctr"/>
+            <a:endParaRPr lang="en-US"/>
+          </a:p>
+        </p:txBody>
+      </p:sp>
+      <p:sp>
+        <p:nvSpPr>
+          <p:cNvPr id="65" name="TextBox 64">
+            <a:extLst>
+              <a:ext uri="{FF2B5EF4-FFF2-40B4-BE49-F238E27FC236}">
+                <a16:creationId xmlns:a16="http://schemas.microsoft.com/office/drawing/2014/main" id="{2DD26539-FCAC-4DCD-B219-BA13D089AD30}"/>
+              </a:ext>
+            </a:extLst>
+          </p:cNvPr>
+          <p:cNvSpPr txBox="1"/>
+          <p:nvPr/>
+        </p:nvSpPr>
+        <p:spPr>
+          <a:xfrm>
+            <a:off x="2006579" y="5253273"/>
+            <a:ext cx="4089421" cy="338554"/>
+          </a:xfrm>
+          <a:prstGeom prst="rect">
+            <a:avLst/>
+          </a:prstGeom>
+          <a:noFill/>
+        </p:spPr>
+        <p:txBody>
+          <a:bodyPr wrap="square" rtlCol="0">
+            <a:spAutoFit/>
+          </a:bodyPr>
+          <a:lstStyle/>
+          <a:p>
+            <a:r>
+              <a:rPr lang="en-US" sz="1600" b="1" dirty="0">
+                <a:solidFill>
+                  <a:schemeClr val="accent4"/>
+                </a:solidFill>
+                <a:latin typeface="Times New Roman" panose="02020603050405020304" pitchFamily="18" charset="0"/>
+                <a:ea typeface="PT Sans" panose="020B0503020203020204" pitchFamily="34" charset="0"/>
+                <a:cs typeface="Times New Roman" panose="02020603050405020304" pitchFamily="18" charset="0"/>
+              </a:rPr>
+              <a:t>Monte Carlo Simulation and Result</a:t>
+            </a:r>
+          </a:p>
+        </p:txBody>
+      </p:sp>
+      <p:sp>
+        <p:nvSpPr>
+          <p:cNvPr id="66" name="TextBox 65">
+            <a:extLst>
+              <a:ext uri="{FF2B5EF4-FFF2-40B4-BE49-F238E27FC236}">
+                <a16:creationId xmlns:a16="http://schemas.microsoft.com/office/drawing/2014/main" id="{F1A6FCBE-996E-45A9-951D-5C9E54914D00}"/>
+              </a:ext>
+            </a:extLst>
+          </p:cNvPr>
+          <p:cNvSpPr txBox="1"/>
+          <p:nvPr/>
+        </p:nvSpPr>
+        <p:spPr>
+          <a:xfrm>
+            <a:off x="1300332" y="5198571"/>
+            <a:ext cx="625203" cy="400110"/>
+          </a:xfrm>
+          <a:prstGeom prst="rect">
+            <a:avLst/>
+          </a:prstGeom>
+          <a:noFill/>
+        </p:spPr>
+        <p:txBody>
+          <a:bodyPr wrap="square" rtlCol="0">
+            <a:spAutoFit/>
+          </a:bodyPr>
+          <a:lstStyle/>
+          <a:p>
+            <a:pPr algn="ctr"/>
+            <a:r>
+              <a:rPr lang="en-US" sz="2000" b="1" dirty="0">
+                <a:solidFill>
+                  <a:schemeClr val="bg1"/>
+                </a:solidFill>
+                <a:latin typeface="Poppins Medium" panose="00000600000000000000" pitchFamily="2" charset="0"/>
+                <a:ea typeface="PT Sans" panose="020B0503020203020204" pitchFamily="34" charset="0"/>
+                <a:cs typeface="Poppins Medium" panose="00000600000000000000" pitchFamily="2" charset="0"/>
+              </a:rPr>
+              <a:t>03</a:t>
+            </a:r>
+          </a:p>
+        </p:txBody>
+      </p:sp>
+      <p:sp>
+        <p:nvSpPr>
+          <p:cNvPr id="68" name="Oval 67">
+            <a:extLst>
+              <a:ext uri="{FF2B5EF4-FFF2-40B4-BE49-F238E27FC236}">
+                <a16:creationId xmlns:a16="http://schemas.microsoft.com/office/drawing/2014/main" id="{E32856C6-90A1-43D1-AF66-D85811E478F8}"/>
+              </a:ext>
+            </a:extLst>
+          </p:cNvPr>
+          <p:cNvSpPr/>
+          <p:nvPr/>
+        </p:nvSpPr>
+        <p:spPr>
+          <a:xfrm>
+            <a:off x="6956403" y="2641677"/>
+            <a:ext cx="522514" cy="522514"/>
+          </a:xfrm>
+          <a:prstGeom prst="ellipse">
+            <a:avLst/>
+          </a:prstGeom>
+          <a:solidFill>
+            <a:schemeClr val="accent2"/>
+          </a:solidFill>
+          <a:ln>
+            <a:noFill/>
+          </a:ln>
+        </p:spPr>
+        <p:style>
+          <a:lnRef idx="2">
+            <a:schemeClr val="accent1">
+              <a:shade val="50000"/>
+            </a:schemeClr>
+          </a:lnRef>
+          <a:fillRef idx="1">
+            <a:schemeClr val="accent1"/>
+          </a:fillRef>
+          <a:effectRef idx="0">
+            <a:schemeClr val="accent1"/>
+          </a:effectRef>
+          <a:fontRef idx="minor">
+            <a:schemeClr val="lt1"/>
+          </a:fontRef>
+        </p:style>
+        <p:txBody>
+          <a:bodyPr rtlCol="0" anchor="ctr"/>
+          <a:lstStyle/>
+          <a:p>
+            <a:pPr algn="ctr"/>
+            <a:endParaRPr lang="en-US"/>
+          </a:p>
+        </p:txBody>
+      </p:sp>
+      <p:sp>
+        <p:nvSpPr>
+          <p:cNvPr id="74" name="TextBox 73">
+            <a:extLst>
+              <a:ext uri="{FF2B5EF4-FFF2-40B4-BE49-F238E27FC236}">
+                <a16:creationId xmlns:a16="http://schemas.microsoft.com/office/drawing/2014/main" id="{0E30C0A4-2ECB-490B-9F0E-A927C0943B1D}"/>
+              </a:ext>
+            </a:extLst>
+          </p:cNvPr>
+          <p:cNvSpPr txBox="1"/>
+          <p:nvPr/>
+        </p:nvSpPr>
+        <p:spPr>
+          <a:xfrm>
+            <a:off x="7611306" y="2718198"/>
+            <a:ext cx="2211553" cy="338554"/>
+          </a:xfrm>
+          <a:prstGeom prst="rect">
+            <a:avLst/>
+          </a:prstGeom>
+          <a:noFill/>
+        </p:spPr>
+        <p:txBody>
+          <a:bodyPr wrap="square" rtlCol="0">
+            <a:spAutoFit/>
+          </a:bodyPr>
+          <a:lstStyle/>
+          <a:p>
+            <a:r>
+              <a:rPr lang="en-US" sz="1600" b="1" dirty="0">
+                <a:solidFill>
+                  <a:schemeClr val="accent2"/>
+                </a:solidFill>
+                <a:latin typeface="Times New Roman" panose="02020603050405020304" pitchFamily="18" charset="0"/>
+                <a:ea typeface="PT Sans" panose="020B0503020203020204" pitchFamily="34" charset="0"/>
+                <a:cs typeface="Times New Roman" panose="02020603050405020304" pitchFamily="18" charset="0"/>
+              </a:rPr>
+              <a:t>Example</a:t>
+            </a:r>
+          </a:p>
+        </p:txBody>
+      </p:sp>
+      <p:sp>
+        <p:nvSpPr>
+          <p:cNvPr id="82" name="TextBox 81">
+            <a:extLst>
+              <a:ext uri="{FF2B5EF4-FFF2-40B4-BE49-F238E27FC236}">
+                <a16:creationId xmlns:a16="http://schemas.microsoft.com/office/drawing/2014/main" id="{13625D08-9245-4FE3-9CD3-D20E4D187497}"/>
+              </a:ext>
+            </a:extLst>
+          </p:cNvPr>
+          <p:cNvSpPr txBox="1"/>
+          <p:nvPr/>
+        </p:nvSpPr>
+        <p:spPr>
+          <a:xfrm>
+            <a:off x="6905059" y="2718198"/>
+            <a:ext cx="625203" cy="400110"/>
+          </a:xfrm>
+          <a:prstGeom prst="rect">
+            <a:avLst/>
+          </a:prstGeom>
+          <a:noFill/>
+        </p:spPr>
+        <p:txBody>
+          <a:bodyPr wrap="square" rtlCol="0">
+            <a:spAutoFit/>
+          </a:bodyPr>
+          <a:lstStyle/>
+          <a:p>
+            <a:pPr algn="ctr"/>
+            <a:r>
+              <a:rPr lang="en-US" sz="2000" b="1" dirty="0">
+                <a:solidFill>
+                  <a:schemeClr val="bg1"/>
+                </a:solidFill>
+                <a:latin typeface="Poppins Medium" panose="00000600000000000000" pitchFamily="2" charset="0"/>
+                <a:ea typeface="PT Sans" panose="020B0503020203020204" pitchFamily="34" charset="0"/>
+                <a:cs typeface="Poppins Medium" panose="00000600000000000000" pitchFamily="2" charset="0"/>
+              </a:rPr>
+              <a:t>04</a:t>
+            </a:r>
+          </a:p>
+        </p:txBody>
+      </p:sp>
+      <p:sp>
+        <p:nvSpPr>
+          <p:cNvPr id="84" name="Oval 83">
+            <a:extLst>
+              <a:ext uri="{FF2B5EF4-FFF2-40B4-BE49-F238E27FC236}">
+                <a16:creationId xmlns:a16="http://schemas.microsoft.com/office/drawing/2014/main" id="{AB344943-C69B-4038-869E-73F5AD180374}"/>
+              </a:ext>
+            </a:extLst>
+          </p:cNvPr>
+          <p:cNvSpPr/>
+          <p:nvPr/>
+        </p:nvSpPr>
+        <p:spPr>
+          <a:xfrm>
+            <a:off x="6956403" y="3881864"/>
+            <a:ext cx="522514" cy="522514"/>
+          </a:xfrm>
+          <a:prstGeom prst="ellipse">
+            <a:avLst/>
+          </a:prstGeom>
+          <a:ln>
+            <a:noFill/>
+          </a:ln>
+        </p:spPr>
+        <p:style>
+          <a:lnRef idx="2">
+            <a:schemeClr val="accent1">
+              <a:shade val="50000"/>
+            </a:schemeClr>
+          </a:lnRef>
+          <a:fillRef idx="1">
+            <a:schemeClr val="accent1"/>
+          </a:fillRef>
+          <a:effectRef idx="0">
+            <a:schemeClr val="accent1"/>
+          </a:effectRef>
+          <a:fontRef idx="minor">
+            <a:schemeClr val="lt1"/>
+          </a:fontRef>
+        </p:style>
+        <p:txBody>
+          <a:bodyPr rtlCol="0" anchor="ctr"/>
+          <a:lstStyle/>
+          <a:p>
+            <a:pPr algn="ctr"/>
+            <a:endParaRPr lang="en-US"/>
+          </a:p>
+        </p:txBody>
+      </p:sp>
+      <p:sp>
+        <p:nvSpPr>
+          <p:cNvPr id="86" name="TextBox 85">
+            <a:extLst>
+              <a:ext uri="{FF2B5EF4-FFF2-40B4-BE49-F238E27FC236}">
+                <a16:creationId xmlns:a16="http://schemas.microsoft.com/office/drawing/2014/main" id="{9FE83AC9-F85F-4036-81BE-EC0501D9A7B3}"/>
+              </a:ext>
+            </a:extLst>
+          </p:cNvPr>
+          <p:cNvSpPr txBox="1"/>
+          <p:nvPr/>
+        </p:nvSpPr>
+        <p:spPr>
+          <a:xfrm>
+            <a:off x="7611305" y="3989163"/>
+            <a:ext cx="2211553" cy="338554"/>
+          </a:xfrm>
+          <a:prstGeom prst="rect">
+            <a:avLst/>
+          </a:prstGeom>
+          <a:noFill/>
+        </p:spPr>
+        <p:txBody>
+          <a:bodyPr wrap="square" rtlCol="0">
+            <a:spAutoFit/>
+          </a:bodyPr>
+          <a:lstStyle/>
+          <a:p>
+            <a:r>
+              <a:rPr lang="en-US" sz="1600" b="1" dirty="0">
+                <a:solidFill>
+                  <a:schemeClr val="accent1"/>
+                </a:solidFill>
+                <a:latin typeface="Times New Roman" panose="02020603050405020304" pitchFamily="18" charset="0"/>
+                <a:ea typeface="PT Sans" panose="020B0503020203020204" pitchFamily="34" charset="0"/>
+                <a:cs typeface="Times New Roman" panose="02020603050405020304" pitchFamily="18" charset="0"/>
+              </a:rPr>
+              <a:t>Discussion</a:t>
+            </a:r>
+          </a:p>
+        </p:txBody>
+      </p:sp>
+      <p:sp>
+        <p:nvSpPr>
+          <p:cNvPr id="87" name="TextBox 86">
+            <a:extLst>
+              <a:ext uri="{FF2B5EF4-FFF2-40B4-BE49-F238E27FC236}">
+                <a16:creationId xmlns:a16="http://schemas.microsoft.com/office/drawing/2014/main" id="{3A2EDC80-94C1-4B79-8070-44E54FFCB3D9}"/>
+              </a:ext>
+            </a:extLst>
+          </p:cNvPr>
+          <p:cNvSpPr txBox="1"/>
+          <p:nvPr/>
+        </p:nvSpPr>
+        <p:spPr>
+          <a:xfrm>
+            <a:off x="6905059" y="3958385"/>
+            <a:ext cx="625203" cy="400110"/>
+          </a:xfrm>
+          <a:prstGeom prst="rect">
+            <a:avLst/>
+          </a:prstGeom>
+          <a:noFill/>
+        </p:spPr>
+        <p:txBody>
+          <a:bodyPr wrap="square" rtlCol="0">
+            <a:spAutoFit/>
+          </a:bodyPr>
+          <a:lstStyle/>
+          <a:p>
+            <a:pPr algn="ctr"/>
+            <a:r>
+              <a:rPr lang="en-US" sz="2000" b="1" dirty="0">
+                <a:solidFill>
+                  <a:schemeClr val="bg1"/>
+                </a:solidFill>
+                <a:latin typeface="Poppins Medium" panose="00000600000000000000" pitchFamily="2" charset="0"/>
+                <a:ea typeface="PT Sans" panose="020B0503020203020204" pitchFamily="34" charset="0"/>
+                <a:cs typeface="Poppins Medium" panose="00000600000000000000" pitchFamily="2" charset="0"/>
+              </a:rPr>
+              <a:t>05</a:t>
+            </a:r>
+          </a:p>
+        </p:txBody>
+      </p:sp>
+      <p:sp>
+        <p:nvSpPr>
+          <p:cNvPr id="3" name="投影片編號版面配置區 2">
+            <a:extLst>
+              <a:ext uri="{FF2B5EF4-FFF2-40B4-BE49-F238E27FC236}">
+                <a16:creationId xmlns:a16="http://schemas.microsoft.com/office/drawing/2014/main" id="{A2E61429-BD8E-413F-AE32-D4DA59C333C5}"/>
+              </a:ext>
+            </a:extLst>
+          </p:cNvPr>
+          <p:cNvSpPr>
+            <a:spLocks noGrp="1"/>
+          </p:cNvSpPr>
+          <p:nvPr>
+            <p:ph type="sldNum" sz="quarter" idx="4"/>
+          </p:nvPr>
+        </p:nvSpPr>
+        <p:spPr/>
+        <p:txBody>
+          <a:bodyPr/>
+          <a:lstStyle/>
+          <a:p>
+            <a:fld id="{A834D990-9988-440C-886B-EA25C6D802F9}" type="slidenum">
+              <a:rPr lang="zh-TW" altLang="en-US" smtClean="0"/>
+              <a:t>1</a:t>
+            </a:fld>
+            <a:endParaRPr lang="zh-TW" altLang="en-US"/>
+          </a:p>
+        </p:txBody>
+      </p:sp>
+    </p:spTree>
+    <p:extLst>
+      <p:ext uri="{BB962C8B-B14F-4D97-AF65-F5344CB8AC3E}">
+        <p14:creationId xmlns:p14="http://schemas.microsoft.com/office/powerpoint/2010/main" val="3690622521"/>
+      </p:ext>
+    </p:extLst>
+  </p:cSld>
+  <p:clrMapOvr>
+    <a:masterClrMapping/>
+  </p:clrMapOvr>
+</p:sld>
+</file>
+
+<file path=ppt/slides/slide20.xml><?xml version="1.0" encoding="utf-8"?>
 <p:sld xmlns:a="http://schemas.openxmlformats.org/drawingml/2006/main" xmlns:r="http://schemas.openxmlformats.org/officeDocument/2006/relationships" xmlns:p="http://schemas.openxmlformats.org/presentationml/2006/main">
   <p:cSld>
     <p:spTree>
@@ -27890,7 +23393,7 @@
           <a:p>
             <a:fld id="{A834D990-9988-440C-886B-EA25C6D802F9}" type="slidenum">
               <a:rPr lang="zh-TW" altLang="en-US" smtClean="0"/>
-              <a:t>21</a:t>
+              <a:t>19</a:t>
             </a:fld>
             <a:endParaRPr lang="zh-TW" altLang="en-US"/>
           </a:p>
@@ -27909,7 +23412,7 @@
 </p:sld>
 </file>
 
-<file path=ppt/slides/slide23.xml><?xml version="1.0" encoding="utf-8"?>
+<file path=ppt/slides/slide21.xml><?xml version="1.0" encoding="utf-8"?>
 <p:sld xmlns:a="http://schemas.openxmlformats.org/drawingml/2006/main" xmlns:r="http://schemas.openxmlformats.org/officeDocument/2006/relationships" xmlns:p="http://schemas.openxmlformats.org/presentationml/2006/main">
   <p:cSld>
     <p:spTree>
@@ -28415,7 +23918,7 @@
           <a:p>
             <a:fld id="{A834D990-9988-440C-886B-EA25C6D802F9}" type="slidenum">
               <a:rPr lang="zh-TW" altLang="en-US" smtClean="0"/>
-              <a:t>22</a:t>
+              <a:t>20</a:t>
             </a:fld>
             <a:endParaRPr lang="zh-TW" altLang="en-US"/>
           </a:p>
@@ -28434,7 +23937,7 @@
 </p:sld>
 </file>
 
-<file path=ppt/slides/slide24.xml><?xml version="1.0" encoding="utf-8"?>
+<file path=ppt/slides/slide22.xml><?xml version="1.0" encoding="utf-8"?>
 <p:sld xmlns:a="http://schemas.openxmlformats.org/drawingml/2006/main" xmlns:r="http://schemas.openxmlformats.org/officeDocument/2006/relationships" xmlns:p="http://schemas.openxmlformats.org/presentationml/2006/main">
   <p:cSld>
     <p:spTree>
@@ -29009,7 +24512,7 @@
           <a:p>
             <a:fld id="{A834D990-9988-440C-886B-EA25C6D802F9}" type="slidenum">
               <a:rPr lang="zh-TW" altLang="en-US" smtClean="0"/>
-              <a:t>23</a:t>
+              <a:t>21</a:t>
             </a:fld>
             <a:endParaRPr lang="zh-TW" altLang="en-US"/>
           </a:p>
@@ -29028,7 +24531,7 @@
 </p:sld>
 </file>
 
-<file path=ppt/slides/slide25.xml><?xml version="1.0" encoding="utf-8"?>
+<file path=ppt/slides/slide23.xml><?xml version="1.0" encoding="utf-8"?>
 <p:sld xmlns:a="http://schemas.openxmlformats.org/drawingml/2006/main" xmlns:r="http://schemas.openxmlformats.org/officeDocument/2006/relationships" xmlns:p="http://schemas.openxmlformats.org/presentationml/2006/main">
   <p:cSld>
     <p:spTree>
@@ -29710,7 +25213,7 @@
           <a:p>
             <a:fld id="{A834D990-9988-440C-886B-EA25C6D802F9}" type="slidenum">
               <a:rPr lang="zh-TW" altLang="en-US" smtClean="0"/>
-              <a:t>24</a:t>
+              <a:t>22</a:t>
             </a:fld>
             <a:endParaRPr lang="zh-TW" altLang="en-US"/>
           </a:p>
@@ -29729,7 +25232,7 @@
 </p:sld>
 </file>
 
-<file path=ppt/slides/slide26.xml><?xml version="1.0" encoding="utf-8"?>
+<file path=ppt/slides/slide24.xml><?xml version="1.0" encoding="utf-8"?>
 <p:sld xmlns:a="http://schemas.openxmlformats.org/drawingml/2006/main" xmlns:r="http://schemas.openxmlformats.org/officeDocument/2006/relationships" xmlns:p="http://schemas.openxmlformats.org/presentationml/2006/main">
   <p:cSld>
     <p:spTree>
@@ -30384,7 +25887,7 @@
           <a:p>
             <a:fld id="{A834D990-9988-440C-886B-EA25C6D802F9}" type="slidenum">
               <a:rPr lang="zh-TW" altLang="en-US" smtClean="0"/>
-              <a:t>25</a:t>
+              <a:t>23</a:t>
             </a:fld>
             <a:endParaRPr lang="zh-TW" altLang="en-US"/>
           </a:p>
@@ -30403,7 +25906,7 @@
 </p:sld>
 </file>
 
-<file path=ppt/slides/slide27.xml><?xml version="1.0" encoding="utf-8"?>
+<file path=ppt/slides/slide25.xml><?xml version="1.0" encoding="utf-8"?>
 <p:sld xmlns:a="http://schemas.openxmlformats.org/drawingml/2006/main" xmlns:r="http://schemas.openxmlformats.org/officeDocument/2006/relationships" xmlns:p="http://schemas.openxmlformats.org/presentationml/2006/main">
   <p:cSld>
     <p:bg>
@@ -31655,7 +27158,7 @@
           <a:p>
             <a:fld id="{A834D990-9988-440C-886B-EA25C6D802F9}" type="slidenum">
               <a:rPr lang="zh-TW" altLang="en-US" smtClean="0"/>
-              <a:t>26</a:t>
+              <a:t>24</a:t>
             </a:fld>
             <a:endParaRPr lang="zh-TW" altLang="en-US"/>
           </a:p>
@@ -31674,7 +27177,7 @@
 </p:sld>
 </file>
 
-<file path=ppt/slides/slide28.xml><?xml version="1.0" encoding="utf-8"?>
+<file path=ppt/slides/slide26.xml><?xml version="1.0" encoding="utf-8"?>
 <p:sld xmlns:a="http://schemas.openxmlformats.org/drawingml/2006/main" xmlns:r="http://schemas.openxmlformats.org/officeDocument/2006/relationships" xmlns:p="http://schemas.openxmlformats.org/presentationml/2006/main">
   <p:cSld>
     <p:spTree>
@@ -32973,7 +28476,7 @@
           <a:p>
             <a:fld id="{A834D990-9988-440C-886B-EA25C6D802F9}" type="slidenum">
               <a:rPr lang="zh-TW" altLang="en-US" smtClean="0"/>
-              <a:t>27</a:t>
+              <a:t>25</a:t>
             </a:fld>
             <a:endParaRPr lang="zh-TW" altLang="en-US"/>
           </a:p>
@@ -32992,7 +28495,7 @@
 </p:sld>
 </file>
 
-<file path=ppt/slides/slide29.xml><?xml version="1.0" encoding="utf-8"?>
+<file path=ppt/slides/slide27.xml><?xml version="1.0" encoding="utf-8"?>
 <p:sld xmlns:a="http://schemas.openxmlformats.org/drawingml/2006/main" xmlns:r="http://schemas.openxmlformats.org/officeDocument/2006/relationships" xmlns:p="http://schemas.openxmlformats.org/presentationml/2006/main">
   <p:cSld>
     <p:bg>
@@ -33606,7 +29109,7 @@
           <a:p>
             <a:fld id="{A834D990-9988-440C-886B-EA25C6D802F9}" type="slidenum">
               <a:rPr lang="zh-TW" altLang="en-US" smtClean="0"/>
-              <a:t>28</a:t>
+              <a:t>26</a:t>
             </a:fld>
             <a:endParaRPr lang="zh-TW" altLang="en-US"/>
           </a:p>
@@ -33625,846 +29128,7 @@
 </p:sld>
 </file>
 
-<file path=ppt/slides/slide3.xml><?xml version="1.0" encoding="utf-8"?>
-<p:sld xmlns:a="http://schemas.openxmlformats.org/drawingml/2006/main" xmlns:r="http://schemas.openxmlformats.org/officeDocument/2006/relationships" xmlns:p="http://schemas.openxmlformats.org/presentationml/2006/main">
-  <p:cSld>
-    <p:bg>
-      <p:bgPr>
-        <a:solidFill>
-          <a:schemeClr val="bg1"/>
-        </a:solidFill>
-        <a:effectLst/>
-      </p:bgPr>
-    </p:bg>
-    <p:spTree>
-      <p:nvGrpSpPr>
-        <p:cNvPr id="1" name=""/>
-        <p:cNvGrpSpPr/>
-        <p:nvPr/>
-      </p:nvGrpSpPr>
-      <p:grpSpPr>
-        <a:xfrm>
-          <a:off x="0" y="0"/>
-          <a:ext cx="0" cy="0"/>
-          <a:chOff x="0" y="0"/>
-          <a:chExt cx="0" cy="0"/>
-        </a:xfrm>
-      </p:grpSpPr>
-      <p:sp>
-        <p:nvSpPr>
-          <p:cNvPr id="16" name="TextBox 15">
-            <a:extLst>
-              <a:ext uri="{FF2B5EF4-FFF2-40B4-BE49-F238E27FC236}">
-                <a16:creationId xmlns:a16="http://schemas.microsoft.com/office/drawing/2014/main" id="{2232948C-66D2-42FC-B019-0ED45E9F11A6}"/>
-              </a:ext>
-            </a:extLst>
-          </p:cNvPr>
-          <p:cNvSpPr txBox="1"/>
-          <p:nvPr/>
-        </p:nvSpPr>
-        <p:spPr>
-          <a:xfrm>
-            <a:off x="698500" y="489419"/>
-            <a:ext cx="5740400" cy="646331"/>
-          </a:xfrm>
-          <a:prstGeom prst="rect">
-            <a:avLst/>
-          </a:prstGeom>
-          <a:noFill/>
-        </p:spPr>
-        <p:txBody>
-          <a:bodyPr wrap="square" rtlCol="0">
-            <a:spAutoFit/>
-          </a:bodyPr>
-          <a:lstStyle>
-            <a:defPPr>
-              <a:defRPr lang="en-US"/>
-            </a:defPPr>
-            <a:lvl1pPr>
-              <a:defRPr sz="3600" b="1">
-                <a:solidFill>
-                  <a:schemeClr val="tx1">
-                    <a:lumMod val="65000"/>
-                    <a:lumOff val="35000"/>
-                  </a:schemeClr>
-                </a:solidFill>
-                <a:effectLst>
-                  <a:outerShdw blurRad="38100" dist="38100" dir="2700000" algn="tl">
-                    <a:srgbClr val="000000">
-                      <a:alpha val="43137"/>
-                    </a:srgbClr>
-                  </a:outerShdw>
-                </a:effectLst>
-                <a:latin typeface="Times New Roman" panose="02020603050405020304" pitchFamily="18" charset="0"/>
-                <a:cs typeface="Times New Roman" panose="02020603050405020304" pitchFamily="18" charset="0"/>
-              </a:defRPr>
-            </a:lvl1pPr>
-          </a:lstStyle>
-          <a:p>
-            <a:r>
-              <a:rPr lang="en-US" dirty="0"/>
-              <a:t>Introduction</a:t>
-            </a:r>
-          </a:p>
-        </p:txBody>
-      </p:sp>
-      <p:sp>
-        <p:nvSpPr>
-          <p:cNvPr id="18" name="TextBox 17">
-            <a:extLst>
-              <a:ext uri="{FF2B5EF4-FFF2-40B4-BE49-F238E27FC236}">
-                <a16:creationId xmlns:a16="http://schemas.microsoft.com/office/drawing/2014/main" id="{1B67F422-2E48-44A4-BD85-589B5568B37D}"/>
-              </a:ext>
-            </a:extLst>
-          </p:cNvPr>
-          <p:cNvSpPr txBox="1"/>
-          <p:nvPr/>
-        </p:nvSpPr>
-        <p:spPr>
-          <a:xfrm>
-            <a:off x="698500" y="1164494"/>
-            <a:ext cx="6586220" cy="307777"/>
-          </a:xfrm>
-          <a:prstGeom prst="rect">
-            <a:avLst/>
-          </a:prstGeom>
-          <a:noFill/>
-        </p:spPr>
-        <p:txBody>
-          <a:bodyPr wrap="square" rtlCol="0">
-            <a:spAutoFit/>
-          </a:bodyPr>
-          <a:lstStyle>
-            <a:defPPr>
-              <a:defRPr lang="en-US"/>
-            </a:defPPr>
-            <a:lvl1pPr>
-              <a:defRPr sz="1600" b="1">
-                <a:solidFill>
-                  <a:schemeClr val="accent1"/>
-                </a:solidFill>
-                <a:latin typeface="Times New Roman" panose="02020603050405020304" pitchFamily="18" charset="0"/>
-                <a:ea typeface="PT Sans" panose="020B0503020203020204" pitchFamily="34" charset="0"/>
-                <a:cs typeface="Times New Roman" panose="02020603050405020304" pitchFamily="18" charset="0"/>
-              </a:defRPr>
-            </a:lvl1pPr>
-          </a:lstStyle>
-          <a:p>
-            <a:r>
-              <a:rPr lang="en-US" altLang="zh-TW" dirty="0"/>
-              <a:t>Analysis of Poisson frequency data under a simple crossover trial</a:t>
-            </a:r>
-          </a:p>
-        </p:txBody>
-      </p:sp>
-      <p:sp>
-        <p:nvSpPr>
-          <p:cNvPr id="17" name="TextBox 31">
-            <a:extLst>
-              <a:ext uri="{FF2B5EF4-FFF2-40B4-BE49-F238E27FC236}">
-                <a16:creationId xmlns:a16="http://schemas.microsoft.com/office/drawing/2014/main" id="{E23E667A-1036-4D9C-89A5-0FDC9F9EC315}"/>
-              </a:ext>
-            </a:extLst>
-          </p:cNvPr>
-          <p:cNvSpPr txBox="1"/>
-          <p:nvPr/>
-        </p:nvSpPr>
-        <p:spPr>
-          <a:xfrm>
-            <a:off x="1404747" y="2182003"/>
-            <a:ext cx="11124377" cy="845744"/>
-          </a:xfrm>
-          <a:prstGeom prst="rect">
-            <a:avLst/>
-          </a:prstGeom>
-          <a:noFill/>
-        </p:spPr>
-        <p:txBody>
-          <a:bodyPr wrap="square" numCol="1" spcCol="457200" rtlCol="0">
-            <a:spAutoFit/>
-          </a:bodyPr>
-          <a:lstStyle/>
-          <a:p>
-            <a:pPr marL="171450" indent="-171450">
-              <a:lnSpc>
-                <a:spcPts val="2000"/>
-              </a:lnSpc>
-              <a:buFont typeface="Arial" panose="020B0604020202020204" pitchFamily="34" charset="0"/>
-              <a:buChar char="•"/>
-            </a:pPr>
-            <a:r>
-              <a:rPr lang="en-US" altLang="zh-TW" sz="1600" dirty="0">
-                <a:solidFill>
-                  <a:schemeClr val="tx2"/>
-                </a:solidFill>
-                <a:latin typeface="Times New Roman" panose="02020603050405020304" pitchFamily="18" charset="0"/>
-                <a:ea typeface="PT Sans" panose="020B0503020203020204" pitchFamily="34" charset="0"/>
-                <a:cs typeface="Times New Roman" panose="02020603050405020304" pitchFamily="18" charset="0"/>
-              </a:rPr>
-              <a:t>Frequency of patient response follows the commonly-assumed Poisson distribution under a crossover design.</a:t>
-            </a:r>
-            <a:endParaRPr lang="en-US" sz="1600" dirty="0">
-              <a:solidFill>
-                <a:schemeClr val="tx2"/>
-              </a:solidFill>
-              <a:latin typeface="Times New Roman" panose="02020603050405020304" pitchFamily="18" charset="0"/>
-              <a:ea typeface="PT Sans" panose="020B0503020203020204" pitchFamily="34" charset="0"/>
-              <a:cs typeface="Times New Roman" panose="02020603050405020304" pitchFamily="18" charset="0"/>
-            </a:endParaRPr>
-          </a:p>
-          <a:p>
-            <a:pPr marL="171450" indent="-171450">
-              <a:lnSpc>
-                <a:spcPts val="2000"/>
-              </a:lnSpc>
-              <a:buFont typeface="Arial" panose="020B0604020202020204" pitchFamily="34" charset="0"/>
-              <a:buChar char="•"/>
-            </a:pPr>
-            <a:r>
-              <a:rPr lang="en-US" sz="1600" dirty="0">
-                <a:solidFill>
-                  <a:schemeClr val="tx2"/>
-                </a:solidFill>
-                <a:latin typeface="Times New Roman" panose="02020603050405020304" pitchFamily="18" charset="0"/>
-                <a:ea typeface="PT Sans" panose="020B0503020203020204" pitchFamily="34" charset="0"/>
-                <a:cs typeface="Times New Roman" panose="02020603050405020304" pitchFamily="18" charset="0"/>
-              </a:rPr>
-              <a:t>Present asymptotic and exact procedures for testing non-equality, non-inferiority and equivalence.</a:t>
-            </a:r>
-          </a:p>
-          <a:p>
-            <a:pPr marL="171450" indent="-171450">
-              <a:lnSpc>
-                <a:spcPts val="2000"/>
-              </a:lnSpc>
-              <a:buFont typeface="Arial" panose="020B0604020202020204" pitchFamily="34" charset="0"/>
-              <a:buChar char="•"/>
-            </a:pPr>
-            <a:r>
-              <a:rPr lang="en-US" sz="1600" dirty="0">
-                <a:solidFill>
-                  <a:schemeClr val="tx2"/>
-                </a:solidFill>
-                <a:latin typeface="Times New Roman" panose="02020603050405020304" pitchFamily="18" charset="0"/>
-                <a:ea typeface="PT Sans" panose="020B0503020203020204" pitchFamily="34" charset="0"/>
-                <a:cs typeface="Times New Roman" panose="02020603050405020304" pitchFamily="18" charset="0"/>
-              </a:rPr>
-              <a:t>Develop asymptotic and exact interval estimators for evaluate.</a:t>
-            </a:r>
-          </a:p>
-        </p:txBody>
-      </p:sp>
-      <p:sp>
-        <p:nvSpPr>
-          <p:cNvPr id="19" name="Oval 7">
-            <a:extLst>
-              <a:ext uri="{FF2B5EF4-FFF2-40B4-BE49-F238E27FC236}">
-                <a16:creationId xmlns:a16="http://schemas.microsoft.com/office/drawing/2014/main" id="{4EC6FD2F-8D87-47BF-BD1B-C29D80C4701D}"/>
-              </a:ext>
-            </a:extLst>
-          </p:cNvPr>
-          <p:cNvSpPr/>
-          <p:nvPr/>
-        </p:nvSpPr>
-        <p:spPr>
-          <a:xfrm>
-            <a:off x="749844" y="1659489"/>
-            <a:ext cx="522514" cy="522514"/>
-          </a:xfrm>
-          <a:prstGeom prst="ellipse">
-            <a:avLst/>
-          </a:prstGeom>
-          <a:solidFill>
-            <a:schemeClr val="accent1"/>
-          </a:solidFill>
-          <a:ln>
-            <a:noFill/>
-          </a:ln>
-        </p:spPr>
-        <p:style>
-          <a:lnRef idx="2">
-            <a:schemeClr val="accent1">
-              <a:shade val="50000"/>
-            </a:schemeClr>
-          </a:lnRef>
-          <a:fillRef idx="1">
-            <a:schemeClr val="accent1"/>
-          </a:fillRef>
-          <a:effectRef idx="0">
-            <a:schemeClr val="accent1"/>
-          </a:effectRef>
-          <a:fontRef idx="minor">
-            <a:schemeClr val="lt1"/>
-          </a:fontRef>
-        </p:style>
-        <p:txBody>
-          <a:bodyPr rtlCol="0" anchor="ctr"/>
-          <a:lstStyle/>
-          <a:p>
-            <a:pPr algn="ctr"/>
-            <a:endParaRPr lang="en-US"/>
-          </a:p>
-        </p:txBody>
-      </p:sp>
-      <p:sp>
-        <p:nvSpPr>
-          <p:cNvPr id="20" name="TextBox 42">
-            <a:extLst>
-              <a:ext uri="{FF2B5EF4-FFF2-40B4-BE49-F238E27FC236}">
-                <a16:creationId xmlns:a16="http://schemas.microsoft.com/office/drawing/2014/main" id="{00C24005-32DB-462A-ADBF-81AD3B0EDF3C}"/>
-              </a:ext>
-            </a:extLst>
-          </p:cNvPr>
-          <p:cNvSpPr txBox="1"/>
-          <p:nvPr/>
-        </p:nvSpPr>
-        <p:spPr>
-          <a:xfrm>
-            <a:off x="1404747" y="1751469"/>
-            <a:ext cx="3767021" cy="338554"/>
-          </a:xfrm>
-          <a:prstGeom prst="rect">
-            <a:avLst/>
-          </a:prstGeom>
-          <a:noFill/>
-        </p:spPr>
-        <p:txBody>
-          <a:bodyPr wrap="square" rtlCol="0">
-            <a:spAutoFit/>
-          </a:bodyPr>
-          <a:lstStyle/>
-          <a:p>
-            <a:r>
-              <a:rPr lang="en-US" sz="1600" b="1" dirty="0">
-                <a:solidFill>
-                  <a:schemeClr val="accent1"/>
-                </a:solidFill>
-                <a:latin typeface="Times New Roman" panose="02020603050405020304" pitchFamily="18" charset="0"/>
-                <a:ea typeface="PT Sans" panose="020B0503020203020204" pitchFamily="34" charset="0"/>
-                <a:cs typeface="Times New Roman" panose="02020603050405020304" pitchFamily="18" charset="0"/>
-              </a:rPr>
-              <a:t>The Goal of This Article</a:t>
-            </a:r>
-          </a:p>
-        </p:txBody>
-      </p:sp>
-      <p:sp>
-        <p:nvSpPr>
-          <p:cNvPr id="21" name="TextBox 43">
-            <a:extLst>
-              <a:ext uri="{FF2B5EF4-FFF2-40B4-BE49-F238E27FC236}">
-                <a16:creationId xmlns:a16="http://schemas.microsoft.com/office/drawing/2014/main" id="{215B4EE7-EFE7-48EA-813A-C460B8345993}"/>
-              </a:ext>
-            </a:extLst>
-          </p:cNvPr>
-          <p:cNvSpPr txBox="1"/>
-          <p:nvPr/>
-        </p:nvSpPr>
-        <p:spPr>
-          <a:xfrm>
-            <a:off x="698500" y="1736010"/>
-            <a:ext cx="625203" cy="400110"/>
-          </a:xfrm>
-          <a:prstGeom prst="rect">
-            <a:avLst/>
-          </a:prstGeom>
-          <a:noFill/>
-        </p:spPr>
-        <p:txBody>
-          <a:bodyPr wrap="square" rtlCol="0">
-            <a:spAutoFit/>
-          </a:bodyPr>
-          <a:lstStyle/>
-          <a:p>
-            <a:pPr algn="ctr"/>
-            <a:r>
-              <a:rPr lang="en-US" sz="2000" b="1" dirty="0">
-                <a:solidFill>
-                  <a:schemeClr val="bg1"/>
-                </a:solidFill>
-                <a:latin typeface="Poppins Medium" panose="00000600000000000000" pitchFamily="2" charset="0"/>
-                <a:ea typeface="PT Sans" panose="020B0503020203020204" pitchFamily="34" charset="0"/>
-                <a:cs typeface="Poppins Medium" panose="00000600000000000000" pitchFamily="2" charset="0"/>
-              </a:rPr>
-              <a:t>01</a:t>
-            </a:r>
-          </a:p>
-        </p:txBody>
-      </p:sp>
-      <p:sp>
-        <p:nvSpPr>
-          <p:cNvPr id="22" name="Oval 60">
-            <a:extLst>
-              <a:ext uri="{FF2B5EF4-FFF2-40B4-BE49-F238E27FC236}">
-                <a16:creationId xmlns:a16="http://schemas.microsoft.com/office/drawing/2014/main" id="{E344D7F4-87C3-4FB7-9CAE-2BFAA53CE679}"/>
-              </a:ext>
-            </a:extLst>
-          </p:cNvPr>
-          <p:cNvSpPr/>
-          <p:nvPr/>
-        </p:nvSpPr>
-        <p:spPr>
-          <a:xfrm>
-            <a:off x="749844" y="4534858"/>
-            <a:ext cx="522514" cy="522514"/>
-          </a:xfrm>
-          <a:prstGeom prst="ellipse">
-            <a:avLst/>
-          </a:prstGeom>
-          <a:solidFill>
-            <a:schemeClr val="accent4"/>
-          </a:solidFill>
-          <a:ln>
-            <a:noFill/>
-          </a:ln>
-        </p:spPr>
-        <p:style>
-          <a:lnRef idx="2">
-            <a:schemeClr val="accent1">
-              <a:shade val="50000"/>
-            </a:schemeClr>
-          </a:lnRef>
-          <a:fillRef idx="1">
-            <a:schemeClr val="accent1"/>
-          </a:fillRef>
-          <a:effectRef idx="0">
-            <a:schemeClr val="accent1"/>
-          </a:effectRef>
-          <a:fontRef idx="minor">
-            <a:schemeClr val="lt1"/>
-          </a:fontRef>
-        </p:style>
-        <p:txBody>
-          <a:bodyPr rtlCol="0" anchor="ctr"/>
-          <a:lstStyle/>
-          <a:p>
-            <a:pPr algn="ctr"/>
-            <a:endParaRPr lang="en-US"/>
-          </a:p>
-        </p:txBody>
-      </p:sp>
-      <p:sp>
-        <p:nvSpPr>
-          <p:cNvPr id="23" name="TextBox 64">
-            <a:extLst>
-              <a:ext uri="{FF2B5EF4-FFF2-40B4-BE49-F238E27FC236}">
-                <a16:creationId xmlns:a16="http://schemas.microsoft.com/office/drawing/2014/main" id="{6D739CB3-EC20-43EE-A193-3B15A48AF342}"/>
-              </a:ext>
-            </a:extLst>
-          </p:cNvPr>
-          <p:cNvSpPr txBox="1"/>
-          <p:nvPr/>
-        </p:nvSpPr>
-        <p:spPr>
-          <a:xfrm>
-            <a:off x="1404747" y="4666081"/>
-            <a:ext cx="4763500" cy="338554"/>
-          </a:xfrm>
-          <a:prstGeom prst="rect">
-            <a:avLst/>
-          </a:prstGeom>
-          <a:noFill/>
-        </p:spPr>
-        <p:txBody>
-          <a:bodyPr wrap="square" rtlCol="0">
-            <a:spAutoFit/>
-          </a:bodyPr>
-          <a:lstStyle/>
-          <a:p>
-            <a:r>
-              <a:rPr lang="en-US" sz="1600" b="1" dirty="0">
-                <a:solidFill>
-                  <a:schemeClr val="accent4"/>
-                </a:solidFill>
-                <a:latin typeface="Times New Roman" panose="02020603050405020304" pitchFamily="18" charset="0"/>
-                <a:ea typeface="PT Sans" panose="020B0503020203020204" pitchFamily="34" charset="0"/>
-                <a:cs typeface="Times New Roman" panose="02020603050405020304" pitchFamily="18" charset="0"/>
-              </a:rPr>
-              <a:t>Non-equality, Non-inferiority and Equivalence</a:t>
-            </a:r>
-          </a:p>
-        </p:txBody>
-      </p:sp>
-      <p:sp>
-        <p:nvSpPr>
-          <p:cNvPr id="24" name="TextBox 65">
-            <a:extLst>
-              <a:ext uri="{FF2B5EF4-FFF2-40B4-BE49-F238E27FC236}">
-                <a16:creationId xmlns:a16="http://schemas.microsoft.com/office/drawing/2014/main" id="{5290506E-7212-4031-8E4E-C4DCBF7BDE78}"/>
-              </a:ext>
-            </a:extLst>
-          </p:cNvPr>
-          <p:cNvSpPr txBox="1"/>
-          <p:nvPr/>
-        </p:nvSpPr>
-        <p:spPr>
-          <a:xfrm>
-            <a:off x="698500" y="4611379"/>
-            <a:ext cx="625203" cy="400110"/>
-          </a:xfrm>
-          <a:prstGeom prst="rect">
-            <a:avLst/>
-          </a:prstGeom>
-          <a:noFill/>
-        </p:spPr>
-        <p:txBody>
-          <a:bodyPr wrap="square" rtlCol="0">
-            <a:spAutoFit/>
-          </a:bodyPr>
-          <a:lstStyle/>
-          <a:p>
-            <a:pPr algn="ctr"/>
-            <a:r>
-              <a:rPr lang="en-US" sz="2000" b="1" dirty="0">
-                <a:solidFill>
-                  <a:schemeClr val="bg1"/>
-                </a:solidFill>
-                <a:latin typeface="Poppins Medium" panose="00000600000000000000" pitchFamily="2" charset="0"/>
-                <a:ea typeface="PT Sans" panose="020B0503020203020204" pitchFamily="34" charset="0"/>
-                <a:cs typeface="Poppins Medium" panose="00000600000000000000" pitchFamily="2" charset="0"/>
-              </a:rPr>
-              <a:t>03</a:t>
-            </a:r>
-          </a:p>
-        </p:txBody>
-      </p:sp>
-      <p:sp>
-        <p:nvSpPr>
-          <p:cNvPr id="28" name="Oval 46">
-            <a:extLst>
-              <a:ext uri="{FF2B5EF4-FFF2-40B4-BE49-F238E27FC236}">
-                <a16:creationId xmlns:a16="http://schemas.microsoft.com/office/drawing/2014/main" id="{311D418C-5B07-42B8-ACB9-ABDA973BC460}"/>
-              </a:ext>
-            </a:extLst>
-          </p:cNvPr>
-          <p:cNvSpPr/>
-          <p:nvPr/>
-        </p:nvSpPr>
-        <p:spPr>
-          <a:xfrm>
-            <a:off x="749844" y="3141636"/>
-            <a:ext cx="522514" cy="522514"/>
-          </a:xfrm>
-          <a:prstGeom prst="ellipse">
-            <a:avLst/>
-          </a:prstGeom>
-          <a:solidFill>
-            <a:schemeClr val="accent2"/>
-          </a:solidFill>
-          <a:ln>
-            <a:noFill/>
-          </a:ln>
-        </p:spPr>
-        <p:style>
-          <a:lnRef idx="2">
-            <a:schemeClr val="accent1">
-              <a:shade val="50000"/>
-            </a:schemeClr>
-          </a:lnRef>
-          <a:fillRef idx="1">
-            <a:schemeClr val="accent1"/>
-          </a:fillRef>
-          <a:effectRef idx="0">
-            <a:schemeClr val="accent1"/>
-          </a:effectRef>
-          <a:fontRef idx="minor">
-            <a:schemeClr val="lt1"/>
-          </a:fontRef>
-        </p:style>
-        <p:txBody>
-          <a:bodyPr rtlCol="0" anchor="ctr"/>
-          <a:lstStyle/>
-          <a:p>
-            <a:pPr algn="ctr"/>
-            <a:endParaRPr lang="en-US"/>
-          </a:p>
-        </p:txBody>
-      </p:sp>
-      <p:sp>
-        <p:nvSpPr>
-          <p:cNvPr id="29" name="TextBox 48">
-            <a:extLst>
-              <a:ext uri="{FF2B5EF4-FFF2-40B4-BE49-F238E27FC236}">
-                <a16:creationId xmlns:a16="http://schemas.microsoft.com/office/drawing/2014/main" id="{621E22F1-BBFA-47B0-8DED-8DCE059D52F2}"/>
-              </a:ext>
-            </a:extLst>
-          </p:cNvPr>
-          <p:cNvSpPr txBox="1"/>
-          <p:nvPr/>
-        </p:nvSpPr>
-        <p:spPr>
-          <a:xfrm>
-            <a:off x="1375047" y="3242091"/>
-            <a:ext cx="4932916" cy="338554"/>
-          </a:xfrm>
-          <a:prstGeom prst="rect">
-            <a:avLst/>
-          </a:prstGeom>
-          <a:noFill/>
-        </p:spPr>
-        <p:txBody>
-          <a:bodyPr wrap="square" rtlCol="0">
-            <a:spAutoFit/>
-          </a:bodyPr>
-          <a:lstStyle/>
-          <a:p>
-            <a:r>
-              <a:rPr lang="en-US" sz="1600" b="1" dirty="0">
-                <a:solidFill>
-                  <a:schemeClr val="accent2"/>
-                </a:solidFill>
-                <a:latin typeface="Times New Roman" panose="02020603050405020304" pitchFamily="18" charset="0"/>
-                <a:ea typeface="PT Sans" panose="020B0503020203020204" pitchFamily="34" charset="0"/>
-                <a:cs typeface="Times New Roman" panose="02020603050405020304" pitchFamily="18" charset="0"/>
-              </a:rPr>
-              <a:t>Crossover Design</a:t>
-            </a:r>
-          </a:p>
-        </p:txBody>
-      </p:sp>
-      <p:sp>
-        <p:nvSpPr>
-          <p:cNvPr id="30" name="TextBox 49">
-            <a:extLst>
-              <a:ext uri="{FF2B5EF4-FFF2-40B4-BE49-F238E27FC236}">
-                <a16:creationId xmlns:a16="http://schemas.microsoft.com/office/drawing/2014/main" id="{31D6FA3F-ECFF-4691-B50A-625B5864910B}"/>
-              </a:ext>
-            </a:extLst>
-          </p:cNvPr>
-          <p:cNvSpPr txBox="1"/>
-          <p:nvPr/>
-        </p:nvSpPr>
-        <p:spPr>
-          <a:xfrm>
-            <a:off x="698500" y="3218157"/>
-            <a:ext cx="625203" cy="400110"/>
-          </a:xfrm>
-          <a:prstGeom prst="rect">
-            <a:avLst/>
-          </a:prstGeom>
-          <a:noFill/>
-        </p:spPr>
-        <p:txBody>
-          <a:bodyPr wrap="square" rtlCol="0">
-            <a:spAutoFit/>
-          </a:bodyPr>
-          <a:lstStyle/>
-          <a:p>
-            <a:pPr algn="ctr"/>
-            <a:r>
-              <a:rPr lang="en-US" sz="2000" b="1" dirty="0">
-                <a:solidFill>
-                  <a:schemeClr val="bg1"/>
-                </a:solidFill>
-                <a:latin typeface="Poppins Medium" panose="00000600000000000000" pitchFamily="2" charset="0"/>
-                <a:ea typeface="PT Sans" panose="020B0503020203020204" pitchFamily="34" charset="0"/>
-                <a:cs typeface="Poppins Medium" panose="00000600000000000000" pitchFamily="2" charset="0"/>
-              </a:rPr>
-              <a:t>02</a:t>
-            </a:r>
-          </a:p>
-        </p:txBody>
-      </p:sp>
-      <p:sp>
-        <p:nvSpPr>
-          <p:cNvPr id="34" name="TextBox 31">
-            <a:extLst>
-              <a:ext uri="{FF2B5EF4-FFF2-40B4-BE49-F238E27FC236}">
-                <a16:creationId xmlns:a16="http://schemas.microsoft.com/office/drawing/2014/main" id="{E9D842DE-EEBB-419E-B70C-B7A29891DEFD}"/>
-              </a:ext>
-            </a:extLst>
-          </p:cNvPr>
-          <p:cNvSpPr txBox="1"/>
-          <p:nvPr/>
-        </p:nvSpPr>
-        <p:spPr>
-          <a:xfrm>
-            <a:off x="1440509" y="3794989"/>
-            <a:ext cx="4124550" cy="589264"/>
-          </a:xfrm>
-          <a:prstGeom prst="rect">
-            <a:avLst/>
-          </a:prstGeom>
-          <a:noFill/>
-        </p:spPr>
-        <p:txBody>
-          <a:bodyPr wrap="square" numCol="1" spcCol="457200" rtlCol="0">
-            <a:spAutoFit/>
-          </a:bodyPr>
-          <a:lstStyle/>
-          <a:p>
-            <a:pPr marL="171450" indent="-171450">
-              <a:lnSpc>
-                <a:spcPts val="2000"/>
-              </a:lnSpc>
-              <a:buFont typeface="Arial" panose="020B0604020202020204" pitchFamily="34" charset="0"/>
-              <a:buChar char="•"/>
-            </a:pPr>
-            <a:r>
-              <a:rPr lang="en-US" sz="1600" dirty="0">
-                <a:solidFill>
-                  <a:schemeClr val="tx2"/>
-                </a:solidFill>
-                <a:latin typeface="Times New Roman" panose="02020603050405020304" pitchFamily="18" charset="0"/>
-                <a:ea typeface="PT Sans" panose="020B0503020203020204" pitchFamily="34" charset="0"/>
-                <a:cs typeface="Times New Roman" panose="02020603050405020304" pitchFamily="18" charset="0"/>
-              </a:rPr>
-              <a:t>What is crossover design?</a:t>
-            </a:r>
-          </a:p>
-          <a:p>
-            <a:pPr marL="171450" indent="-171450">
-              <a:lnSpc>
-                <a:spcPts val="2000"/>
-              </a:lnSpc>
-              <a:buFont typeface="Arial" panose="020B0604020202020204" pitchFamily="34" charset="0"/>
-              <a:buChar char="•"/>
-            </a:pPr>
-            <a:r>
-              <a:rPr lang="en-US" sz="1600" dirty="0">
-                <a:solidFill>
-                  <a:schemeClr val="tx2"/>
-                </a:solidFill>
-                <a:latin typeface="Times New Roman" panose="02020603050405020304" pitchFamily="18" charset="0"/>
-                <a:ea typeface="PT Sans" panose="020B0503020203020204" pitchFamily="34" charset="0"/>
-                <a:cs typeface="Times New Roman" panose="02020603050405020304" pitchFamily="18" charset="0"/>
-              </a:rPr>
-              <a:t>Advantage &amp; Disadvantage</a:t>
-            </a:r>
-          </a:p>
-        </p:txBody>
-      </p:sp>
-      <p:sp>
-        <p:nvSpPr>
-          <p:cNvPr id="35" name="TextBox 31">
-            <a:extLst>
-              <a:ext uri="{FF2B5EF4-FFF2-40B4-BE49-F238E27FC236}">
-                <a16:creationId xmlns:a16="http://schemas.microsoft.com/office/drawing/2014/main" id="{E73476EF-A475-46F6-83FB-9D6E3091A3D9}"/>
-              </a:ext>
-            </a:extLst>
-          </p:cNvPr>
-          <p:cNvSpPr txBox="1"/>
-          <p:nvPr/>
-        </p:nvSpPr>
-        <p:spPr>
-          <a:xfrm>
-            <a:off x="1440509" y="5286463"/>
-            <a:ext cx="8123955" cy="589264"/>
-          </a:xfrm>
-          <a:prstGeom prst="rect">
-            <a:avLst/>
-          </a:prstGeom>
-          <a:noFill/>
-        </p:spPr>
-        <p:txBody>
-          <a:bodyPr wrap="square" numCol="1" spcCol="457200" rtlCol="0">
-            <a:spAutoFit/>
-          </a:bodyPr>
-          <a:lstStyle/>
-          <a:p>
-            <a:pPr marL="171450" indent="-171450">
-              <a:lnSpc>
-                <a:spcPts val="2000"/>
-              </a:lnSpc>
-              <a:buFont typeface="Arial" panose="020B0604020202020204" pitchFamily="34" charset="0"/>
-              <a:buChar char="•"/>
-            </a:pPr>
-            <a:r>
-              <a:rPr lang="en-US" sz="1600" dirty="0">
-                <a:solidFill>
-                  <a:schemeClr val="tx2"/>
-                </a:solidFill>
-                <a:latin typeface="Times New Roman" panose="02020603050405020304" pitchFamily="18" charset="0"/>
-                <a:ea typeface="PT Sans" panose="020B0503020203020204" pitchFamily="34" charset="0"/>
-                <a:cs typeface="Times New Roman" panose="02020603050405020304" pitchFamily="18" charset="0"/>
-              </a:rPr>
-              <a:t>Relationship among non-equality, non-inferiority and equivalence</a:t>
-            </a:r>
-          </a:p>
-          <a:p>
-            <a:pPr marL="171450" indent="-171450">
-              <a:lnSpc>
-                <a:spcPts val="2000"/>
-              </a:lnSpc>
-              <a:buFont typeface="Arial" panose="020B0604020202020204" pitchFamily="34" charset="0"/>
-              <a:buChar char="•"/>
-            </a:pPr>
-            <a:r>
-              <a:rPr lang="en-US" sz="1600" dirty="0">
-                <a:solidFill>
-                  <a:schemeClr val="tx2"/>
-                </a:solidFill>
-                <a:latin typeface="Times New Roman" panose="02020603050405020304" pitchFamily="18" charset="0"/>
-                <a:ea typeface="PT Sans" panose="020B0503020203020204" pitchFamily="34" charset="0"/>
-                <a:cs typeface="Times New Roman" panose="02020603050405020304" pitchFamily="18" charset="0"/>
-              </a:rPr>
-              <a:t>Testing for </a:t>
-            </a:r>
-            <a:r>
-              <a:rPr lang="en-US" altLang="zh-TW" sz="1600" dirty="0">
-                <a:solidFill>
-                  <a:schemeClr val="tx2"/>
-                </a:solidFill>
-                <a:latin typeface="Times New Roman" panose="02020603050405020304" pitchFamily="18" charset="0"/>
-                <a:ea typeface="PT Sans" panose="020B0503020203020204" pitchFamily="34" charset="0"/>
-                <a:cs typeface="Times New Roman" panose="02020603050405020304" pitchFamily="18" charset="0"/>
-              </a:rPr>
-              <a:t>non-equality, non-inferiority and equivalence</a:t>
-            </a:r>
-            <a:endParaRPr lang="en-US" sz="1600" dirty="0">
-              <a:solidFill>
-                <a:schemeClr val="tx2"/>
-              </a:solidFill>
-              <a:latin typeface="Times New Roman" panose="02020603050405020304" pitchFamily="18" charset="0"/>
-              <a:ea typeface="PT Sans" panose="020B0503020203020204" pitchFamily="34" charset="0"/>
-              <a:cs typeface="Times New Roman" panose="02020603050405020304" pitchFamily="18" charset="0"/>
-            </a:endParaRPr>
-          </a:p>
-        </p:txBody>
-      </p:sp>
-      <p:sp>
-        <p:nvSpPr>
-          <p:cNvPr id="3" name="投影片編號版面配置區 2">
-            <a:extLst>
-              <a:ext uri="{FF2B5EF4-FFF2-40B4-BE49-F238E27FC236}">
-                <a16:creationId xmlns:a16="http://schemas.microsoft.com/office/drawing/2014/main" id="{95ED8CFE-24AD-4CCC-B64B-DA3BC28DFEE0}"/>
-              </a:ext>
-            </a:extLst>
-          </p:cNvPr>
-          <p:cNvSpPr>
-            <a:spLocks noGrp="1"/>
-          </p:cNvSpPr>
-          <p:nvPr>
-            <p:ph type="sldNum" sz="quarter" idx="4"/>
-          </p:nvPr>
-        </p:nvSpPr>
-        <p:spPr/>
-        <p:txBody>
-          <a:bodyPr/>
-          <a:lstStyle/>
-          <a:p>
-            <a:fld id="{A834D990-9988-440C-886B-EA25C6D802F9}" type="slidenum">
-              <a:rPr lang="zh-TW" altLang="en-US" smtClean="0"/>
-              <a:t>2</a:t>
-            </a:fld>
-            <a:endParaRPr lang="zh-TW" altLang="en-US"/>
-          </a:p>
-        </p:txBody>
-      </p:sp>
-    </p:spTree>
-    <p:extLst>
-      <p:ext uri="{BB962C8B-B14F-4D97-AF65-F5344CB8AC3E}">
-        <p14:creationId xmlns:p14="http://schemas.microsoft.com/office/powerpoint/2010/main" val="635718976"/>
-      </p:ext>
-    </p:extLst>
-  </p:cSld>
-  <p:clrMapOvr>
-    <a:masterClrMapping/>
-  </p:clrMapOvr>
-</p:sld>
-</file>
-
-<file path=ppt/slides/slide30.xml><?xml version="1.0" encoding="utf-8"?>
+<file path=ppt/slides/slide28.xml><?xml version="1.0" encoding="utf-8"?>
 <p:sld xmlns:a="http://schemas.openxmlformats.org/drawingml/2006/main" xmlns:r="http://schemas.openxmlformats.org/officeDocument/2006/relationships" xmlns:p="http://schemas.openxmlformats.org/presentationml/2006/main">
   <p:cSld>
     <p:spTree>
@@ -34967,7 +29631,7 @@
           <a:p>
             <a:fld id="{A834D990-9988-440C-886B-EA25C6D802F9}" type="slidenum">
               <a:rPr lang="zh-TW" altLang="en-US" smtClean="0"/>
-              <a:t>29</a:t>
+              <a:t>27</a:t>
             </a:fld>
             <a:endParaRPr lang="zh-TW" altLang="en-US"/>
           </a:p>
@@ -34986,7 +29650,7 @@
 </p:sld>
 </file>
 
-<file path=ppt/slides/slide31.xml><?xml version="1.0" encoding="utf-8"?>
+<file path=ppt/slides/slide29.xml><?xml version="1.0" encoding="utf-8"?>
 <p:sld xmlns:a="http://schemas.openxmlformats.org/drawingml/2006/main" xmlns:r="http://schemas.openxmlformats.org/officeDocument/2006/relationships" xmlns:p="http://schemas.openxmlformats.org/presentationml/2006/main">
   <p:cSld>
     <p:spTree>
@@ -35073,7 +29737,7 @@
           <a:p>
             <a:fld id="{A834D990-9988-440C-886B-EA25C6D802F9}" type="slidenum">
               <a:rPr lang="zh-TW" altLang="en-US" smtClean="0"/>
-              <a:t>30</a:t>
+              <a:t>28</a:t>
             </a:fld>
             <a:endParaRPr lang="zh-TW" altLang="en-US"/>
           </a:p>
@@ -35083,6 +29747,845 @@
     <p:extLst>
       <p:ext uri="{BB962C8B-B14F-4D97-AF65-F5344CB8AC3E}">
         <p14:creationId xmlns:p14="http://schemas.microsoft.com/office/powerpoint/2010/main" val="3751136579"/>
+      </p:ext>
+    </p:extLst>
+  </p:cSld>
+  <p:clrMapOvr>
+    <a:masterClrMapping/>
+  </p:clrMapOvr>
+</p:sld>
+</file>
+
+<file path=ppt/slides/slide3.xml><?xml version="1.0" encoding="utf-8"?>
+<p:sld xmlns:a="http://schemas.openxmlformats.org/drawingml/2006/main" xmlns:r="http://schemas.openxmlformats.org/officeDocument/2006/relationships" xmlns:p="http://schemas.openxmlformats.org/presentationml/2006/main">
+  <p:cSld>
+    <p:bg>
+      <p:bgPr>
+        <a:solidFill>
+          <a:schemeClr val="bg1"/>
+        </a:solidFill>
+        <a:effectLst/>
+      </p:bgPr>
+    </p:bg>
+    <p:spTree>
+      <p:nvGrpSpPr>
+        <p:cNvPr id="1" name=""/>
+        <p:cNvGrpSpPr/>
+        <p:nvPr/>
+      </p:nvGrpSpPr>
+      <p:grpSpPr>
+        <a:xfrm>
+          <a:off x="0" y="0"/>
+          <a:ext cx="0" cy="0"/>
+          <a:chOff x="0" y="0"/>
+          <a:chExt cx="0" cy="0"/>
+        </a:xfrm>
+      </p:grpSpPr>
+      <p:sp>
+        <p:nvSpPr>
+          <p:cNvPr id="16" name="TextBox 15">
+            <a:extLst>
+              <a:ext uri="{FF2B5EF4-FFF2-40B4-BE49-F238E27FC236}">
+                <a16:creationId xmlns:a16="http://schemas.microsoft.com/office/drawing/2014/main" id="{2232948C-66D2-42FC-B019-0ED45E9F11A6}"/>
+              </a:ext>
+            </a:extLst>
+          </p:cNvPr>
+          <p:cNvSpPr txBox="1"/>
+          <p:nvPr/>
+        </p:nvSpPr>
+        <p:spPr>
+          <a:xfrm>
+            <a:off x="698500" y="489419"/>
+            <a:ext cx="5740400" cy="646331"/>
+          </a:xfrm>
+          <a:prstGeom prst="rect">
+            <a:avLst/>
+          </a:prstGeom>
+          <a:noFill/>
+        </p:spPr>
+        <p:txBody>
+          <a:bodyPr wrap="square" rtlCol="0">
+            <a:spAutoFit/>
+          </a:bodyPr>
+          <a:lstStyle>
+            <a:defPPr>
+              <a:defRPr lang="en-US"/>
+            </a:defPPr>
+            <a:lvl1pPr>
+              <a:defRPr sz="3600" b="1">
+                <a:solidFill>
+                  <a:schemeClr val="tx1">
+                    <a:lumMod val="65000"/>
+                    <a:lumOff val="35000"/>
+                  </a:schemeClr>
+                </a:solidFill>
+                <a:effectLst>
+                  <a:outerShdw blurRad="38100" dist="38100" dir="2700000" algn="tl">
+                    <a:srgbClr val="000000">
+                      <a:alpha val="43137"/>
+                    </a:srgbClr>
+                  </a:outerShdw>
+                </a:effectLst>
+                <a:latin typeface="Times New Roman" panose="02020603050405020304" pitchFamily="18" charset="0"/>
+                <a:cs typeface="Times New Roman" panose="02020603050405020304" pitchFamily="18" charset="0"/>
+              </a:defRPr>
+            </a:lvl1pPr>
+          </a:lstStyle>
+          <a:p>
+            <a:r>
+              <a:rPr lang="en-US" dirty="0"/>
+              <a:t>Introduction</a:t>
+            </a:r>
+          </a:p>
+        </p:txBody>
+      </p:sp>
+      <p:sp>
+        <p:nvSpPr>
+          <p:cNvPr id="18" name="TextBox 17">
+            <a:extLst>
+              <a:ext uri="{FF2B5EF4-FFF2-40B4-BE49-F238E27FC236}">
+                <a16:creationId xmlns:a16="http://schemas.microsoft.com/office/drawing/2014/main" id="{1B67F422-2E48-44A4-BD85-589B5568B37D}"/>
+              </a:ext>
+            </a:extLst>
+          </p:cNvPr>
+          <p:cNvSpPr txBox="1"/>
+          <p:nvPr/>
+        </p:nvSpPr>
+        <p:spPr>
+          <a:xfrm>
+            <a:off x="698500" y="1164494"/>
+            <a:ext cx="6586220" cy="307777"/>
+          </a:xfrm>
+          <a:prstGeom prst="rect">
+            <a:avLst/>
+          </a:prstGeom>
+          <a:noFill/>
+        </p:spPr>
+        <p:txBody>
+          <a:bodyPr wrap="square" rtlCol="0">
+            <a:spAutoFit/>
+          </a:bodyPr>
+          <a:lstStyle>
+            <a:defPPr>
+              <a:defRPr lang="en-US"/>
+            </a:defPPr>
+            <a:lvl1pPr>
+              <a:defRPr sz="1600" b="1">
+                <a:solidFill>
+                  <a:schemeClr val="accent1"/>
+                </a:solidFill>
+                <a:latin typeface="Times New Roman" panose="02020603050405020304" pitchFamily="18" charset="0"/>
+                <a:ea typeface="PT Sans" panose="020B0503020203020204" pitchFamily="34" charset="0"/>
+                <a:cs typeface="Times New Roman" panose="02020603050405020304" pitchFamily="18" charset="0"/>
+              </a:defRPr>
+            </a:lvl1pPr>
+          </a:lstStyle>
+          <a:p>
+            <a:r>
+              <a:rPr lang="en-US" altLang="zh-TW" dirty="0"/>
+              <a:t>Analysis of Poisson frequency data under a simple crossover trial</a:t>
+            </a:r>
+          </a:p>
+        </p:txBody>
+      </p:sp>
+      <p:sp>
+        <p:nvSpPr>
+          <p:cNvPr id="17" name="TextBox 31">
+            <a:extLst>
+              <a:ext uri="{FF2B5EF4-FFF2-40B4-BE49-F238E27FC236}">
+                <a16:creationId xmlns:a16="http://schemas.microsoft.com/office/drawing/2014/main" id="{E23E667A-1036-4D9C-89A5-0FDC9F9EC315}"/>
+              </a:ext>
+            </a:extLst>
+          </p:cNvPr>
+          <p:cNvSpPr txBox="1"/>
+          <p:nvPr/>
+        </p:nvSpPr>
+        <p:spPr>
+          <a:xfrm>
+            <a:off x="1404747" y="2182003"/>
+            <a:ext cx="11124377" cy="845744"/>
+          </a:xfrm>
+          <a:prstGeom prst="rect">
+            <a:avLst/>
+          </a:prstGeom>
+          <a:noFill/>
+        </p:spPr>
+        <p:txBody>
+          <a:bodyPr wrap="square" numCol="1" spcCol="457200" rtlCol="0">
+            <a:spAutoFit/>
+          </a:bodyPr>
+          <a:lstStyle/>
+          <a:p>
+            <a:pPr marL="171450" indent="-171450">
+              <a:lnSpc>
+                <a:spcPts val="2000"/>
+              </a:lnSpc>
+              <a:buFont typeface="Arial" panose="020B0604020202020204" pitchFamily="34" charset="0"/>
+              <a:buChar char="•"/>
+            </a:pPr>
+            <a:r>
+              <a:rPr lang="en-US" altLang="zh-TW" sz="1600" dirty="0">
+                <a:solidFill>
+                  <a:schemeClr val="tx2"/>
+                </a:solidFill>
+                <a:latin typeface="Times New Roman" panose="02020603050405020304" pitchFamily="18" charset="0"/>
+                <a:ea typeface="PT Sans" panose="020B0503020203020204" pitchFamily="34" charset="0"/>
+                <a:cs typeface="Times New Roman" panose="02020603050405020304" pitchFamily="18" charset="0"/>
+              </a:rPr>
+              <a:t>Frequency of patient response follows the commonly-assumed Poisson distribution under a crossover design.</a:t>
+            </a:r>
+            <a:endParaRPr lang="en-US" sz="1600" dirty="0">
+              <a:solidFill>
+                <a:schemeClr val="tx2"/>
+              </a:solidFill>
+              <a:latin typeface="Times New Roman" panose="02020603050405020304" pitchFamily="18" charset="0"/>
+              <a:ea typeface="PT Sans" panose="020B0503020203020204" pitchFamily="34" charset="0"/>
+              <a:cs typeface="Times New Roman" panose="02020603050405020304" pitchFamily="18" charset="0"/>
+            </a:endParaRPr>
+          </a:p>
+          <a:p>
+            <a:pPr marL="171450" indent="-171450">
+              <a:lnSpc>
+                <a:spcPts val="2000"/>
+              </a:lnSpc>
+              <a:buFont typeface="Arial" panose="020B0604020202020204" pitchFamily="34" charset="0"/>
+              <a:buChar char="•"/>
+            </a:pPr>
+            <a:r>
+              <a:rPr lang="en-US" sz="1600" dirty="0">
+                <a:solidFill>
+                  <a:schemeClr val="tx2"/>
+                </a:solidFill>
+                <a:latin typeface="Times New Roman" panose="02020603050405020304" pitchFamily="18" charset="0"/>
+                <a:ea typeface="PT Sans" panose="020B0503020203020204" pitchFamily="34" charset="0"/>
+                <a:cs typeface="Times New Roman" panose="02020603050405020304" pitchFamily="18" charset="0"/>
+              </a:rPr>
+              <a:t>Present asymptotic and exact procedures for testing non-equality, non-inferiority and equivalence.</a:t>
+            </a:r>
+          </a:p>
+          <a:p>
+            <a:pPr marL="171450" indent="-171450">
+              <a:lnSpc>
+                <a:spcPts val="2000"/>
+              </a:lnSpc>
+              <a:buFont typeface="Arial" panose="020B0604020202020204" pitchFamily="34" charset="0"/>
+              <a:buChar char="•"/>
+            </a:pPr>
+            <a:r>
+              <a:rPr lang="en-US" sz="1600" dirty="0">
+                <a:solidFill>
+                  <a:schemeClr val="tx2"/>
+                </a:solidFill>
+                <a:latin typeface="Times New Roman" panose="02020603050405020304" pitchFamily="18" charset="0"/>
+                <a:ea typeface="PT Sans" panose="020B0503020203020204" pitchFamily="34" charset="0"/>
+                <a:cs typeface="Times New Roman" panose="02020603050405020304" pitchFamily="18" charset="0"/>
+              </a:rPr>
+              <a:t>Develop asymptotic and exact interval estimators for evaluate.</a:t>
+            </a:r>
+          </a:p>
+        </p:txBody>
+      </p:sp>
+      <p:sp>
+        <p:nvSpPr>
+          <p:cNvPr id="19" name="Oval 7">
+            <a:extLst>
+              <a:ext uri="{FF2B5EF4-FFF2-40B4-BE49-F238E27FC236}">
+                <a16:creationId xmlns:a16="http://schemas.microsoft.com/office/drawing/2014/main" id="{4EC6FD2F-8D87-47BF-BD1B-C29D80C4701D}"/>
+              </a:ext>
+            </a:extLst>
+          </p:cNvPr>
+          <p:cNvSpPr/>
+          <p:nvPr/>
+        </p:nvSpPr>
+        <p:spPr>
+          <a:xfrm>
+            <a:off x="749844" y="1659489"/>
+            <a:ext cx="522514" cy="522514"/>
+          </a:xfrm>
+          <a:prstGeom prst="ellipse">
+            <a:avLst/>
+          </a:prstGeom>
+          <a:solidFill>
+            <a:schemeClr val="accent1"/>
+          </a:solidFill>
+          <a:ln>
+            <a:noFill/>
+          </a:ln>
+        </p:spPr>
+        <p:style>
+          <a:lnRef idx="2">
+            <a:schemeClr val="accent1">
+              <a:shade val="50000"/>
+            </a:schemeClr>
+          </a:lnRef>
+          <a:fillRef idx="1">
+            <a:schemeClr val="accent1"/>
+          </a:fillRef>
+          <a:effectRef idx="0">
+            <a:schemeClr val="accent1"/>
+          </a:effectRef>
+          <a:fontRef idx="minor">
+            <a:schemeClr val="lt1"/>
+          </a:fontRef>
+        </p:style>
+        <p:txBody>
+          <a:bodyPr rtlCol="0" anchor="ctr"/>
+          <a:lstStyle/>
+          <a:p>
+            <a:pPr algn="ctr"/>
+            <a:endParaRPr lang="en-US"/>
+          </a:p>
+        </p:txBody>
+      </p:sp>
+      <p:sp>
+        <p:nvSpPr>
+          <p:cNvPr id="20" name="TextBox 42">
+            <a:extLst>
+              <a:ext uri="{FF2B5EF4-FFF2-40B4-BE49-F238E27FC236}">
+                <a16:creationId xmlns:a16="http://schemas.microsoft.com/office/drawing/2014/main" id="{00C24005-32DB-462A-ADBF-81AD3B0EDF3C}"/>
+              </a:ext>
+            </a:extLst>
+          </p:cNvPr>
+          <p:cNvSpPr txBox="1"/>
+          <p:nvPr/>
+        </p:nvSpPr>
+        <p:spPr>
+          <a:xfrm>
+            <a:off x="1404747" y="1751469"/>
+            <a:ext cx="3767021" cy="338554"/>
+          </a:xfrm>
+          <a:prstGeom prst="rect">
+            <a:avLst/>
+          </a:prstGeom>
+          <a:noFill/>
+        </p:spPr>
+        <p:txBody>
+          <a:bodyPr wrap="square" rtlCol="0">
+            <a:spAutoFit/>
+          </a:bodyPr>
+          <a:lstStyle/>
+          <a:p>
+            <a:r>
+              <a:rPr lang="en-US" sz="1600" b="1" dirty="0">
+                <a:solidFill>
+                  <a:schemeClr val="accent1"/>
+                </a:solidFill>
+                <a:latin typeface="Times New Roman" panose="02020603050405020304" pitchFamily="18" charset="0"/>
+                <a:ea typeface="PT Sans" panose="020B0503020203020204" pitchFamily="34" charset="0"/>
+                <a:cs typeface="Times New Roman" panose="02020603050405020304" pitchFamily="18" charset="0"/>
+              </a:rPr>
+              <a:t>The Goal of This Article</a:t>
+            </a:r>
+          </a:p>
+        </p:txBody>
+      </p:sp>
+      <p:sp>
+        <p:nvSpPr>
+          <p:cNvPr id="21" name="TextBox 43">
+            <a:extLst>
+              <a:ext uri="{FF2B5EF4-FFF2-40B4-BE49-F238E27FC236}">
+                <a16:creationId xmlns:a16="http://schemas.microsoft.com/office/drawing/2014/main" id="{215B4EE7-EFE7-48EA-813A-C460B8345993}"/>
+              </a:ext>
+            </a:extLst>
+          </p:cNvPr>
+          <p:cNvSpPr txBox="1"/>
+          <p:nvPr/>
+        </p:nvSpPr>
+        <p:spPr>
+          <a:xfrm>
+            <a:off x="698500" y="1736010"/>
+            <a:ext cx="625203" cy="400110"/>
+          </a:xfrm>
+          <a:prstGeom prst="rect">
+            <a:avLst/>
+          </a:prstGeom>
+          <a:noFill/>
+        </p:spPr>
+        <p:txBody>
+          <a:bodyPr wrap="square" rtlCol="0">
+            <a:spAutoFit/>
+          </a:bodyPr>
+          <a:lstStyle/>
+          <a:p>
+            <a:pPr algn="ctr"/>
+            <a:r>
+              <a:rPr lang="en-US" sz="2000" b="1" dirty="0">
+                <a:solidFill>
+                  <a:schemeClr val="bg1"/>
+                </a:solidFill>
+                <a:latin typeface="Poppins Medium" panose="00000600000000000000" pitchFamily="2" charset="0"/>
+                <a:ea typeface="PT Sans" panose="020B0503020203020204" pitchFamily="34" charset="0"/>
+                <a:cs typeface="Poppins Medium" panose="00000600000000000000" pitchFamily="2" charset="0"/>
+              </a:rPr>
+              <a:t>01</a:t>
+            </a:r>
+          </a:p>
+        </p:txBody>
+      </p:sp>
+      <p:sp>
+        <p:nvSpPr>
+          <p:cNvPr id="22" name="Oval 60">
+            <a:extLst>
+              <a:ext uri="{FF2B5EF4-FFF2-40B4-BE49-F238E27FC236}">
+                <a16:creationId xmlns:a16="http://schemas.microsoft.com/office/drawing/2014/main" id="{E344D7F4-87C3-4FB7-9CAE-2BFAA53CE679}"/>
+              </a:ext>
+            </a:extLst>
+          </p:cNvPr>
+          <p:cNvSpPr/>
+          <p:nvPr/>
+        </p:nvSpPr>
+        <p:spPr>
+          <a:xfrm>
+            <a:off x="749844" y="4534858"/>
+            <a:ext cx="522514" cy="522514"/>
+          </a:xfrm>
+          <a:prstGeom prst="ellipse">
+            <a:avLst/>
+          </a:prstGeom>
+          <a:solidFill>
+            <a:schemeClr val="accent4"/>
+          </a:solidFill>
+          <a:ln>
+            <a:noFill/>
+          </a:ln>
+        </p:spPr>
+        <p:style>
+          <a:lnRef idx="2">
+            <a:schemeClr val="accent1">
+              <a:shade val="50000"/>
+            </a:schemeClr>
+          </a:lnRef>
+          <a:fillRef idx="1">
+            <a:schemeClr val="accent1"/>
+          </a:fillRef>
+          <a:effectRef idx="0">
+            <a:schemeClr val="accent1"/>
+          </a:effectRef>
+          <a:fontRef idx="minor">
+            <a:schemeClr val="lt1"/>
+          </a:fontRef>
+        </p:style>
+        <p:txBody>
+          <a:bodyPr rtlCol="0" anchor="ctr"/>
+          <a:lstStyle/>
+          <a:p>
+            <a:pPr algn="ctr"/>
+            <a:endParaRPr lang="en-US"/>
+          </a:p>
+        </p:txBody>
+      </p:sp>
+      <p:sp>
+        <p:nvSpPr>
+          <p:cNvPr id="23" name="TextBox 64">
+            <a:extLst>
+              <a:ext uri="{FF2B5EF4-FFF2-40B4-BE49-F238E27FC236}">
+                <a16:creationId xmlns:a16="http://schemas.microsoft.com/office/drawing/2014/main" id="{6D739CB3-EC20-43EE-A193-3B15A48AF342}"/>
+              </a:ext>
+            </a:extLst>
+          </p:cNvPr>
+          <p:cNvSpPr txBox="1"/>
+          <p:nvPr/>
+        </p:nvSpPr>
+        <p:spPr>
+          <a:xfrm>
+            <a:off x="1404747" y="4666081"/>
+            <a:ext cx="4763500" cy="338554"/>
+          </a:xfrm>
+          <a:prstGeom prst="rect">
+            <a:avLst/>
+          </a:prstGeom>
+          <a:noFill/>
+        </p:spPr>
+        <p:txBody>
+          <a:bodyPr wrap="square" rtlCol="0">
+            <a:spAutoFit/>
+          </a:bodyPr>
+          <a:lstStyle/>
+          <a:p>
+            <a:r>
+              <a:rPr lang="en-US" sz="1600" b="1" dirty="0">
+                <a:solidFill>
+                  <a:schemeClr val="accent4"/>
+                </a:solidFill>
+                <a:latin typeface="Times New Roman" panose="02020603050405020304" pitchFamily="18" charset="0"/>
+                <a:ea typeface="PT Sans" panose="020B0503020203020204" pitchFamily="34" charset="0"/>
+                <a:cs typeface="Times New Roman" panose="02020603050405020304" pitchFamily="18" charset="0"/>
+              </a:rPr>
+              <a:t>Non-equality, Non-inferiority and Equivalence</a:t>
+            </a:r>
+          </a:p>
+        </p:txBody>
+      </p:sp>
+      <p:sp>
+        <p:nvSpPr>
+          <p:cNvPr id="24" name="TextBox 65">
+            <a:extLst>
+              <a:ext uri="{FF2B5EF4-FFF2-40B4-BE49-F238E27FC236}">
+                <a16:creationId xmlns:a16="http://schemas.microsoft.com/office/drawing/2014/main" id="{5290506E-7212-4031-8E4E-C4DCBF7BDE78}"/>
+              </a:ext>
+            </a:extLst>
+          </p:cNvPr>
+          <p:cNvSpPr txBox="1"/>
+          <p:nvPr/>
+        </p:nvSpPr>
+        <p:spPr>
+          <a:xfrm>
+            <a:off x="698500" y="4611379"/>
+            <a:ext cx="625203" cy="400110"/>
+          </a:xfrm>
+          <a:prstGeom prst="rect">
+            <a:avLst/>
+          </a:prstGeom>
+          <a:noFill/>
+        </p:spPr>
+        <p:txBody>
+          <a:bodyPr wrap="square" rtlCol="0">
+            <a:spAutoFit/>
+          </a:bodyPr>
+          <a:lstStyle/>
+          <a:p>
+            <a:pPr algn="ctr"/>
+            <a:r>
+              <a:rPr lang="en-US" sz="2000" b="1" dirty="0">
+                <a:solidFill>
+                  <a:schemeClr val="bg1"/>
+                </a:solidFill>
+                <a:latin typeface="Poppins Medium" panose="00000600000000000000" pitchFamily="2" charset="0"/>
+                <a:ea typeface="PT Sans" panose="020B0503020203020204" pitchFamily="34" charset="0"/>
+                <a:cs typeface="Poppins Medium" panose="00000600000000000000" pitchFamily="2" charset="0"/>
+              </a:rPr>
+              <a:t>03</a:t>
+            </a:r>
+          </a:p>
+        </p:txBody>
+      </p:sp>
+      <p:sp>
+        <p:nvSpPr>
+          <p:cNvPr id="28" name="Oval 46">
+            <a:extLst>
+              <a:ext uri="{FF2B5EF4-FFF2-40B4-BE49-F238E27FC236}">
+                <a16:creationId xmlns:a16="http://schemas.microsoft.com/office/drawing/2014/main" id="{311D418C-5B07-42B8-ACB9-ABDA973BC460}"/>
+              </a:ext>
+            </a:extLst>
+          </p:cNvPr>
+          <p:cNvSpPr/>
+          <p:nvPr/>
+        </p:nvSpPr>
+        <p:spPr>
+          <a:xfrm>
+            <a:off x="749844" y="3141636"/>
+            <a:ext cx="522514" cy="522514"/>
+          </a:xfrm>
+          <a:prstGeom prst="ellipse">
+            <a:avLst/>
+          </a:prstGeom>
+          <a:solidFill>
+            <a:schemeClr val="accent2"/>
+          </a:solidFill>
+          <a:ln>
+            <a:noFill/>
+          </a:ln>
+        </p:spPr>
+        <p:style>
+          <a:lnRef idx="2">
+            <a:schemeClr val="accent1">
+              <a:shade val="50000"/>
+            </a:schemeClr>
+          </a:lnRef>
+          <a:fillRef idx="1">
+            <a:schemeClr val="accent1"/>
+          </a:fillRef>
+          <a:effectRef idx="0">
+            <a:schemeClr val="accent1"/>
+          </a:effectRef>
+          <a:fontRef idx="minor">
+            <a:schemeClr val="lt1"/>
+          </a:fontRef>
+        </p:style>
+        <p:txBody>
+          <a:bodyPr rtlCol="0" anchor="ctr"/>
+          <a:lstStyle/>
+          <a:p>
+            <a:pPr algn="ctr"/>
+            <a:endParaRPr lang="en-US"/>
+          </a:p>
+        </p:txBody>
+      </p:sp>
+      <p:sp>
+        <p:nvSpPr>
+          <p:cNvPr id="29" name="TextBox 48">
+            <a:extLst>
+              <a:ext uri="{FF2B5EF4-FFF2-40B4-BE49-F238E27FC236}">
+                <a16:creationId xmlns:a16="http://schemas.microsoft.com/office/drawing/2014/main" id="{621E22F1-BBFA-47B0-8DED-8DCE059D52F2}"/>
+              </a:ext>
+            </a:extLst>
+          </p:cNvPr>
+          <p:cNvSpPr txBox="1"/>
+          <p:nvPr/>
+        </p:nvSpPr>
+        <p:spPr>
+          <a:xfrm>
+            <a:off x="1375047" y="3242091"/>
+            <a:ext cx="4932916" cy="338554"/>
+          </a:xfrm>
+          <a:prstGeom prst="rect">
+            <a:avLst/>
+          </a:prstGeom>
+          <a:noFill/>
+        </p:spPr>
+        <p:txBody>
+          <a:bodyPr wrap="square" rtlCol="0">
+            <a:spAutoFit/>
+          </a:bodyPr>
+          <a:lstStyle/>
+          <a:p>
+            <a:r>
+              <a:rPr lang="en-US" sz="1600" b="1" dirty="0">
+                <a:solidFill>
+                  <a:schemeClr val="accent2"/>
+                </a:solidFill>
+                <a:latin typeface="Times New Roman" panose="02020603050405020304" pitchFamily="18" charset="0"/>
+                <a:ea typeface="PT Sans" panose="020B0503020203020204" pitchFamily="34" charset="0"/>
+                <a:cs typeface="Times New Roman" panose="02020603050405020304" pitchFamily="18" charset="0"/>
+              </a:rPr>
+              <a:t>Crossover Design</a:t>
+            </a:r>
+          </a:p>
+        </p:txBody>
+      </p:sp>
+      <p:sp>
+        <p:nvSpPr>
+          <p:cNvPr id="30" name="TextBox 49">
+            <a:extLst>
+              <a:ext uri="{FF2B5EF4-FFF2-40B4-BE49-F238E27FC236}">
+                <a16:creationId xmlns:a16="http://schemas.microsoft.com/office/drawing/2014/main" id="{31D6FA3F-ECFF-4691-B50A-625B5864910B}"/>
+              </a:ext>
+            </a:extLst>
+          </p:cNvPr>
+          <p:cNvSpPr txBox="1"/>
+          <p:nvPr/>
+        </p:nvSpPr>
+        <p:spPr>
+          <a:xfrm>
+            <a:off x="698500" y="3218157"/>
+            <a:ext cx="625203" cy="400110"/>
+          </a:xfrm>
+          <a:prstGeom prst="rect">
+            <a:avLst/>
+          </a:prstGeom>
+          <a:noFill/>
+        </p:spPr>
+        <p:txBody>
+          <a:bodyPr wrap="square" rtlCol="0">
+            <a:spAutoFit/>
+          </a:bodyPr>
+          <a:lstStyle/>
+          <a:p>
+            <a:pPr algn="ctr"/>
+            <a:r>
+              <a:rPr lang="en-US" sz="2000" b="1" dirty="0">
+                <a:solidFill>
+                  <a:schemeClr val="bg1"/>
+                </a:solidFill>
+                <a:latin typeface="Poppins Medium" panose="00000600000000000000" pitchFamily="2" charset="0"/>
+                <a:ea typeface="PT Sans" panose="020B0503020203020204" pitchFamily="34" charset="0"/>
+                <a:cs typeface="Poppins Medium" panose="00000600000000000000" pitchFamily="2" charset="0"/>
+              </a:rPr>
+              <a:t>02</a:t>
+            </a:r>
+          </a:p>
+        </p:txBody>
+      </p:sp>
+      <p:sp>
+        <p:nvSpPr>
+          <p:cNvPr id="34" name="TextBox 31">
+            <a:extLst>
+              <a:ext uri="{FF2B5EF4-FFF2-40B4-BE49-F238E27FC236}">
+                <a16:creationId xmlns:a16="http://schemas.microsoft.com/office/drawing/2014/main" id="{E9D842DE-EEBB-419E-B70C-B7A29891DEFD}"/>
+              </a:ext>
+            </a:extLst>
+          </p:cNvPr>
+          <p:cNvSpPr txBox="1"/>
+          <p:nvPr/>
+        </p:nvSpPr>
+        <p:spPr>
+          <a:xfrm>
+            <a:off x="1440509" y="3794989"/>
+            <a:ext cx="4124550" cy="589264"/>
+          </a:xfrm>
+          <a:prstGeom prst="rect">
+            <a:avLst/>
+          </a:prstGeom>
+          <a:noFill/>
+        </p:spPr>
+        <p:txBody>
+          <a:bodyPr wrap="square" numCol="1" spcCol="457200" rtlCol="0">
+            <a:spAutoFit/>
+          </a:bodyPr>
+          <a:lstStyle/>
+          <a:p>
+            <a:pPr marL="171450" indent="-171450">
+              <a:lnSpc>
+                <a:spcPts val="2000"/>
+              </a:lnSpc>
+              <a:buFont typeface="Arial" panose="020B0604020202020204" pitchFamily="34" charset="0"/>
+              <a:buChar char="•"/>
+            </a:pPr>
+            <a:r>
+              <a:rPr lang="en-US" sz="1600" dirty="0">
+                <a:solidFill>
+                  <a:schemeClr val="tx2"/>
+                </a:solidFill>
+                <a:latin typeface="Times New Roman" panose="02020603050405020304" pitchFamily="18" charset="0"/>
+                <a:ea typeface="PT Sans" panose="020B0503020203020204" pitchFamily="34" charset="0"/>
+                <a:cs typeface="Times New Roman" panose="02020603050405020304" pitchFamily="18" charset="0"/>
+              </a:rPr>
+              <a:t>What is crossover design?</a:t>
+            </a:r>
+          </a:p>
+          <a:p>
+            <a:pPr marL="171450" indent="-171450">
+              <a:lnSpc>
+                <a:spcPts val="2000"/>
+              </a:lnSpc>
+              <a:buFont typeface="Arial" panose="020B0604020202020204" pitchFamily="34" charset="0"/>
+              <a:buChar char="•"/>
+            </a:pPr>
+            <a:r>
+              <a:rPr lang="en-US" sz="1600" dirty="0">
+                <a:solidFill>
+                  <a:schemeClr val="tx2"/>
+                </a:solidFill>
+                <a:latin typeface="Times New Roman" panose="02020603050405020304" pitchFamily="18" charset="0"/>
+                <a:ea typeface="PT Sans" panose="020B0503020203020204" pitchFamily="34" charset="0"/>
+                <a:cs typeface="Times New Roman" panose="02020603050405020304" pitchFamily="18" charset="0"/>
+              </a:rPr>
+              <a:t>Advantage &amp; Disadvantage</a:t>
+            </a:r>
+          </a:p>
+        </p:txBody>
+      </p:sp>
+      <p:sp>
+        <p:nvSpPr>
+          <p:cNvPr id="35" name="TextBox 31">
+            <a:extLst>
+              <a:ext uri="{FF2B5EF4-FFF2-40B4-BE49-F238E27FC236}">
+                <a16:creationId xmlns:a16="http://schemas.microsoft.com/office/drawing/2014/main" id="{E73476EF-A475-46F6-83FB-9D6E3091A3D9}"/>
+              </a:ext>
+            </a:extLst>
+          </p:cNvPr>
+          <p:cNvSpPr txBox="1"/>
+          <p:nvPr/>
+        </p:nvSpPr>
+        <p:spPr>
+          <a:xfrm>
+            <a:off x="1440509" y="5286463"/>
+            <a:ext cx="8123955" cy="589264"/>
+          </a:xfrm>
+          <a:prstGeom prst="rect">
+            <a:avLst/>
+          </a:prstGeom>
+          <a:noFill/>
+        </p:spPr>
+        <p:txBody>
+          <a:bodyPr wrap="square" numCol="1" spcCol="457200" rtlCol="0">
+            <a:spAutoFit/>
+          </a:bodyPr>
+          <a:lstStyle/>
+          <a:p>
+            <a:pPr marL="171450" indent="-171450">
+              <a:lnSpc>
+                <a:spcPts val="2000"/>
+              </a:lnSpc>
+              <a:buFont typeface="Arial" panose="020B0604020202020204" pitchFamily="34" charset="0"/>
+              <a:buChar char="•"/>
+            </a:pPr>
+            <a:r>
+              <a:rPr lang="en-US" sz="1600" dirty="0">
+                <a:solidFill>
+                  <a:schemeClr val="tx2"/>
+                </a:solidFill>
+                <a:latin typeface="Times New Roman" panose="02020603050405020304" pitchFamily="18" charset="0"/>
+                <a:ea typeface="PT Sans" panose="020B0503020203020204" pitchFamily="34" charset="0"/>
+                <a:cs typeface="Times New Roman" panose="02020603050405020304" pitchFamily="18" charset="0"/>
+              </a:rPr>
+              <a:t>Relationship among non-equality, non-inferiority and equivalence</a:t>
+            </a:r>
+          </a:p>
+          <a:p>
+            <a:pPr marL="171450" indent="-171450">
+              <a:lnSpc>
+                <a:spcPts val="2000"/>
+              </a:lnSpc>
+              <a:buFont typeface="Arial" panose="020B0604020202020204" pitchFamily="34" charset="0"/>
+              <a:buChar char="•"/>
+            </a:pPr>
+            <a:r>
+              <a:rPr lang="en-US" sz="1600" dirty="0">
+                <a:solidFill>
+                  <a:schemeClr val="tx2"/>
+                </a:solidFill>
+                <a:latin typeface="Times New Roman" panose="02020603050405020304" pitchFamily="18" charset="0"/>
+                <a:ea typeface="PT Sans" panose="020B0503020203020204" pitchFamily="34" charset="0"/>
+                <a:cs typeface="Times New Roman" panose="02020603050405020304" pitchFamily="18" charset="0"/>
+              </a:rPr>
+              <a:t>Testing for </a:t>
+            </a:r>
+            <a:r>
+              <a:rPr lang="en-US" altLang="zh-TW" sz="1600" dirty="0">
+                <a:solidFill>
+                  <a:schemeClr val="tx2"/>
+                </a:solidFill>
+                <a:latin typeface="Times New Roman" panose="02020603050405020304" pitchFamily="18" charset="0"/>
+                <a:ea typeface="PT Sans" panose="020B0503020203020204" pitchFamily="34" charset="0"/>
+                <a:cs typeface="Times New Roman" panose="02020603050405020304" pitchFamily="18" charset="0"/>
+              </a:rPr>
+              <a:t>non-equality, non-inferiority and equivalence</a:t>
+            </a:r>
+            <a:endParaRPr lang="en-US" sz="1600" dirty="0">
+              <a:solidFill>
+                <a:schemeClr val="tx2"/>
+              </a:solidFill>
+              <a:latin typeface="Times New Roman" panose="02020603050405020304" pitchFamily="18" charset="0"/>
+              <a:ea typeface="PT Sans" panose="020B0503020203020204" pitchFamily="34" charset="0"/>
+              <a:cs typeface="Times New Roman" panose="02020603050405020304" pitchFamily="18" charset="0"/>
+            </a:endParaRPr>
+          </a:p>
+        </p:txBody>
+      </p:sp>
+      <p:sp>
+        <p:nvSpPr>
+          <p:cNvPr id="3" name="投影片編號版面配置區 2">
+            <a:extLst>
+              <a:ext uri="{FF2B5EF4-FFF2-40B4-BE49-F238E27FC236}">
+                <a16:creationId xmlns:a16="http://schemas.microsoft.com/office/drawing/2014/main" id="{95ED8CFE-24AD-4CCC-B64B-DA3BC28DFEE0}"/>
+              </a:ext>
+            </a:extLst>
+          </p:cNvPr>
+          <p:cNvSpPr>
+            <a:spLocks noGrp="1"/>
+          </p:cNvSpPr>
+          <p:nvPr>
+            <p:ph type="sldNum" sz="quarter" idx="4"/>
+          </p:nvPr>
+        </p:nvSpPr>
+        <p:spPr/>
+        <p:txBody>
+          <a:bodyPr/>
+          <a:lstStyle/>
+          <a:p>
+            <a:fld id="{A834D990-9988-440C-886B-EA25C6D802F9}" type="slidenum">
+              <a:rPr lang="zh-TW" altLang="en-US" smtClean="0"/>
+              <a:t>2</a:t>
+            </a:fld>
+            <a:endParaRPr lang="zh-TW" altLang="en-US"/>
+          </a:p>
+        </p:txBody>
+      </p:sp>
+    </p:spTree>
+    <p:extLst>
+      <p:ext uri="{BB962C8B-B14F-4D97-AF65-F5344CB8AC3E}">
+        <p14:creationId xmlns:p14="http://schemas.microsoft.com/office/powerpoint/2010/main" val="635718976"/>
       </p:ext>
     </p:extLst>
   </p:cSld>
